--- a/slide/VMP_SOFTWARE_TEST.pptx
+++ b/slide/VMP_SOFTWARE_TEST.pptx
@@ -5,7 +5,7 @@
     <p:sldMasterId id="2147483648" r:id="rId1"/>
   </p:sldMasterIdLst>
   <p:notesMasterIdLst>
-    <p:notesMasterId r:id="rId52"/>
+    <p:notesMasterId r:id="rId54"/>
   </p:notesMasterIdLst>
   <p:sldIdLst>
     <p:sldId id="256" r:id="rId2"/>
@@ -51,13 +51,15 @@
     <p:sldId id="311" r:id="rId42"/>
     <p:sldId id="312" r:id="rId43"/>
     <p:sldId id="313" r:id="rId44"/>
-    <p:sldId id="314" r:id="rId45"/>
-    <p:sldId id="325" r:id="rId46"/>
-    <p:sldId id="327" r:id="rId47"/>
-    <p:sldId id="326" r:id="rId48"/>
-    <p:sldId id="322" r:id="rId49"/>
-    <p:sldId id="323" r:id="rId50"/>
-    <p:sldId id="324" r:id="rId51"/>
+    <p:sldId id="328" r:id="rId45"/>
+    <p:sldId id="329" r:id="rId46"/>
+    <p:sldId id="314" r:id="rId47"/>
+    <p:sldId id="325" r:id="rId48"/>
+    <p:sldId id="327" r:id="rId49"/>
+    <p:sldId id="326" r:id="rId50"/>
+    <p:sldId id="322" r:id="rId51"/>
+    <p:sldId id="323" r:id="rId52"/>
+    <p:sldId id="324" r:id="rId53"/>
   </p:sldIdLst>
   <p:sldSz cx="12192000" cy="6858000"/>
   <p:notesSz cx="6858000" cy="9144000"/>
@@ -246,7 +248,7 @@
           <a:p>
             <a:fld id="{716C2FA1-54FE-4F8A-B144-0FFB2792DBEE}" type="datetimeFigureOut">
               <a:rPr lang="en-US" smtClean="0"/>
-              <a:t>1/20/2024</a:t>
+              <a:t>1/21/2024</a:t>
             </a:fld>
             <a:endParaRPr lang="en-US"/>
           </a:p>
@@ -2303,7 +2305,7 @@
           <a:p>
             <a:fld id="{D65F7609-0E15-4931-980A-9EC2A5019752}" type="slidenum">
               <a:rPr lang="en-US" smtClean="0"/>
-              <a:t>44</a:t>
+              <a:t>46</a:t>
             </a:fld>
             <a:endParaRPr lang="en-US"/>
           </a:p>
@@ -2418,7 +2420,7 @@
           <a:p>
             <a:fld id="{D65F7609-0E15-4931-980A-9EC2A5019752}" type="slidenum">
               <a:rPr lang="en-US" smtClean="0"/>
-              <a:t>46</a:t>
+              <a:t>48</a:t>
             </a:fld>
             <a:endParaRPr lang="en-US"/>
           </a:p>
@@ -2502,7 +2504,7 @@
           <a:p>
             <a:fld id="{D65F7609-0E15-4931-980A-9EC2A5019752}" type="slidenum">
               <a:rPr lang="en-US" smtClean="0"/>
-              <a:t>47</a:t>
+              <a:t>49</a:t>
             </a:fld>
             <a:endParaRPr lang="en-US"/>
           </a:p>
@@ -3353,7 +3355,7 @@
           <a:p>
             <a:fld id="{30B463AA-3E9E-45E9-9DB4-E0BA46DC92A0}" type="datetimeFigureOut">
               <a:rPr lang="en-US" smtClean="0"/>
-              <a:t>1/20/2024</a:t>
+              <a:t>1/21/2024</a:t>
             </a:fld>
             <a:endParaRPr lang="en-US"/>
           </a:p>
@@ -3523,7 +3525,7 @@
           <a:p>
             <a:fld id="{30B463AA-3E9E-45E9-9DB4-E0BA46DC92A0}" type="datetimeFigureOut">
               <a:rPr lang="en-US" smtClean="0"/>
-              <a:t>1/20/2024</a:t>
+              <a:t>1/21/2024</a:t>
             </a:fld>
             <a:endParaRPr lang="en-US"/>
           </a:p>
@@ -3703,7 +3705,7 @@
           <a:p>
             <a:fld id="{30B463AA-3E9E-45E9-9DB4-E0BA46DC92A0}" type="datetimeFigureOut">
               <a:rPr lang="en-US" smtClean="0"/>
-              <a:t>1/20/2024</a:t>
+              <a:t>1/21/2024</a:t>
             </a:fld>
             <a:endParaRPr lang="en-US"/>
           </a:p>
@@ -3873,7 +3875,7 @@
           <a:p>
             <a:fld id="{30B463AA-3E9E-45E9-9DB4-E0BA46DC92A0}" type="datetimeFigureOut">
               <a:rPr lang="en-US" smtClean="0"/>
-              <a:t>1/20/2024</a:t>
+              <a:t>1/21/2024</a:t>
             </a:fld>
             <a:endParaRPr lang="en-US"/>
           </a:p>
@@ -4119,7 +4121,7 @@
           <a:p>
             <a:fld id="{30B463AA-3E9E-45E9-9DB4-E0BA46DC92A0}" type="datetimeFigureOut">
               <a:rPr lang="en-US" smtClean="0"/>
-              <a:t>1/20/2024</a:t>
+              <a:t>1/21/2024</a:t>
             </a:fld>
             <a:endParaRPr lang="en-US"/>
           </a:p>
@@ -4351,7 +4353,7 @@
           <a:p>
             <a:fld id="{30B463AA-3E9E-45E9-9DB4-E0BA46DC92A0}" type="datetimeFigureOut">
               <a:rPr lang="en-US" smtClean="0"/>
-              <a:t>1/20/2024</a:t>
+              <a:t>1/21/2024</a:t>
             </a:fld>
             <a:endParaRPr lang="en-US"/>
           </a:p>
@@ -4718,7 +4720,7 @@
           <a:p>
             <a:fld id="{30B463AA-3E9E-45E9-9DB4-E0BA46DC92A0}" type="datetimeFigureOut">
               <a:rPr lang="en-US" smtClean="0"/>
-              <a:t>1/20/2024</a:t>
+              <a:t>1/21/2024</a:t>
             </a:fld>
             <a:endParaRPr lang="en-US"/>
           </a:p>
@@ -4836,7 +4838,7 @@
           <a:p>
             <a:fld id="{30B463AA-3E9E-45E9-9DB4-E0BA46DC92A0}" type="datetimeFigureOut">
               <a:rPr lang="en-US" smtClean="0"/>
-              <a:t>1/20/2024</a:t>
+              <a:t>1/21/2024</a:t>
             </a:fld>
             <a:endParaRPr lang="en-US"/>
           </a:p>
@@ -4931,7 +4933,7 @@
           <a:p>
             <a:fld id="{30B463AA-3E9E-45E9-9DB4-E0BA46DC92A0}" type="datetimeFigureOut">
               <a:rPr lang="en-US" smtClean="0"/>
-              <a:t>1/20/2024</a:t>
+              <a:t>1/21/2024</a:t>
             </a:fld>
             <a:endParaRPr lang="en-US"/>
           </a:p>
@@ -5208,7 +5210,7 @@
           <a:p>
             <a:fld id="{30B463AA-3E9E-45E9-9DB4-E0BA46DC92A0}" type="datetimeFigureOut">
               <a:rPr lang="en-US" smtClean="0"/>
-              <a:t>1/20/2024</a:t>
+              <a:t>1/21/2024</a:t>
             </a:fld>
             <a:endParaRPr lang="en-US"/>
           </a:p>
@@ -5461,7 +5463,7 @@
           <a:p>
             <a:fld id="{30B463AA-3E9E-45E9-9DB4-E0BA46DC92A0}" type="datetimeFigureOut">
               <a:rPr lang="en-US" smtClean="0"/>
-              <a:t>1/20/2024</a:t>
+              <a:t>1/21/2024</a:t>
             </a:fld>
             <a:endParaRPr lang="en-US"/>
           </a:p>
@@ -5674,7 +5676,7 @@
           <a:p>
             <a:fld id="{30B463AA-3E9E-45E9-9DB4-E0BA46DC92A0}" type="datetimeFigureOut">
               <a:rPr lang="en-US" smtClean="0"/>
-              <a:t>1/20/2024</a:t>
+              <a:t>1/21/2024</a:t>
             </a:fld>
             <a:endParaRPr lang="en-US"/>
           </a:p>
@@ -14119,40 +14121,28 @@
             <a:pPr lvl="1"/>
             <a:r>
               <a:rPr lang="en-US"/>
-              <a:t>Gồm review manually (đánh giá thủ công) Automatic analysis by tool</a:t>
+              <a:t>Gồm review manually (đánh giá thủ </a:t>
+            </a:r>
+            <a:r>
+              <a:rPr lang="en-US" smtClean="0"/>
+              <a:t>công ) và  </a:t>
+            </a:r>
+            <a:r>
+              <a:rPr lang="en-US"/>
+              <a:t>Automatic analysis by </a:t>
+            </a:r>
+            <a:r>
+              <a:rPr lang="en-US" smtClean="0"/>
+              <a:t>tool</a:t>
             </a:r>
           </a:p>
           <a:p>
             <a:pPr lvl="1"/>
             <a:r>
               <a:rPr lang="en-US" smtClean="0"/>
-              <a:t>Các kỹ thuật: inspection: thực hiển test thông qua 1 danh sách check list </a:t>
-            </a:r>
-          </a:p>
-          <a:p>
-            <a:pPr lvl="1"/>
-            <a:r>
-              <a:rPr lang="en-US" smtClean="0"/>
-              <a:t>Informal review : đánh giá không chính thức, không yêu cầu chặt chẽ về quy trình, kiểm tra mã nguồn, tài liệu, </a:t>
-            </a:r>
-          </a:p>
-          <a:p>
-            <a:pPr lvl="1"/>
-            <a:r>
-              <a:rPr lang="en-US" smtClean="0"/>
-              <a:t>Walthrough: dạo qua, coder dạo qua nội dung code với nhóm test</a:t>
-            </a:r>
-          </a:p>
-          <a:p>
-            <a:pPr lvl="1"/>
-            <a:r>
-              <a:rPr lang="en-US" smtClean="0"/>
-              <a:t>Technical review ; đánh giá kỹ thuật thực hiện bởi chuyên gia có kiến thức sâu</a:t>
-            </a:r>
-          </a:p>
-          <a:p>
-            <a:pPr lvl="1"/>
-            <a:endParaRPr lang="en-US" smtClean="0"/>
+              <a:t>Phù hớp với test : Đặc tả yêu cầu SRS, FRS, code, tài liệu thiết kế kiến trúc</a:t>
+            </a:r>
+            <a:endParaRPr lang="en-US"/>
           </a:p>
           <a:p>
             <a:pPr marL="457200" lvl="1" indent="0">
@@ -14251,6 +14241,276 @@
           <a:lstStyle/>
           <a:p>
             <a:r>
+              <a:rPr lang="en-US"/>
+              <a:t>Testing techniques- Static testing</a:t>
+            </a:r>
+          </a:p>
+        </p:txBody>
+      </p:sp>
+      <p:sp>
+        <p:nvSpPr>
+          <p:cNvPr id="3" name="Content Placeholder 2"/>
+          <p:cNvSpPr>
+            <a:spLocks noGrp="1"/>
+          </p:cNvSpPr>
+          <p:nvPr>
+            <p:ph idx="1"/>
+          </p:nvPr>
+        </p:nvSpPr>
+        <p:spPr/>
+        <p:txBody>
+          <a:bodyPr/>
+          <a:lstStyle/>
+          <a:p>
+            <a:pPr lvl="1"/>
+            <a:r>
+              <a:rPr lang="en-US"/>
+              <a:t>Các kỹ thuật: inspection: thực hiển test thông qua 1 danh sách check list </a:t>
+            </a:r>
+          </a:p>
+          <a:p>
+            <a:pPr lvl="1"/>
+            <a:r>
+              <a:rPr lang="en-US"/>
+              <a:t>Informal review : đánh giá không chính thức, không yêu cầu chặt chẽ về quy trình, kiểm tra mã nguồn, tài liệu, </a:t>
+            </a:r>
+          </a:p>
+          <a:p>
+            <a:pPr lvl="1"/>
+            <a:r>
+              <a:rPr lang="en-US"/>
+              <a:t>Walthrough: dạo qua, coder dạo qua nội dung code với nhóm test</a:t>
+            </a:r>
+          </a:p>
+          <a:p>
+            <a:pPr lvl="1"/>
+            <a:r>
+              <a:rPr lang="en-US"/>
+              <a:t>Technical review ; đánh giá kỹ thuật thực hiện bởi chuyên gia có kiến thức sâu</a:t>
+            </a:r>
+          </a:p>
+          <a:p>
+            <a:pPr lvl="1"/>
+            <a:endParaRPr lang="en-US"/>
+          </a:p>
+        </p:txBody>
+      </p:sp>
+    </p:spTree>
+    <p:extLst>
+      <p:ext uri="{BB962C8B-B14F-4D97-AF65-F5344CB8AC3E}">
+        <p14:creationId xmlns:p14="http://schemas.microsoft.com/office/powerpoint/2010/main" val="3731768221"/>
+      </p:ext>
+    </p:extLst>
+  </p:cSld>
+  <p:clrMapOvr>
+    <a:masterClrMapping/>
+  </p:clrMapOvr>
+</p:sld>
+</file>
+
+<file path=ppt/slides/slide45.xml><?xml version="1.0" encoding="utf-8"?>
+<p:sld xmlns:a="http://schemas.openxmlformats.org/drawingml/2006/main" xmlns:r="http://schemas.openxmlformats.org/officeDocument/2006/relationships" xmlns:p="http://schemas.openxmlformats.org/presentationml/2006/main">
+  <p:cSld>
+    <p:spTree>
+      <p:nvGrpSpPr>
+        <p:cNvPr id="1" name=""/>
+        <p:cNvGrpSpPr/>
+        <p:nvPr/>
+      </p:nvGrpSpPr>
+      <p:grpSpPr>
+        <a:xfrm>
+          <a:off x="0" y="0"/>
+          <a:ext cx="0" cy="0"/>
+          <a:chOff x="0" y="0"/>
+          <a:chExt cx="0" cy="0"/>
+        </a:xfrm>
+      </p:grpSpPr>
+      <p:sp>
+        <p:nvSpPr>
+          <p:cNvPr id="2" name="Title 1"/>
+          <p:cNvSpPr>
+            <a:spLocks noGrp="1"/>
+          </p:cNvSpPr>
+          <p:nvPr>
+            <p:ph type="title"/>
+          </p:nvPr>
+        </p:nvSpPr>
+        <p:spPr/>
+        <p:txBody>
+          <a:bodyPr/>
+          <a:lstStyle/>
+          <a:p>
+            <a:r>
+              <a:rPr lang="en-US"/>
+              <a:t>Testing techniques- Static testing</a:t>
+            </a:r>
+          </a:p>
+        </p:txBody>
+      </p:sp>
+      <p:sp>
+        <p:nvSpPr>
+          <p:cNvPr id="3" name="Content Placeholder 2"/>
+          <p:cNvSpPr>
+            <a:spLocks noGrp="1"/>
+          </p:cNvSpPr>
+          <p:nvPr>
+            <p:ph idx="1"/>
+          </p:nvPr>
+        </p:nvSpPr>
+        <p:spPr/>
+        <p:txBody>
+          <a:bodyPr>
+            <a:normAutofit fontScale="92500" lnSpcReduction="10000"/>
+          </a:bodyPr>
+          <a:lstStyle/>
+          <a:p>
+            <a:r>
+              <a:rPr lang="en-US" smtClean="0"/>
+              <a:t>5 bước:</a:t>
+            </a:r>
+          </a:p>
+          <a:p>
+            <a:r>
+              <a:rPr lang="en-US" smtClean="0"/>
+              <a:t>Planning (scope –phạm vi-đối tượng, who –vai trò ai, time –thời gian)</a:t>
+            </a:r>
+            <a:endParaRPr lang="en-US"/>
+          </a:p>
+          <a:p>
+            <a:r>
+              <a:rPr lang="en-US" smtClean="0"/>
+              <a:t>Initiate chuẩn bị tài liệu làm việc,</a:t>
+            </a:r>
+          </a:p>
+          <a:p>
+            <a:pPr lvl="1"/>
+            <a:r>
+              <a:rPr lang="en-US" b="1"/>
+              <a:t>System requirement specification (SRS</a:t>
+            </a:r>
+            <a:r>
+              <a:rPr lang="en-US" b="1" smtClean="0"/>
+              <a:t>)</a:t>
+            </a:r>
+          </a:p>
+          <a:p>
+            <a:pPr lvl="2"/>
+            <a:r>
+              <a:rPr lang="en-US" smtClean="0"/>
+              <a:t>y/c chức năng và phi chức năng xây dựng hệ thống vd hệ thống có các module nào</a:t>
+            </a:r>
+          </a:p>
+          <a:p>
+            <a:pPr lvl="1"/>
+            <a:r>
+              <a:rPr lang="en-US" b="1"/>
+              <a:t>Functional requirement specification (FRS</a:t>
+            </a:r>
+            <a:r>
+              <a:rPr lang="en-US" b="1" smtClean="0"/>
+              <a:t>)</a:t>
+            </a:r>
+          </a:p>
+          <a:p>
+            <a:pPr lvl="2"/>
+            <a:r>
+              <a:rPr lang="en-US" smtClean="0"/>
+              <a:t>Chi tiết xây dựng chức năng hệ thống ví dụ module đó hoạt động chi tiết ntn</a:t>
+            </a:r>
+          </a:p>
+          <a:p>
+            <a:pPr lvl="2"/>
+            <a:r>
+              <a:rPr lang="en-US" smtClean="0"/>
+              <a:t>Thể hiện dưới UML diagrams, </a:t>
+            </a:r>
+          </a:p>
+          <a:p>
+            <a:pPr marL="228600" lvl="1">
+              <a:spcBef>
+                <a:spcPts val="1000"/>
+              </a:spcBef>
+            </a:pPr>
+            <a:r>
+              <a:rPr lang="en-US" sz="2800"/>
+              <a:t>Invidual </a:t>
+            </a:r>
+            <a:r>
+              <a:rPr lang="en-US" sz="2800" smtClean="0"/>
+              <a:t>review (cá nhân review sp)</a:t>
+            </a:r>
+          </a:p>
+          <a:p>
+            <a:pPr marL="228600" lvl="1">
+              <a:spcBef>
+                <a:spcPts val="1000"/>
+              </a:spcBef>
+            </a:pPr>
+            <a:r>
+              <a:rPr lang="en-US" sz="2800" smtClean="0"/>
+              <a:t>Issue analysis (đánh giá phân tích, truyền đạt lỗi đã được xác định)</a:t>
+            </a:r>
+          </a:p>
+          <a:p>
+            <a:pPr marL="228600" lvl="1">
+              <a:spcBef>
+                <a:spcPts val="1000"/>
+              </a:spcBef>
+            </a:pPr>
+            <a:r>
+              <a:rPr lang="en-US" sz="2800" smtClean="0"/>
+              <a:t>Fix and report : sửa và báo cáo </a:t>
+            </a:r>
+            <a:endParaRPr lang="en-US" sz="2800"/>
+          </a:p>
+        </p:txBody>
+      </p:sp>
+    </p:spTree>
+    <p:extLst>
+      <p:ext uri="{BB962C8B-B14F-4D97-AF65-F5344CB8AC3E}">
+        <p14:creationId xmlns:p14="http://schemas.microsoft.com/office/powerpoint/2010/main" val="3462133944"/>
+      </p:ext>
+    </p:extLst>
+  </p:cSld>
+  <p:clrMapOvr>
+    <a:masterClrMapping/>
+  </p:clrMapOvr>
+</p:sld>
+</file>
+
+<file path=ppt/slides/slide46.xml><?xml version="1.0" encoding="utf-8"?>
+<p:sld xmlns:a="http://schemas.openxmlformats.org/drawingml/2006/main" xmlns:r="http://schemas.openxmlformats.org/officeDocument/2006/relationships" xmlns:p="http://schemas.openxmlformats.org/presentationml/2006/main">
+  <p:cSld>
+    <p:spTree>
+      <p:nvGrpSpPr>
+        <p:cNvPr id="1" name=""/>
+        <p:cNvGrpSpPr/>
+        <p:nvPr/>
+      </p:nvGrpSpPr>
+      <p:grpSpPr>
+        <a:xfrm>
+          <a:off x="0" y="0"/>
+          <a:ext cx="0" cy="0"/>
+          <a:chOff x="0" y="0"/>
+          <a:chExt cx="0" cy="0"/>
+        </a:xfrm>
+      </p:grpSpPr>
+      <p:sp>
+        <p:nvSpPr>
+          <p:cNvPr id="2" name="Title 1"/>
+          <p:cNvSpPr>
+            <a:spLocks noGrp="1"/>
+          </p:cNvSpPr>
+          <p:nvPr>
+            <p:ph type="title"/>
+          </p:nvPr>
+        </p:nvSpPr>
+        <p:spPr/>
+        <p:txBody>
+          <a:bodyPr/>
+          <a:lstStyle/>
+          <a:p>
+            <a:r>
               <a:rPr lang="en-US" smtClean="0"/>
               <a:t>Testing techniques- Dynamic testing</a:t>
             </a:r>
@@ -14613,7 +14873,7 @@
 </p:sld>
 </file>
 
-<file path=ppt/slides/slide45.xml><?xml version="1.0" encoding="utf-8"?>
+<file path=ppt/slides/slide47.xml><?xml version="1.0" encoding="utf-8"?>
 <p:sld xmlns:a="http://schemas.openxmlformats.org/drawingml/2006/main" xmlns:r="http://schemas.openxmlformats.org/officeDocument/2006/relationships" xmlns:p="http://schemas.openxmlformats.org/presentationml/2006/main">
   <p:cSld>
     <p:spTree>
@@ -14685,7 +14945,7 @@
 </p:sld>
 </file>
 
-<file path=ppt/slides/slide46.xml><?xml version="1.0" encoding="utf-8"?>
+<file path=ppt/slides/slide48.xml><?xml version="1.0" encoding="utf-8"?>
 <p:sld xmlns:a="http://schemas.openxmlformats.org/drawingml/2006/main" xmlns:r="http://schemas.openxmlformats.org/officeDocument/2006/relationships" xmlns:p="http://schemas.openxmlformats.org/presentationml/2006/main">
   <p:cSld>
     <p:spTree>
@@ -14901,7 +15161,7 @@
 </p:sld>
 </file>
 
-<file path=ppt/slides/slide47.xml><?xml version="1.0" encoding="utf-8"?>
+<file path=ppt/slides/slide49.xml><?xml version="1.0" encoding="utf-8"?>
 <p:sld xmlns:a="http://schemas.openxmlformats.org/drawingml/2006/main" xmlns:r="http://schemas.openxmlformats.org/officeDocument/2006/relationships" xmlns:p="http://schemas.openxmlformats.org/presentationml/2006/main">
   <p:cSld>
     <p:spTree>
@@ -15058,222 +15318,6 @@
 </p:sld>
 </file>
 
-<file path=ppt/slides/slide48.xml><?xml version="1.0" encoding="utf-8"?>
-<p:sld xmlns:a="http://schemas.openxmlformats.org/drawingml/2006/main" xmlns:r="http://schemas.openxmlformats.org/officeDocument/2006/relationships" xmlns:p="http://schemas.openxmlformats.org/presentationml/2006/main">
-  <p:cSld>
-    <p:spTree>
-      <p:nvGrpSpPr>
-        <p:cNvPr id="1" name=""/>
-        <p:cNvGrpSpPr/>
-        <p:nvPr/>
-      </p:nvGrpSpPr>
-      <p:grpSpPr>
-        <a:xfrm>
-          <a:off x="0" y="0"/>
-          <a:ext cx="0" cy="0"/>
-          <a:chOff x="0" y="0"/>
-          <a:chExt cx="0" cy="0"/>
-        </a:xfrm>
-      </p:grpSpPr>
-      <p:sp>
-        <p:nvSpPr>
-          <p:cNvPr id="2" name="Title 1"/>
-          <p:cNvSpPr>
-            <a:spLocks noGrp="1"/>
-          </p:cNvSpPr>
-          <p:nvPr>
-            <p:ph type="title"/>
-          </p:nvPr>
-        </p:nvSpPr>
-        <p:spPr/>
-        <p:txBody>
-          <a:bodyPr/>
-          <a:lstStyle/>
-          <a:p>
-            <a:r>
-              <a:rPr lang="en-US" smtClean="0"/>
-              <a:t>Test case design</a:t>
-            </a:r>
-            <a:endParaRPr lang="en-US"/>
-          </a:p>
-        </p:txBody>
-      </p:sp>
-      <p:sp>
-        <p:nvSpPr>
-          <p:cNvPr id="3" name="Content Placeholder 2"/>
-          <p:cNvSpPr>
-            <a:spLocks noGrp="1"/>
-          </p:cNvSpPr>
-          <p:nvPr>
-            <p:ph idx="1"/>
-          </p:nvPr>
-        </p:nvSpPr>
-        <p:spPr/>
-        <p:txBody>
-          <a:bodyPr/>
-          <a:lstStyle/>
-          <a:p>
-            <a:r>
-              <a:rPr lang="en-US" smtClean="0"/>
-              <a:t>Thiết kế đầu vào và đầu ra dự đoán </a:t>
-            </a:r>
-          </a:p>
-          <a:p>
-            <a:r>
-              <a:rPr lang="en-US" smtClean="0"/>
-              <a:t>Các phương pháp design test case</a:t>
-            </a:r>
-          </a:p>
-          <a:p>
-            <a:r>
-              <a:rPr lang="en-US" smtClean="0"/>
-              <a:t>- kiểm thử dựa trên yêu cầu</a:t>
-            </a:r>
-          </a:p>
-          <a:p>
-            <a:r>
-              <a:rPr lang="en-US" smtClean="0"/>
-              <a:t>- kiểm thử phân hoạch . phân các đầu vào thành các nhóm có chung đặc tính, </a:t>
-            </a:r>
-          </a:p>
-          <a:p>
-            <a:r>
-              <a:rPr lang="en-US"/>
-              <a:t> </a:t>
-            </a:r>
-            <a:r>
-              <a:rPr lang="en-US" smtClean="0"/>
-              <a:t>kiểm thử cấu trúc</a:t>
-            </a:r>
-            <a:endParaRPr lang="en-US"/>
-          </a:p>
-        </p:txBody>
-      </p:sp>
-    </p:spTree>
-    <p:extLst>
-      <p:ext uri="{BB962C8B-B14F-4D97-AF65-F5344CB8AC3E}">
-        <p14:creationId xmlns:p14="http://schemas.microsoft.com/office/powerpoint/2010/main" val="266696133"/>
-      </p:ext>
-    </p:extLst>
-  </p:cSld>
-  <p:clrMapOvr>
-    <a:masterClrMapping/>
-  </p:clrMapOvr>
-</p:sld>
-</file>
-
-<file path=ppt/slides/slide49.xml><?xml version="1.0" encoding="utf-8"?>
-<p:sld xmlns:a="http://schemas.openxmlformats.org/drawingml/2006/main" xmlns:r="http://schemas.openxmlformats.org/officeDocument/2006/relationships" xmlns:p="http://schemas.openxmlformats.org/presentationml/2006/main">
-  <p:cSld>
-    <p:spTree>
-      <p:nvGrpSpPr>
-        <p:cNvPr id="1" name=""/>
-        <p:cNvGrpSpPr/>
-        <p:nvPr/>
-      </p:nvGrpSpPr>
-      <p:grpSpPr>
-        <a:xfrm>
-          <a:off x="0" y="0"/>
-          <a:ext cx="0" cy="0"/>
-          <a:chOff x="0" y="0"/>
-          <a:chExt cx="0" cy="0"/>
-        </a:xfrm>
-      </p:grpSpPr>
-      <p:sp>
-        <p:nvSpPr>
-          <p:cNvPr id="2" name="Title 1"/>
-          <p:cNvSpPr>
-            <a:spLocks noGrp="1"/>
-          </p:cNvSpPr>
-          <p:nvPr>
-            <p:ph type="title"/>
-          </p:nvPr>
-        </p:nvSpPr>
-        <p:spPr/>
-        <p:txBody>
-          <a:bodyPr/>
-          <a:lstStyle/>
-          <a:p>
-            <a:r>
-              <a:rPr lang="en-US" smtClean="0"/>
-              <a:t>Ví dụ test case design dựa trên yêu cầu</a:t>
-            </a:r>
-            <a:endParaRPr lang="en-US"/>
-          </a:p>
-        </p:txBody>
-      </p:sp>
-      <p:sp>
-        <p:nvSpPr>
-          <p:cNvPr id="3" name="Content Placeholder 2"/>
-          <p:cNvSpPr>
-            <a:spLocks noGrp="1"/>
-          </p:cNvSpPr>
-          <p:nvPr>
-            <p:ph idx="1"/>
-          </p:nvPr>
-        </p:nvSpPr>
-        <p:spPr/>
-        <p:txBody>
-          <a:bodyPr>
-            <a:normAutofit fontScale="92500"/>
-          </a:bodyPr>
-          <a:lstStyle/>
-          <a:p>
-            <a:r>
-              <a:rPr lang="en-US" smtClean="0"/>
-              <a:t>Yêu cầu: người dùng có thể tìm kiếm hoặc tất cả tập ban đầu của cơ sở dữ liệu hoặc lựa chọn một tập con từ đó của hệ thống thư viện sách</a:t>
-            </a:r>
-          </a:p>
-          <a:p>
-            <a:r>
-              <a:rPr lang="en-US"/>
-              <a:t> </a:t>
-            </a:r>
-            <a:r>
-              <a:rPr lang="en-US" smtClean="0"/>
-              <a:t>test case1: tìm kiếm không nhập từ khoá -&gt; mong đợi trả về tất cả sách hoặc sách mới nhất (hot)</a:t>
-            </a:r>
-          </a:p>
-          <a:p>
-            <a:r>
-              <a:rPr lang="en-US" smtClean="0"/>
-              <a:t>Test case2: tìm theo từ khoá -&gt; mong đợi trả về theo từ khoá</a:t>
-            </a:r>
-          </a:p>
-          <a:p>
-            <a:r>
-              <a:rPr lang="en-US" smtClean="0"/>
-              <a:t>Test case3: lựa chọn tập con từ kết quả tìm  -&gt; mong đợi :tìm kiếm nhận kết quả, nhấn vào danh mục hoặc tác giả để tìm những kết quả liên quan</a:t>
-            </a:r>
-          </a:p>
-          <a:p>
-            <a:r>
-              <a:rPr lang="en-US" smtClean="0"/>
-              <a:t>Test case4: tìm kiếm theo danh mục -&gt; mong đợi trả về theo danh mục sách</a:t>
-            </a:r>
-          </a:p>
-          <a:p>
-            <a:r>
-              <a:rPr lang="en-US" smtClean="0"/>
-              <a:t>Test case5: ….</a:t>
-            </a:r>
-            <a:endParaRPr lang="en-US"/>
-          </a:p>
-        </p:txBody>
-      </p:sp>
-    </p:spTree>
-    <p:extLst>
-      <p:ext uri="{BB962C8B-B14F-4D97-AF65-F5344CB8AC3E}">
-        <p14:creationId xmlns:p14="http://schemas.microsoft.com/office/powerpoint/2010/main" val="518076181"/>
-      </p:ext>
-    </p:extLst>
-  </p:cSld>
-  <p:clrMapOvr>
-    <a:masterClrMapping/>
-  </p:clrMapOvr>
-</p:sld>
-</file>
-
 <file path=ppt/slides/slide5.xml><?xml version="1.0" encoding="utf-8"?>
 <p:sld xmlns:a="http://schemas.openxmlformats.org/drawingml/2006/main" xmlns:r="http://schemas.openxmlformats.org/officeDocument/2006/relationships" xmlns:p="http://schemas.openxmlformats.org/presentationml/2006/main">
   <p:cSld>
@@ -15374,6 +15418,222 @@
 </file>
 
 <file path=ppt/slides/slide50.xml><?xml version="1.0" encoding="utf-8"?>
+<p:sld xmlns:a="http://schemas.openxmlformats.org/drawingml/2006/main" xmlns:r="http://schemas.openxmlformats.org/officeDocument/2006/relationships" xmlns:p="http://schemas.openxmlformats.org/presentationml/2006/main">
+  <p:cSld>
+    <p:spTree>
+      <p:nvGrpSpPr>
+        <p:cNvPr id="1" name=""/>
+        <p:cNvGrpSpPr/>
+        <p:nvPr/>
+      </p:nvGrpSpPr>
+      <p:grpSpPr>
+        <a:xfrm>
+          <a:off x="0" y="0"/>
+          <a:ext cx="0" cy="0"/>
+          <a:chOff x="0" y="0"/>
+          <a:chExt cx="0" cy="0"/>
+        </a:xfrm>
+      </p:grpSpPr>
+      <p:sp>
+        <p:nvSpPr>
+          <p:cNvPr id="2" name="Title 1"/>
+          <p:cNvSpPr>
+            <a:spLocks noGrp="1"/>
+          </p:cNvSpPr>
+          <p:nvPr>
+            <p:ph type="title"/>
+          </p:nvPr>
+        </p:nvSpPr>
+        <p:spPr/>
+        <p:txBody>
+          <a:bodyPr/>
+          <a:lstStyle/>
+          <a:p>
+            <a:r>
+              <a:rPr lang="en-US" smtClean="0"/>
+              <a:t>Test case design</a:t>
+            </a:r>
+            <a:endParaRPr lang="en-US"/>
+          </a:p>
+        </p:txBody>
+      </p:sp>
+      <p:sp>
+        <p:nvSpPr>
+          <p:cNvPr id="3" name="Content Placeholder 2"/>
+          <p:cNvSpPr>
+            <a:spLocks noGrp="1"/>
+          </p:cNvSpPr>
+          <p:nvPr>
+            <p:ph idx="1"/>
+          </p:nvPr>
+        </p:nvSpPr>
+        <p:spPr/>
+        <p:txBody>
+          <a:bodyPr/>
+          <a:lstStyle/>
+          <a:p>
+            <a:r>
+              <a:rPr lang="en-US" smtClean="0"/>
+              <a:t>Thiết kế đầu vào và đầu ra dự đoán </a:t>
+            </a:r>
+          </a:p>
+          <a:p>
+            <a:r>
+              <a:rPr lang="en-US" smtClean="0"/>
+              <a:t>Các phương pháp design test case</a:t>
+            </a:r>
+          </a:p>
+          <a:p>
+            <a:r>
+              <a:rPr lang="en-US" smtClean="0"/>
+              <a:t>- kiểm thử dựa trên yêu cầu</a:t>
+            </a:r>
+          </a:p>
+          <a:p>
+            <a:r>
+              <a:rPr lang="en-US" smtClean="0"/>
+              <a:t>- kiểm thử phân hoạch . phân các đầu vào thành các nhóm có chung đặc tính, </a:t>
+            </a:r>
+          </a:p>
+          <a:p>
+            <a:r>
+              <a:rPr lang="en-US"/>
+              <a:t> </a:t>
+            </a:r>
+            <a:r>
+              <a:rPr lang="en-US" smtClean="0"/>
+              <a:t>kiểm thử cấu trúc</a:t>
+            </a:r>
+            <a:endParaRPr lang="en-US"/>
+          </a:p>
+        </p:txBody>
+      </p:sp>
+    </p:spTree>
+    <p:extLst>
+      <p:ext uri="{BB962C8B-B14F-4D97-AF65-F5344CB8AC3E}">
+        <p14:creationId xmlns:p14="http://schemas.microsoft.com/office/powerpoint/2010/main" val="266696133"/>
+      </p:ext>
+    </p:extLst>
+  </p:cSld>
+  <p:clrMapOvr>
+    <a:masterClrMapping/>
+  </p:clrMapOvr>
+</p:sld>
+</file>
+
+<file path=ppt/slides/slide51.xml><?xml version="1.0" encoding="utf-8"?>
+<p:sld xmlns:a="http://schemas.openxmlformats.org/drawingml/2006/main" xmlns:r="http://schemas.openxmlformats.org/officeDocument/2006/relationships" xmlns:p="http://schemas.openxmlformats.org/presentationml/2006/main">
+  <p:cSld>
+    <p:spTree>
+      <p:nvGrpSpPr>
+        <p:cNvPr id="1" name=""/>
+        <p:cNvGrpSpPr/>
+        <p:nvPr/>
+      </p:nvGrpSpPr>
+      <p:grpSpPr>
+        <a:xfrm>
+          <a:off x="0" y="0"/>
+          <a:ext cx="0" cy="0"/>
+          <a:chOff x="0" y="0"/>
+          <a:chExt cx="0" cy="0"/>
+        </a:xfrm>
+      </p:grpSpPr>
+      <p:sp>
+        <p:nvSpPr>
+          <p:cNvPr id="2" name="Title 1"/>
+          <p:cNvSpPr>
+            <a:spLocks noGrp="1"/>
+          </p:cNvSpPr>
+          <p:nvPr>
+            <p:ph type="title"/>
+          </p:nvPr>
+        </p:nvSpPr>
+        <p:spPr/>
+        <p:txBody>
+          <a:bodyPr/>
+          <a:lstStyle/>
+          <a:p>
+            <a:r>
+              <a:rPr lang="en-US" smtClean="0"/>
+              <a:t>Ví dụ test case design dựa trên yêu cầu</a:t>
+            </a:r>
+            <a:endParaRPr lang="en-US"/>
+          </a:p>
+        </p:txBody>
+      </p:sp>
+      <p:sp>
+        <p:nvSpPr>
+          <p:cNvPr id="3" name="Content Placeholder 2"/>
+          <p:cNvSpPr>
+            <a:spLocks noGrp="1"/>
+          </p:cNvSpPr>
+          <p:nvPr>
+            <p:ph idx="1"/>
+          </p:nvPr>
+        </p:nvSpPr>
+        <p:spPr/>
+        <p:txBody>
+          <a:bodyPr>
+            <a:normAutofit fontScale="92500"/>
+          </a:bodyPr>
+          <a:lstStyle/>
+          <a:p>
+            <a:r>
+              <a:rPr lang="en-US" smtClean="0"/>
+              <a:t>Yêu cầu: người dùng có thể tìm kiếm hoặc tất cả tập ban đầu của cơ sở dữ liệu hoặc lựa chọn một tập con từ đó của hệ thống thư viện sách</a:t>
+            </a:r>
+          </a:p>
+          <a:p>
+            <a:r>
+              <a:rPr lang="en-US"/>
+              <a:t> </a:t>
+            </a:r>
+            <a:r>
+              <a:rPr lang="en-US" smtClean="0"/>
+              <a:t>test case1: tìm kiếm không nhập từ khoá -&gt; mong đợi trả về tất cả sách hoặc sách mới nhất (hot)</a:t>
+            </a:r>
+          </a:p>
+          <a:p>
+            <a:r>
+              <a:rPr lang="en-US" smtClean="0"/>
+              <a:t>Test case2: tìm theo từ khoá -&gt; mong đợi trả về theo từ khoá</a:t>
+            </a:r>
+          </a:p>
+          <a:p>
+            <a:r>
+              <a:rPr lang="en-US" smtClean="0"/>
+              <a:t>Test case3: lựa chọn tập con từ kết quả tìm  -&gt; mong đợi :tìm kiếm nhận kết quả, nhấn vào danh mục hoặc tác giả để tìm những kết quả liên quan</a:t>
+            </a:r>
+          </a:p>
+          <a:p>
+            <a:r>
+              <a:rPr lang="en-US" smtClean="0"/>
+              <a:t>Test case4: tìm kiếm theo danh mục -&gt; mong đợi trả về theo danh mục sách</a:t>
+            </a:r>
+          </a:p>
+          <a:p>
+            <a:r>
+              <a:rPr lang="en-US" smtClean="0"/>
+              <a:t>Test case5: ….</a:t>
+            </a:r>
+            <a:endParaRPr lang="en-US"/>
+          </a:p>
+        </p:txBody>
+      </p:sp>
+    </p:spTree>
+    <p:extLst>
+      <p:ext uri="{BB962C8B-B14F-4D97-AF65-F5344CB8AC3E}">
+        <p14:creationId xmlns:p14="http://schemas.microsoft.com/office/powerpoint/2010/main" val="518076181"/>
+      </p:ext>
+    </p:extLst>
+  </p:cSld>
+  <p:clrMapOvr>
+    <a:masterClrMapping/>
+  </p:clrMapOvr>
+</p:sld>
+</file>
+
+<file path=ppt/slides/slide52.xml><?xml version="1.0" encoding="utf-8"?>
 <p:sld xmlns:a="http://schemas.openxmlformats.org/drawingml/2006/main" xmlns:r="http://schemas.openxmlformats.org/officeDocument/2006/relationships" xmlns:p="http://schemas.openxmlformats.org/presentationml/2006/main">
   <p:cSld>
     <p:spTree>

--- a/slide/VMP_SOFTWARE_TEST.pptx
+++ b/slide/VMP_SOFTWARE_TEST.pptx
@@ -5,7 +5,7 @@
     <p:sldMasterId id="2147483648" r:id="rId1"/>
   </p:sldMasterIdLst>
   <p:notesMasterIdLst>
-    <p:notesMasterId r:id="rId54"/>
+    <p:notesMasterId r:id="rId83"/>
   </p:notesMasterIdLst>
   <p:sldIdLst>
     <p:sldId id="256" r:id="rId2"/>
@@ -55,11 +55,40 @@
     <p:sldId id="329" r:id="rId46"/>
     <p:sldId id="314" r:id="rId47"/>
     <p:sldId id="325" r:id="rId48"/>
-    <p:sldId id="327" r:id="rId49"/>
-    <p:sldId id="326" r:id="rId50"/>
-    <p:sldId id="322" r:id="rId51"/>
-    <p:sldId id="323" r:id="rId52"/>
-    <p:sldId id="324" r:id="rId53"/>
+    <p:sldId id="332" r:id="rId49"/>
+    <p:sldId id="333" r:id="rId50"/>
+    <p:sldId id="334" r:id="rId51"/>
+    <p:sldId id="330" r:id="rId52"/>
+    <p:sldId id="331" r:id="rId53"/>
+    <p:sldId id="327" r:id="rId54"/>
+    <p:sldId id="326" r:id="rId55"/>
+    <p:sldId id="322" r:id="rId56"/>
+    <p:sldId id="335" r:id="rId57"/>
+    <p:sldId id="336" r:id="rId58"/>
+    <p:sldId id="343" r:id="rId59"/>
+    <p:sldId id="338" r:id="rId60"/>
+    <p:sldId id="337" r:id="rId61"/>
+    <p:sldId id="339" r:id="rId62"/>
+    <p:sldId id="341" r:id="rId63"/>
+    <p:sldId id="344" r:id="rId64"/>
+    <p:sldId id="345" r:id="rId65"/>
+    <p:sldId id="354" r:id="rId66"/>
+    <p:sldId id="355" r:id="rId67"/>
+    <p:sldId id="356" r:id="rId68"/>
+    <p:sldId id="357" r:id="rId69"/>
+    <p:sldId id="346" r:id="rId70"/>
+    <p:sldId id="347" r:id="rId71"/>
+    <p:sldId id="348" r:id="rId72"/>
+    <p:sldId id="342" r:id="rId73"/>
+    <p:sldId id="359" r:id="rId74"/>
+    <p:sldId id="349" r:id="rId75"/>
+    <p:sldId id="350" r:id="rId76"/>
+    <p:sldId id="351" r:id="rId77"/>
+    <p:sldId id="352" r:id="rId78"/>
+    <p:sldId id="353" r:id="rId79"/>
+    <p:sldId id="358" r:id="rId80"/>
+    <p:sldId id="360" r:id="rId81"/>
+    <p:sldId id="361" r:id="rId82"/>
   </p:sldIdLst>
   <p:sldSz cx="12192000" cy="6858000"/>
   <p:notesSz cx="6858000" cy="9144000"/>
@@ -248,7 +277,7 @@
           <a:p>
             <a:fld id="{716C2FA1-54FE-4F8A-B144-0FFB2792DBEE}" type="datetimeFigureOut">
               <a:rPr lang="en-US" smtClean="0"/>
-              <a:t>1/21/2024</a:t>
+              <a:t>3/3/2024</a:t>
             </a:fld>
             <a:endParaRPr lang="en-US"/>
           </a:p>
@@ -2368,37 +2397,6 @@
           <a:bodyPr/>
           <a:lstStyle/>
           <a:p>
-            <a:r>
-              <a:rPr lang="en-US" smtClean="0"/>
-              <a:t>Câu</a:t>
-            </a:r>
-            <a:r>
-              <a:rPr lang="en-US" baseline="0" smtClean="0"/>
-              <a:t> hỏi nên là Y/N để trả lời nhanh và tránh giải thích long vòng gây hiểu sai</a:t>
-            </a:r>
-          </a:p>
-          <a:p>
-            <a:r>
-              <a:rPr lang="en-US" baseline="0" smtClean="0"/>
-              <a:t>Scope : phạm vi dự án. –dự án thực hiện bao lâu, bao gồm công việc gì timeline cụ thể,</a:t>
-            </a:r>
-          </a:p>
-          <a:p>
-            <a:r>
-              <a:rPr lang="en-US" baseline="0" smtClean="0"/>
-              <a:t>Phương pháp tiếp cận: tuỳ vào thời gian test, độ khắt khe, công nghệ dự án, lĩnh vực của dự án</a:t>
-            </a:r>
-          </a:p>
-          <a:p>
-            <a:r>
-              <a:rPr lang="en-US" baseline="0" smtClean="0"/>
-              <a:t>Nguồn lực : số người, thiết bị, đie</a:t>
-            </a:r>
-          </a:p>
-          <a:p>
-            <a:endParaRPr lang="en-US" baseline="0" smtClean="0"/>
-          </a:p>
-          <a:p>
             <a:endParaRPr lang="en-US"/>
           </a:p>
         </p:txBody>
@@ -2429,7 +2427,7 @@
     </p:spTree>
     <p:extLst>
       <p:ext uri="{BB962C8B-B14F-4D97-AF65-F5344CB8AC3E}">
-        <p14:creationId xmlns:p14="http://schemas.microsoft.com/office/powerpoint/2010/main" val="186612627"/>
+        <p14:creationId xmlns:p14="http://schemas.microsoft.com/office/powerpoint/2010/main" val="3865490786"/>
       </p:ext>
     </p:extLst>
   </p:cSld>
@@ -2504,7 +2502,206 @@
           <a:p>
             <a:fld id="{D65F7609-0E15-4931-980A-9EC2A5019752}" type="slidenum">
               <a:rPr lang="en-US" smtClean="0"/>
-              <a:t>49</a:t>
+              <a:t>52</a:t>
+            </a:fld>
+            <a:endParaRPr lang="en-US"/>
+          </a:p>
+        </p:txBody>
+      </p:sp>
+    </p:spTree>
+    <p:extLst>
+      <p:ext uri="{BB962C8B-B14F-4D97-AF65-F5344CB8AC3E}">
+        <p14:creationId xmlns:p14="http://schemas.microsoft.com/office/powerpoint/2010/main" val="2430069631"/>
+      </p:ext>
+    </p:extLst>
+  </p:cSld>
+  <p:clrMapOvr>
+    <a:masterClrMapping/>
+  </p:clrMapOvr>
+</p:notes>
+</file>
+
+<file path=ppt/notesSlides/notesSlide28.xml><?xml version="1.0" encoding="utf-8"?>
+<p:notes xmlns:a="http://schemas.openxmlformats.org/drawingml/2006/main" xmlns:r="http://schemas.openxmlformats.org/officeDocument/2006/relationships" xmlns:p="http://schemas.openxmlformats.org/presentationml/2006/main">
+  <p:cSld>
+    <p:spTree>
+      <p:nvGrpSpPr>
+        <p:cNvPr id="1" name=""/>
+        <p:cNvGrpSpPr/>
+        <p:nvPr/>
+      </p:nvGrpSpPr>
+      <p:grpSpPr>
+        <a:xfrm>
+          <a:off x="0" y="0"/>
+          <a:ext cx="0" cy="0"/>
+          <a:chOff x="0" y="0"/>
+          <a:chExt cx="0" cy="0"/>
+        </a:xfrm>
+      </p:grpSpPr>
+      <p:sp>
+        <p:nvSpPr>
+          <p:cNvPr id="2" name="Slide Image Placeholder 1"/>
+          <p:cNvSpPr>
+            <a:spLocks noGrp="1" noRot="1" noChangeAspect="1"/>
+          </p:cNvSpPr>
+          <p:nvPr>
+            <p:ph type="sldImg"/>
+          </p:nvPr>
+        </p:nvSpPr>
+        <p:spPr/>
+      </p:sp>
+      <p:sp>
+        <p:nvSpPr>
+          <p:cNvPr id="3" name="Notes Placeholder 2"/>
+          <p:cNvSpPr>
+            <a:spLocks noGrp="1"/>
+          </p:cNvSpPr>
+          <p:nvPr>
+            <p:ph type="body" idx="1"/>
+          </p:nvPr>
+        </p:nvSpPr>
+        <p:spPr/>
+        <p:txBody>
+          <a:bodyPr/>
+          <a:lstStyle/>
+          <a:p>
+            <a:r>
+              <a:rPr lang="en-US" smtClean="0"/>
+              <a:t>Câu</a:t>
+            </a:r>
+            <a:r>
+              <a:rPr lang="en-US" baseline="0" smtClean="0"/>
+              <a:t> hỏi nên là Y/N để trả lời nhanh và tránh giải thích long vòng gây hiểu sai</a:t>
+            </a:r>
+          </a:p>
+          <a:p>
+            <a:r>
+              <a:rPr lang="en-US" baseline="0" smtClean="0"/>
+              <a:t>Scope : phạm vi dự án. –dự án thực hiện bao lâu, bao gồm công việc gì timeline cụ thể,</a:t>
+            </a:r>
+          </a:p>
+          <a:p>
+            <a:r>
+              <a:rPr lang="en-US" baseline="0" smtClean="0"/>
+              <a:t>Phương pháp tiếp cận: tuỳ vào thời gian test, độ khắt khe, công nghệ dự án, lĩnh vực của dự án</a:t>
+            </a:r>
+          </a:p>
+          <a:p>
+            <a:r>
+              <a:rPr lang="en-US" baseline="0" smtClean="0"/>
+              <a:t>Nguồn lực : số người, thiết bị, đie</a:t>
+            </a:r>
+          </a:p>
+          <a:p>
+            <a:endParaRPr lang="en-US" baseline="0" smtClean="0"/>
+          </a:p>
+          <a:p>
+            <a:endParaRPr lang="en-US"/>
+          </a:p>
+        </p:txBody>
+      </p:sp>
+      <p:sp>
+        <p:nvSpPr>
+          <p:cNvPr id="4" name="Slide Number Placeholder 3"/>
+          <p:cNvSpPr>
+            <a:spLocks noGrp="1"/>
+          </p:cNvSpPr>
+          <p:nvPr>
+            <p:ph type="sldNum" sz="quarter" idx="10"/>
+          </p:nvPr>
+        </p:nvSpPr>
+        <p:spPr/>
+        <p:txBody>
+          <a:bodyPr/>
+          <a:lstStyle/>
+          <a:p>
+            <a:fld id="{D65F7609-0E15-4931-980A-9EC2A5019752}" type="slidenum">
+              <a:rPr lang="en-US" smtClean="0"/>
+              <a:t>53</a:t>
+            </a:fld>
+            <a:endParaRPr lang="en-US"/>
+          </a:p>
+        </p:txBody>
+      </p:sp>
+    </p:spTree>
+    <p:extLst>
+      <p:ext uri="{BB962C8B-B14F-4D97-AF65-F5344CB8AC3E}">
+        <p14:creationId xmlns:p14="http://schemas.microsoft.com/office/powerpoint/2010/main" val="186612627"/>
+      </p:ext>
+    </p:extLst>
+  </p:cSld>
+  <p:clrMapOvr>
+    <a:masterClrMapping/>
+  </p:clrMapOvr>
+</p:notes>
+</file>
+
+<file path=ppt/notesSlides/notesSlide29.xml><?xml version="1.0" encoding="utf-8"?>
+<p:notes xmlns:a="http://schemas.openxmlformats.org/drawingml/2006/main" xmlns:r="http://schemas.openxmlformats.org/officeDocument/2006/relationships" xmlns:p="http://schemas.openxmlformats.org/presentationml/2006/main">
+  <p:cSld>
+    <p:spTree>
+      <p:nvGrpSpPr>
+        <p:cNvPr id="1" name=""/>
+        <p:cNvGrpSpPr/>
+        <p:nvPr/>
+      </p:nvGrpSpPr>
+      <p:grpSpPr>
+        <a:xfrm>
+          <a:off x="0" y="0"/>
+          <a:ext cx="0" cy="0"/>
+          <a:chOff x="0" y="0"/>
+          <a:chExt cx="0" cy="0"/>
+        </a:xfrm>
+      </p:grpSpPr>
+      <p:sp>
+        <p:nvSpPr>
+          <p:cNvPr id="2" name="Slide Image Placeholder 1"/>
+          <p:cNvSpPr>
+            <a:spLocks noGrp="1" noRot="1" noChangeAspect="1"/>
+          </p:cNvSpPr>
+          <p:nvPr>
+            <p:ph type="sldImg"/>
+          </p:nvPr>
+        </p:nvSpPr>
+        <p:spPr/>
+      </p:sp>
+      <p:sp>
+        <p:nvSpPr>
+          <p:cNvPr id="3" name="Notes Placeholder 2"/>
+          <p:cNvSpPr>
+            <a:spLocks noGrp="1"/>
+          </p:cNvSpPr>
+          <p:nvPr>
+            <p:ph type="body" idx="1"/>
+          </p:nvPr>
+        </p:nvSpPr>
+        <p:spPr/>
+        <p:txBody>
+          <a:bodyPr/>
+          <a:lstStyle/>
+          <a:p>
+            <a:endParaRPr lang="en-US"/>
+          </a:p>
+        </p:txBody>
+      </p:sp>
+      <p:sp>
+        <p:nvSpPr>
+          <p:cNvPr id="4" name="Slide Number Placeholder 3"/>
+          <p:cNvSpPr>
+            <a:spLocks noGrp="1"/>
+          </p:cNvSpPr>
+          <p:nvPr>
+            <p:ph type="sldNum" sz="quarter" idx="10"/>
+          </p:nvPr>
+        </p:nvSpPr>
+        <p:spPr/>
+        <p:txBody>
+          <a:bodyPr/>
+          <a:lstStyle/>
+          <a:p>
+            <a:fld id="{D65F7609-0E15-4931-980A-9EC2A5019752}" type="slidenum">
+              <a:rPr lang="en-US" smtClean="0"/>
+              <a:t>54</a:t>
             </a:fld>
             <a:endParaRPr lang="en-US"/>
           </a:p>
@@ -2627,6 +2824,696 @@
     <p:extLst>
       <p:ext uri="{BB962C8B-B14F-4D97-AF65-F5344CB8AC3E}">
         <p14:creationId xmlns:p14="http://schemas.microsoft.com/office/powerpoint/2010/main" val="1374559144"/>
+      </p:ext>
+    </p:extLst>
+  </p:cSld>
+  <p:clrMapOvr>
+    <a:masterClrMapping/>
+  </p:clrMapOvr>
+</p:notes>
+</file>
+
+<file path=ppt/notesSlides/notesSlide30.xml><?xml version="1.0" encoding="utf-8"?>
+<p:notes xmlns:a="http://schemas.openxmlformats.org/drawingml/2006/main" xmlns:r="http://schemas.openxmlformats.org/officeDocument/2006/relationships" xmlns:p="http://schemas.openxmlformats.org/presentationml/2006/main">
+  <p:cSld>
+    <p:spTree>
+      <p:nvGrpSpPr>
+        <p:cNvPr id="1" name=""/>
+        <p:cNvGrpSpPr/>
+        <p:nvPr/>
+      </p:nvGrpSpPr>
+      <p:grpSpPr>
+        <a:xfrm>
+          <a:off x="0" y="0"/>
+          <a:ext cx="0" cy="0"/>
+          <a:chOff x="0" y="0"/>
+          <a:chExt cx="0" cy="0"/>
+        </a:xfrm>
+      </p:grpSpPr>
+      <p:sp>
+        <p:nvSpPr>
+          <p:cNvPr id="2" name="Slide Image Placeholder 1"/>
+          <p:cNvSpPr>
+            <a:spLocks noGrp="1" noRot="1" noChangeAspect="1"/>
+          </p:cNvSpPr>
+          <p:nvPr>
+            <p:ph type="sldImg"/>
+          </p:nvPr>
+        </p:nvSpPr>
+        <p:spPr/>
+      </p:sp>
+      <p:sp>
+        <p:nvSpPr>
+          <p:cNvPr id="3" name="Notes Placeholder 2"/>
+          <p:cNvSpPr>
+            <a:spLocks noGrp="1"/>
+          </p:cNvSpPr>
+          <p:nvPr>
+            <p:ph type="body" idx="1"/>
+          </p:nvPr>
+        </p:nvSpPr>
+        <p:spPr/>
+        <p:txBody>
+          <a:bodyPr/>
+          <a:lstStyle/>
+          <a:p>
+            <a:r>
+              <a:rPr lang="en-US" smtClean="0"/>
+              <a:t>Ví</a:t>
+            </a:r>
+            <a:r>
+              <a:rPr lang="en-US" baseline="0" smtClean="0"/>
+              <a:t> dụ login là 1 ngữ cảnh khi test 1 website</a:t>
+            </a:r>
+            <a:endParaRPr lang="en-US"/>
+          </a:p>
+        </p:txBody>
+      </p:sp>
+      <p:sp>
+        <p:nvSpPr>
+          <p:cNvPr id="4" name="Slide Number Placeholder 3"/>
+          <p:cNvSpPr>
+            <a:spLocks noGrp="1"/>
+          </p:cNvSpPr>
+          <p:nvPr>
+            <p:ph type="sldNum" sz="quarter" idx="10"/>
+          </p:nvPr>
+        </p:nvSpPr>
+        <p:spPr/>
+        <p:txBody>
+          <a:bodyPr/>
+          <a:lstStyle/>
+          <a:p>
+            <a:fld id="{D65F7609-0E15-4931-980A-9EC2A5019752}" type="slidenum">
+              <a:rPr lang="en-US" smtClean="0"/>
+              <a:t>55</a:t>
+            </a:fld>
+            <a:endParaRPr lang="en-US"/>
+          </a:p>
+        </p:txBody>
+      </p:sp>
+    </p:spTree>
+    <p:extLst>
+      <p:ext uri="{BB962C8B-B14F-4D97-AF65-F5344CB8AC3E}">
+        <p14:creationId xmlns:p14="http://schemas.microsoft.com/office/powerpoint/2010/main" val="3518083767"/>
+      </p:ext>
+    </p:extLst>
+  </p:cSld>
+  <p:clrMapOvr>
+    <a:masterClrMapping/>
+  </p:clrMapOvr>
+</p:notes>
+</file>
+
+<file path=ppt/notesSlides/notesSlide31.xml><?xml version="1.0" encoding="utf-8"?>
+<p:notes xmlns:a="http://schemas.openxmlformats.org/drawingml/2006/main" xmlns:r="http://schemas.openxmlformats.org/officeDocument/2006/relationships" xmlns:p="http://schemas.openxmlformats.org/presentationml/2006/main">
+  <p:cSld>
+    <p:spTree>
+      <p:nvGrpSpPr>
+        <p:cNvPr id="1" name=""/>
+        <p:cNvGrpSpPr/>
+        <p:nvPr/>
+      </p:nvGrpSpPr>
+      <p:grpSpPr>
+        <a:xfrm>
+          <a:off x="0" y="0"/>
+          <a:ext cx="0" cy="0"/>
+          <a:chOff x="0" y="0"/>
+          <a:chExt cx="0" cy="0"/>
+        </a:xfrm>
+      </p:grpSpPr>
+      <p:sp>
+        <p:nvSpPr>
+          <p:cNvPr id="2" name="Slide Image Placeholder 1"/>
+          <p:cNvSpPr>
+            <a:spLocks noGrp="1" noRot="1" noChangeAspect="1"/>
+          </p:cNvSpPr>
+          <p:nvPr>
+            <p:ph type="sldImg"/>
+          </p:nvPr>
+        </p:nvSpPr>
+        <p:spPr/>
+      </p:sp>
+      <p:sp>
+        <p:nvSpPr>
+          <p:cNvPr id="3" name="Notes Placeholder 2"/>
+          <p:cNvSpPr>
+            <a:spLocks noGrp="1"/>
+          </p:cNvSpPr>
+          <p:nvPr>
+            <p:ph type="body" idx="1"/>
+          </p:nvPr>
+        </p:nvSpPr>
+        <p:spPr/>
+        <p:txBody>
+          <a:bodyPr/>
+          <a:lstStyle/>
+          <a:p>
+            <a:endParaRPr lang="en-US"/>
+          </a:p>
+        </p:txBody>
+      </p:sp>
+      <p:sp>
+        <p:nvSpPr>
+          <p:cNvPr id="4" name="Slide Number Placeholder 3"/>
+          <p:cNvSpPr>
+            <a:spLocks noGrp="1"/>
+          </p:cNvSpPr>
+          <p:nvPr>
+            <p:ph type="sldNum" sz="quarter" idx="10"/>
+          </p:nvPr>
+        </p:nvSpPr>
+        <p:spPr/>
+        <p:txBody>
+          <a:bodyPr/>
+          <a:lstStyle/>
+          <a:p>
+            <a:fld id="{D65F7609-0E15-4931-980A-9EC2A5019752}" type="slidenum">
+              <a:rPr lang="en-US" smtClean="0"/>
+              <a:t>61</a:t>
+            </a:fld>
+            <a:endParaRPr lang="en-US"/>
+          </a:p>
+        </p:txBody>
+      </p:sp>
+    </p:spTree>
+    <p:extLst>
+      <p:ext uri="{BB962C8B-B14F-4D97-AF65-F5344CB8AC3E}">
+        <p14:creationId xmlns:p14="http://schemas.microsoft.com/office/powerpoint/2010/main" val="3061126795"/>
+      </p:ext>
+    </p:extLst>
+  </p:cSld>
+  <p:clrMapOvr>
+    <a:masterClrMapping/>
+  </p:clrMapOvr>
+</p:notes>
+</file>
+
+<file path=ppt/notesSlides/notesSlide32.xml><?xml version="1.0" encoding="utf-8"?>
+<p:notes xmlns:a="http://schemas.openxmlformats.org/drawingml/2006/main" xmlns:r="http://schemas.openxmlformats.org/officeDocument/2006/relationships" xmlns:p="http://schemas.openxmlformats.org/presentationml/2006/main">
+  <p:cSld>
+    <p:spTree>
+      <p:nvGrpSpPr>
+        <p:cNvPr id="1" name=""/>
+        <p:cNvGrpSpPr/>
+        <p:nvPr/>
+      </p:nvGrpSpPr>
+      <p:grpSpPr>
+        <a:xfrm>
+          <a:off x="0" y="0"/>
+          <a:ext cx="0" cy="0"/>
+          <a:chOff x="0" y="0"/>
+          <a:chExt cx="0" cy="0"/>
+        </a:xfrm>
+      </p:grpSpPr>
+      <p:sp>
+        <p:nvSpPr>
+          <p:cNvPr id="2" name="Slide Image Placeholder 1"/>
+          <p:cNvSpPr>
+            <a:spLocks noGrp="1" noRot="1" noChangeAspect="1"/>
+          </p:cNvSpPr>
+          <p:nvPr>
+            <p:ph type="sldImg"/>
+          </p:nvPr>
+        </p:nvSpPr>
+        <p:spPr/>
+      </p:sp>
+      <p:sp>
+        <p:nvSpPr>
+          <p:cNvPr id="3" name="Notes Placeholder 2"/>
+          <p:cNvSpPr>
+            <a:spLocks noGrp="1"/>
+          </p:cNvSpPr>
+          <p:nvPr>
+            <p:ph type="body" idx="1"/>
+          </p:nvPr>
+        </p:nvSpPr>
+        <p:spPr/>
+        <p:txBody>
+          <a:bodyPr/>
+          <a:lstStyle/>
+          <a:p>
+            <a:endParaRPr lang="en-US"/>
+          </a:p>
+        </p:txBody>
+      </p:sp>
+      <p:sp>
+        <p:nvSpPr>
+          <p:cNvPr id="4" name="Slide Number Placeholder 3"/>
+          <p:cNvSpPr>
+            <a:spLocks noGrp="1"/>
+          </p:cNvSpPr>
+          <p:nvPr>
+            <p:ph type="sldNum" sz="quarter" idx="10"/>
+          </p:nvPr>
+        </p:nvSpPr>
+        <p:spPr/>
+        <p:txBody>
+          <a:bodyPr/>
+          <a:lstStyle/>
+          <a:p>
+            <a:fld id="{D65F7609-0E15-4931-980A-9EC2A5019752}" type="slidenum">
+              <a:rPr lang="en-US" smtClean="0"/>
+              <a:t>63</a:t>
+            </a:fld>
+            <a:endParaRPr lang="en-US"/>
+          </a:p>
+        </p:txBody>
+      </p:sp>
+    </p:spTree>
+    <p:extLst>
+      <p:ext uri="{BB962C8B-B14F-4D97-AF65-F5344CB8AC3E}">
+        <p14:creationId xmlns:p14="http://schemas.microsoft.com/office/powerpoint/2010/main" val="2523220064"/>
+      </p:ext>
+    </p:extLst>
+  </p:cSld>
+  <p:clrMapOvr>
+    <a:masterClrMapping/>
+  </p:clrMapOvr>
+</p:notes>
+</file>
+
+<file path=ppt/notesSlides/notesSlide33.xml><?xml version="1.0" encoding="utf-8"?>
+<p:notes xmlns:a="http://schemas.openxmlformats.org/drawingml/2006/main" xmlns:r="http://schemas.openxmlformats.org/officeDocument/2006/relationships" xmlns:p="http://schemas.openxmlformats.org/presentationml/2006/main">
+  <p:cSld>
+    <p:spTree>
+      <p:nvGrpSpPr>
+        <p:cNvPr id="1" name=""/>
+        <p:cNvGrpSpPr/>
+        <p:nvPr/>
+      </p:nvGrpSpPr>
+      <p:grpSpPr>
+        <a:xfrm>
+          <a:off x="0" y="0"/>
+          <a:ext cx="0" cy="0"/>
+          <a:chOff x="0" y="0"/>
+          <a:chExt cx="0" cy="0"/>
+        </a:xfrm>
+      </p:grpSpPr>
+      <p:sp>
+        <p:nvSpPr>
+          <p:cNvPr id="2" name="Slide Image Placeholder 1"/>
+          <p:cNvSpPr>
+            <a:spLocks noGrp="1" noRot="1" noChangeAspect="1"/>
+          </p:cNvSpPr>
+          <p:nvPr>
+            <p:ph type="sldImg"/>
+          </p:nvPr>
+        </p:nvSpPr>
+        <p:spPr/>
+      </p:sp>
+      <p:sp>
+        <p:nvSpPr>
+          <p:cNvPr id="3" name="Notes Placeholder 2"/>
+          <p:cNvSpPr>
+            <a:spLocks noGrp="1"/>
+          </p:cNvSpPr>
+          <p:nvPr>
+            <p:ph type="body" idx="1"/>
+          </p:nvPr>
+        </p:nvSpPr>
+        <p:spPr/>
+        <p:txBody>
+          <a:bodyPr/>
+          <a:lstStyle/>
+          <a:p>
+            <a:r>
+              <a:rPr lang="en-US" smtClean="0"/>
+              <a:t>https://www.softwaretestingmaterial.com/pairwise-testing/ ví</a:t>
+            </a:r>
+            <a:r>
+              <a:rPr lang="en-US" baseline="0" smtClean="0"/>
+              <a:t> dụ them</a:t>
+            </a:r>
+          </a:p>
+          <a:p>
+            <a:endParaRPr lang="en-US"/>
+          </a:p>
+        </p:txBody>
+      </p:sp>
+      <p:sp>
+        <p:nvSpPr>
+          <p:cNvPr id="4" name="Slide Number Placeholder 3"/>
+          <p:cNvSpPr>
+            <a:spLocks noGrp="1"/>
+          </p:cNvSpPr>
+          <p:nvPr>
+            <p:ph type="sldNum" sz="quarter" idx="10"/>
+          </p:nvPr>
+        </p:nvSpPr>
+        <p:spPr/>
+        <p:txBody>
+          <a:bodyPr/>
+          <a:lstStyle/>
+          <a:p>
+            <a:fld id="{D65F7609-0E15-4931-980A-9EC2A5019752}" type="slidenum">
+              <a:rPr lang="en-US" smtClean="0"/>
+              <a:t>68</a:t>
+            </a:fld>
+            <a:endParaRPr lang="en-US"/>
+          </a:p>
+        </p:txBody>
+      </p:sp>
+    </p:spTree>
+    <p:extLst>
+      <p:ext uri="{BB962C8B-B14F-4D97-AF65-F5344CB8AC3E}">
+        <p14:creationId xmlns:p14="http://schemas.microsoft.com/office/powerpoint/2010/main" val="2062549715"/>
+      </p:ext>
+    </p:extLst>
+  </p:cSld>
+  <p:clrMapOvr>
+    <a:masterClrMapping/>
+  </p:clrMapOvr>
+</p:notes>
+</file>
+
+<file path=ppt/notesSlides/notesSlide34.xml><?xml version="1.0" encoding="utf-8"?>
+<p:notes xmlns:a="http://schemas.openxmlformats.org/drawingml/2006/main" xmlns:r="http://schemas.openxmlformats.org/officeDocument/2006/relationships" xmlns:p="http://schemas.openxmlformats.org/presentationml/2006/main">
+  <p:cSld>
+    <p:spTree>
+      <p:nvGrpSpPr>
+        <p:cNvPr id="1" name=""/>
+        <p:cNvGrpSpPr/>
+        <p:nvPr/>
+      </p:nvGrpSpPr>
+      <p:grpSpPr>
+        <a:xfrm>
+          <a:off x="0" y="0"/>
+          <a:ext cx="0" cy="0"/>
+          <a:chOff x="0" y="0"/>
+          <a:chExt cx="0" cy="0"/>
+        </a:xfrm>
+      </p:grpSpPr>
+      <p:sp>
+        <p:nvSpPr>
+          <p:cNvPr id="2" name="Slide Image Placeholder 1"/>
+          <p:cNvSpPr>
+            <a:spLocks noGrp="1" noRot="1" noChangeAspect="1"/>
+          </p:cNvSpPr>
+          <p:nvPr>
+            <p:ph type="sldImg"/>
+          </p:nvPr>
+        </p:nvSpPr>
+        <p:spPr/>
+      </p:sp>
+      <p:sp>
+        <p:nvSpPr>
+          <p:cNvPr id="3" name="Notes Placeholder 2"/>
+          <p:cNvSpPr>
+            <a:spLocks noGrp="1"/>
+          </p:cNvSpPr>
+          <p:nvPr>
+            <p:ph type="body" idx="1"/>
+          </p:nvPr>
+        </p:nvSpPr>
+        <p:spPr/>
+        <p:txBody>
+          <a:bodyPr/>
+          <a:lstStyle/>
+          <a:p>
+            <a:endParaRPr lang="en-US"/>
+          </a:p>
+        </p:txBody>
+      </p:sp>
+      <p:sp>
+        <p:nvSpPr>
+          <p:cNvPr id="4" name="Slide Number Placeholder 3"/>
+          <p:cNvSpPr>
+            <a:spLocks noGrp="1"/>
+          </p:cNvSpPr>
+          <p:nvPr>
+            <p:ph type="sldNum" sz="quarter" idx="10"/>
+          </p:nvPr>
+        </p:nvSpPr>
+        <p:spPr/>
+        <p:txBody>
+          <a:bodyPr/>
+          <a:lstStyle/>
+          <a:p>
+            <a:fld id="{D65F7609-0E15-4931-980A-9EC2A5019752}" type="slidenum">
+              <a:rPr lang="en-US" smtClean="0"/>
+              <a:t>74</a:t>
+            </a:fld>
+            <a:endParaRPr lang="en-US"/>
+          </a:p>
+        </p:txBody>
+      </p:sp>
+    </p:spTree>
+    <p:extLst>
+      <p:ext uri="{BB962C8B-B14F-4D97-AF65-F5344CB8AC3E}">
+        <p14:creationId xmlns:p14="http://schemas.microsoft.com/office/powerpoint/2010/main" val="2987629525"/>
+      </p:ext>
+    </p:extLst>
+  </p:cSld>
+  <p:clrMapOvr>
+    <a:masterClrMapping/>
+  </p:clrMapOvr>
+</p:notes>
+</file>
+
+<file path=ppt/notesSlides/notesSlide35.xml><?xml version="1.0" encoding="utf-8"?>
+<p:notes xmlns:a="http://schemas.openxmlformats.org/drawingml/2006/main" xmlns:r="http://schemas.openxmlformats.org/officeDocument/2006/relationships" xmlns:p="http://schemas.openxmlformats.org/presentationml/2006/main">
+  <p:cSld>
+    <p:spTree>
+      <p:nvGrpSpPr>
+        <p:cNvPr id="1" name=""/>
+        <p:cNvGrpSpPr/>
+        <p:nvPr/>
+      </p:nvGrpSpPr>
+      <p:grpSpPr>
+        <a:xfrm>
+          <a:off x="0" y="0"/>
+          <a:ext cx="0" cy="0"/>
+          <a:chOff x="0" y="0"/>
+          <a:chExt cx="0" cy="0"/>
+        </a:xfrm>
+      </p:grpSpPr>
+      <p:sp>
+        <p:nvSpPr>
+          <p:cNvPr id="2" name="Slide Image Placeholder 1"/>
+          <p:cNvSpPr>
+            <a:spLocks noGrp="1" noRot="1" noChangeAspect="1"/>
+          </p:cNvSpPr>
+          <p:nvPr>
+            <p:ph type="sldImg"/>
+          </p:nvPr>
+        </p:nvSpPr>
+        <p:spPr/>
+      </p:sp>
+      <p:sp>
+        <p:nvSpPr>
+          <p:cNvPr id="3" name="Notes Placeholder 2"/>
+          <p:cNvSpPr>
+            <a:spLocks noGrp="1"/>
+          </p:cNvSpPr>
+          <p:nvPr>
+            <p:ph type="body" idx="1"/>
+          </p:nvPr>
+        </p:nvSpPr>
+        <p:spPr/>
+        <p:txBody>
+          <a:bodyPr/>
+          <a:lstStyle/>
+          <a:p>
+            <a:endParaRPr lang="en-US"/>
+          </a:p>
+        </p:txBody>
+      </p:sp>
+      <p:sp>
+        <p:nvSpPr>
+          <p:cNvPr id="4" name="Slide Number Placeholder 3"/>
+          <p:cNvSpPr>
+            <a:spLocks noGrp="1"/>
+          </p:cNvSpPr>
+          <p:nvPr>
+            <p:ph type="sldNum" sz="quarter" idx="10"/>
+          </p:nvPr>
+        </p:nvSpPr>
+        <p:spPr/>
+        <p:txBody>
+          <a:bodyPr/>
+          <a:lstStyle/>
+          <a:p>
+            <a:fld id="{D65F7609-0E15-4931-980A-9EC2A5019752}" type="slidenum">
+              <a:rPr lang="en-US" smtClean="0"/>
+              <a:t>75</a:t>
+            </a:fld>
+            <a:endParaRPr lang="en-US"/>
+          </a:p>
+        </p:txBody>
+      </p:sp>
+    </p:spTree>
+    <p:extLst>
+      <p:ext uri="{BB962C8B-B14F-4D97-AF65-F5344CB8AC3E}">
+        <p14:creationId xmlns:p14="http://schemas.microsoft.com/office/powerpoint/2010/main" val="2323433961"/>
+      </p:ext>
+    </p:extLst>
+  </p:cSld>
+  <p:clrMapOvr>
+    <a:masterClrMapping/>
+  </p:clrMapOvr>
+</p:notes>
+</file>
+
+<file path=ppt/notesSlides/notesSlide36.xml><?xml version="1.0" encoding="utf-8"?>
+<p:notes xmlns:a="http://schemas.openxmlformats.org/drawingml/2006/main" xmlns:r="http://schemas.openxmlformats.org/officeDocument/2006/relationships" xmlns:p="http://schemas.openxmlformats.org/presentationml/2006/main">
+  <p:cSld>
+    <p:spTree>
+      <p:nvGrpSpPr>
+        <p:cNvPr id="1" name=""/>
+        <p:cNvGrpSpPr/>
+        <p:nvPr/>
+      </p:nvGrpSpPr>
+      <p:grpSpPr>
+        <a:xfrm>
+          <a:off x="0" y="0"/>
+          <a:ext cx="0" cy="0"/>
+          <a:chOff x="0" y="0"/>
+          <a:chExt cx="0" cy="0"/>
+        </a:xfrm>
+      </p:grpSpPr>
+      <p:sp>
+        <p:nvSpPr>
+          <p:cNvPr id="2" name="Slide Image Placeholder 1"/>
+          <p:cNvSpPr>
+            <a:spLocks noGrp="1" noRot="1" noChangeAspect="1"/>
+          </p:cNvSpPr>
+          <p:nvPr>
+            <p:ph type="sldImg"/>
+          </p:nvPr>
+        </p:nvSpPr>
+        <p:spPr/>
+      </p:sp>
+      <p:sp>
+        <p:nvSpPr>
+          <p:cNvPr id="3" name="Notes Placeholder 2"/>
+          <p:cNvSpPr>
+            <a:spLocks noGrp="1"/>
+          </p:cNvSpPr>
+          <p:nvPr>
+            <p:ph type="body" idx="1"/>
+          </p:nvPr>
+        </p:nvSpPr>
+        <p:spPr/>
+        <p:txBody>
+          <a:bodyPr/>
+          <a:lstStyle/>
+          <a:p>
+            <a:endParaRPr lang="en-US"/>
+          </a:p>
+        </p:txBody>
+      </p:sp>
+      <p:sp>
+        <p:nvSpPr>
+          <p:cNvPr id="4" name="Slide Number Placeholder 3"/>
+          <p:cNvSpPr>
+            <a:spLocks noGrp="1"/>
+          </p:cNvSpPr>
+          <p:nvPr>
+            <p:ph type="sldNum" sz="quarter" idx="10"/>
+          </p:nvPr>
+        </p:nvSpPr>
+        <p:spPr/>
+        <p:txBody>
+          <a:bodyPr/>
+          <a:lstStyle/>
+          <a:p>
+            <a:fld id="{D65F7609-0E15-4931-980A-9EC2A5019752}" type="slidenum">
+              <a:rPr lang="en-US" smtClean="0"/>
+              <a:t>76</a:t>
+            </a:fld>
+            <a:endParaRPr lang="en-US"/>
+          </a:p>
+        </p:txBody>
+      </p:sp>
+    </p:spTree>
+    <p:extLst>
+      <p:ext uri="{BB962C8B-B14F-4D97-AF65-F5344CB8AC3E}">
+        <p14:creationId xmlns:p14="http://schemas.microsoft.com/office/powerpoint/2010/main" val="4008331000"/>
+      </p:ext>
+    </p:extLst>
+  </p:cSld>
+  <p:clrMapOvr>
+    <a:masterClrMapping/>
+  </p:clrMapOvr>
+</p:notes>
+</file>
+
+<file path=ppt/notesSlides/notesSlide37.xml><?xml version="1.0" encoding="utf-8"?>
+<p:notes xmlns:a="http://schemas.openxmlformats.org/drawingml/2006/main" xmlns:r="http://schemas.openxmlformats.org/officeDocument/2006/relationships" xmlns:p="http://schemas.openxmlformats.org/presentationml/2006/main">
+  <p:cSld>
+    <p:spTree>
+      <p:nvGrpSpPr>
+        <p:cNvPr id="1" name=""/>
+        <p:cNvGrpSpPr/>
+        <p:nvPr/>
+      </p:nvGrpSpPr>
+      <p:grpSpPr>
+        <a:xfrm>
+          <a:off x="0" y="0"/>
+          <a:ext cx="0" cy="0"/>
+          <a:chOff x="0" y="0"/>
+          <a:chExt cx="0" cy="0"/>
+        </a:xfrm>
+      </p:grpSpPr>
+      <p:sp>
+        <p:nvSpPr>
+          <p:cNvPr id="2" name="Slide Image Placeholder 1"/>
+          <p:cNvSpPr>
+            <a:spLocks noGrp="1" noRot="1" noChangeAspect="1"/>
+          </p:cNvSpPr>
+          <p:nvPr>
+            <p:ph type="sldImg"/>
+          </p:nvPr>
+        </p:nvSpPr>
+        <p:spPr/>
+      </p:sp>
+      <p:sp>
+        <p:nvSpPr>
+          <p:cNvPr id="3" name="Notes Placeholder 2"/>
+          <p:cNvSpPr>
+            <a:spLocks noGrp="1"/>
+          </p:cNvSpPr>
+          <p:nvPr>
+            <p:ph type="body" idx="1"/>
+          </p:nvPr>
+        </p:nvSpPr>
+        <p:spPr/>
+        <p:txBody>
+          <a:bodyPr/>
+          <a:lstStyle/>
+          <a:p>
+            <a:endParaRPr lang="en-US"/>
+          </a:p>
+        </p:txBody>
+      </p:sp>
+      <p:sp>
+        <p:nvSpPr>
+          <p:cNvPr id="4" name="Slide Number Placeholder 3"/>
+          <p:cNvSpPr>
+            <a:spLocks noGrp="1"/>
+          </p:cNvSpPr>
+          <p:nvPr>
+            <p:ph type="sldNum" sz="quarter" idx="10"/>
+          </p:nvPr>
+        </p:nvSpPr>
+        <p:spPr/>
+        <p:txBody>
+          <a:bodyPr/>
+          <a:lstStyle/>
+          <a:p>
+            <a:fld id="{D65F7609-0E15-4931-980A-9EC2A5019752}" type="slidenum">
+              <a:rPr lang="en-US" smtClean="0"/>
+              <a:t>77</a:t>
+            </a:fld>
+            <a:endParaRPr lang="en-US"/>
+          </a:p>
+        </p:txBody>
+      </p:sp>
+    </p:spTree>
+    <p:extLst>
+      <p:ext uri="{BB962C8B-B14F-4D97-AF65-F5344CB8AC3E}">
+        <p14:creationId xmlns:p14="http://schemas.microsoft.com/office/powerpoint/2010/main" val="3518633849"/>
       </p:ext>
     </p:extLst>
   </p:cSld>
@@ -3355,7 +4242,7 @@
           <a:p>
             <a:fld id="{30B463AA-3E9E-45E9-9DB4-E0BA46DC92A0}" type="datetimeFigureOut">
               <a:rPr lang="en-US" smtClean="0"/>
-              <a:t>1/21/2024</a:t>
+              <a:t>3/3/2024</a:t>
             </a:fld>
             <a:endParaRPr lang="en-US"/>
           </a:p>
@@ -3525,7 +4412,7 @@
           <a:p>
             <a:fld id="{30B463AA-3E9E-45E9-9DB4-E0BA46DC92A0}" type="datetimeFigureOut">
               <a:rPr lang="en-US" smtClean="0"/>
-              <a:t>1/21/2024</a:t>
+              <a:t>3/3/2024</a:t>
             </a:fld>
             <a:endParaRPr lang="en-US"/>
           </a:p>
@@ -3705,7 +4592,7 @@
           <a:p>
             <a:fld id="{30B463AA-3E9E-45E9-9DB4-E0BA46DC92A0}" type="datetimeFigureOut">
               <a:rPr lang="en-US" smtClean="0"/>
-              <a:t>1/21/2024</a:t>
+              <a:t>3/3/2024</a:t>
             </a:fld>
             <a:endParaRPr lang="en-US"/>
           </a:p>
@@ -3875,7 +4762,7 @@
           <a:p>
             <a:fld id="{30B463AA-3E9E-45E9-9DB4-E0BA46DC92A0}" type="datetimeFigureOut">
               <a:rPr lang="en-US" smtClean="0"/>
-              <a:t>1/21/2024</a:t>
+              <a:t>3/3/2024</a:t>
             </a:fld>
             <a:endParaRPr lang="en-US"/>
           </a:p>
@@ -4121,7 +5008,7 @@
           <a:p>
             <a:fld id="{30B463AA-3E9E-45E9-9DB4-E0BA46DC92A0}" type="datetimeFigureOut">
               <a:rPr lang="en-US" smtClean="0"/>
-              <a:t>1/21/2024</a:t>
+              <a:t>3/3/2024</a:t>
             </a:fld>
             <a:endParaRPr lang="en-US"/>
           </a:p>
@@ -4353,7 +5240,7 @@
           <a:p>
             <a:fld id="{30B463AA-3E9E-45E9-9DB4-E0BA46DC92A0}" type="datetimeFigureOut">
               <a:rPr lang="en-US" smtClean="0"/>
-              <a:t>1/21/2024</a:t>
+              <a:t>3/3/2024</a:t>
             </a:fld>
             <a:endParaRPr lang="en-US"/>
           </a:p>
@@ -4720,7 +5607,7 @@
           <a:p>
             <a:fld id="{30B463AA-3E9E-45E9-9DB4-E0BA46DC92A0}" type="datetimeFigureOut">
               <a:rPr lang="en-US" smtClean="0"/>
-              <a:t>1/21/2024</a:t>
+              <a:t>3/3/2024</a:t>
             </a:fld>
             <a:endParaRPr lang="en-US"/>
           </a:p>
@@ -4838,7 +5725,7 @@
           <a:p>
             <a:fld id="{30B463AA-3E9E-45E9-9DB4-E0BA46DC92A0}" type="datetimeFigureOut">
               <a:rPr lang="en-US" smtClean="0"/>
-              <a:t>1/21/2024</a:t>
+              <a:t>3/3/2024</a:t>
             </a:fld>
             <a:endParaRPr lang="en-US"/>
           </a:p>
@@ -4933,7 +5820,7 @@
           <a:p>
             <a:fld id="{30B463AA-3E9E-45E9-9DB4-E0BA46DC92A0}" type="datetimeFigureOut">
               <a:rPr lang="en-US" smtClean="0"/>
-              <a:t>1/21/2024</a:t>
+              <a:t>3/3/2024</a:t>
             </a:fld>
             <a:endParaRPr lang="en-US"/>
           </a:p>
@@ -5210,7 +6097,7 @@
           <a:p>
             <a:fld id="{30B463AA-3E9E-45E9-9DB4-E0BA46DC92A0}" type="datetimeFigureOut">
               <a:rPr lang="en-US" smtClean="0"/>
-              <a:t>1/21/2024</a:t>
+              <a:t>3/3/2024</a:t>
             </a:fld>
             <a:endParaRPr lang="en-US"/>
           </a:p>
@@ -5463,7 +6350,7 @@
           <a:p>
             <a:fld id="{30B463AA-3E9E-45E9-9DB4-E0BA46DC92A0}" type="datetimeFigureOut">
               <a:rPr lang="en-US" smtClean="0"/>
-              <a:t>1/21/2024</a:t>
+              <a:t>3/3/2024</a:t>
             </a:fld>
             <a:endParaRPr lang="en-US"/>
           </a:p>
@@ -5676,7 +6563,7 @@
           <a:p>
             <a:fld id="{30B463AA-3E9E-45E9-9DB4-E0BA46DC92A0}" type="datetimeFigureOut">
               <a:rPr lang="en-US" smtClean="0"/>
-              <a:t>1/21/2024</a:t>
+              <a:t>3/3/2024</a:t>
             </a:fld>
             <a:endParaRPr lang="en-US"/>
           </a:p>
@@ -14928,10 +15815,50 @@
           <a:bodyPr/>
           <a:lstStyle/>
           <a:p>
-            <a:endParaRPr lang="en-US"/>
-          </a:p>
-        </p:txBody>
-      </p:sp>
+            <a:r>
+              <a:rPr lang="en-US" smtClean="0"/>
+              <a:t>Kiểm tra hệ thống mà không cần hiểu bên trong, không cần có quá nhiều kiến thức về lập trình, hệ thống…</a:t>
+            </a:r>
+          </a:p>
+          <a:p>
+            <a:r>
+              <a:rPr lang="en-US" smtClean="0"/>
+              <a:t>Dựa vào bản đặc tả yêu cầu SRS, FRS….</a:t>
+            </a:r>
+          </a:p>
+          <a:p>
+            <a:r>
+              <a:rPr lang="en-US" smtClean="0"/>
+              <a:t>Sử dụng input và expected output và chạy chương trình để kiểm thử</a:t>
+            </a:r>
+            <a:endParaRPr lang="en-US"/>
+          </a:p>
+        </p:txBody>
+      </p:sp>
+      <p:pic>
+        <p:nvPicPr>
+          <p:cNvPr id="4" name="Picture 3"/>
+          <p:cNvPicPr>
+            <a:picLocks noChangeAspect="1"/>
+          </p:cNvPicPr>
+          <p:nvPr/>
+        </p:nvPicPr>
+        <p:blipFill>
+          <a:blip r:embed="rId2"/>
+          <a:stretch>
+            <a:fillRect/>
+          </a:stretch>
+        </p:blipFill>
+        <p:spPr>
+          <a:xfrm>
+            <a:off x="3082858" y="4195763"/>
+            <a:ext cx="5715000" cy="1981200"/>
+          </a:xfrm>
+          <a:prstGeom prst="rect">
+            <a:avLst/>
+          </a:prstGeom>
+        </p:spPr>
+      </p:pic>
     </p:spTree>
     <p:extLst>
       <p:ext uri="{BB962C8B-B14F-4D97-AF65-F5344CB8AC3E}">
@@ -14946,6 +15873,736 @@
 </file>
 
 <file path=ppt/slides/slide48.xml><?xml version="1.0" encoding="utf-8"?>
+<p:sld xmlns:a="http://schemas.openxmlformats.org/drawingml/2006/main" xmlns:r="http://schemas.openxmlformats.org/officeDocument/2006/relationships" xmlns:p="http://schemas.openxmlformats.org/presentationml/2006/main">
+  <p:cSld>
+    <p:spTree>
+      <p:nvGrpSpPr>
+        <p:cNvPr id="1" name=""/>
+        <p:cNvGrpSpPr/>
+        <p:nvPr/>
+      </p:nvGrpSpPr>
+      <p:grpSpPr>
+        <a:xfrm>
+          <a:off x="0" y="0"/>
+          <a:ext cx="0" cy="0"/>
+          <a:chOff x="0" y="0"/>
+          <a:chExt cx="0" cy="0"/>
+        </a:xfrm>
+      </p:grpSpPr>
+      <p:sp>
+        <p:nvSpPr>
+          <p:cNvPr id="2" name="Title 1"/>
+          <p:cNvSpPr>
+            <a:spLocks noGrp="1"/>
+          </p:cNvSpPr>
+          <p:nvPr>
+            <p:ph type="title"/>
+          </p:nvPr>
+        </p:nvSpPr>
+        <p:spPr/>
+        <p:txBody>
+          <a:bodyPr/>
+          <a:lstStyle/>
+          <a:p>
+            <a:r>
+              <a:rPr lang="en-US" smtClean="0"/>
+              <a:t>Black box testing</a:t>
+            </a:r>
+            <a:endParaRPr lang="en-US"/>
+          </a:p>
+        </p:txBody>
+      </p:sp>
+      <p:pic>
+        <p:nvPicPr>
+          <p:cNvPr id="4" name="Picture 3"/>
+          <p:cNvPicPr>
+            <a:picLocks noChangeAspect="1"/>
+          </p:cNvPicPr>
+          <p:nvPr/>
+        </p:nvPicPr>
+        <p:blipFill>
+          <a:blip r:embed="rId3"/>
+          <a:stretch>
+            <a:fillRect/>
+          </a:stretch>
+        </p:blipFill>
+        <p:spPr>
+          <a:xfrm>
+            <a:off x="608687" y="1436519"/>
+            <a:ext cx="8601075" cy="3962400"/>
+          </a:xfrm>
+          <a:prstGeom prst="rect">
+            <a:avLst/>
+          </a:prstGeom>
+        </p:spPr>
+      </p:pic>
+      <p:pic>
+        <p:nvPicPr>
+          <p:cNvPr id="5" name="Picture 4"/>
+          <p:cNvPicPr>
+            <a:picLocks noChangeAspect="1"/>
+          </p:cNvPicPr>
+          <p:nvPr/>
+        </p:nvPicPr>
+        <p:blipFill>
+          <a:blip r:embed="rId4"/>
+          <a:stretch>
+            <a:fillRect/>
+          </a:stretch>
+        </p:blipFill>
+        <p:spPr>
+          <a:xfrm>
+            <a:off x="9209762" y="4723589"/>
+            <a:ext cx="2819400" cy="1905000"/>
+          </a:xfrm>
+          <a:prstGeom prst="rect">
+            <a:avLst/>
+          </a:prstGeom>
+        </p:spPr>
+      </p:pic>
+    </p:spTree>
+    <p:extLst>
+      <p:ext uri="{BB962C8B-B14F-4D97-AF65-F5344CB8AC3E}">
+        <p14:creationId xmlns:p14="http://schemas.microsoft.com/office/powerpoint/2010/main" val="2253744789"/>
+      </p:ext>
+    </p:extLst>
+  </p:cSld>
+  <p:clrMapOvr>
+    <a:masterClrMapping/>
+  </p:clrMapOvr>
+</p:sld>
+</file>
+
+<file path=ppt/slides/slide49.xml><?xml version="1.0" encoding="utf-8"?>
+<p:sld xmlns:a="http://schemas.openxmlformats.org/drawingml/2006/main" xmlns:r="http://schemas.openxmlformats.org/officeDocument/2006/relationships" xmlns:p="http://schemas.openxmlformats.org/presentationml/2006/main">
+  <p:cSld>
+    <p:spTree>
+      <p:nvGrpSpPr>
+        <p:cNvPr id="1" name=""/>
+        <p:cNvGrpSpPr/>
+        <p:nvPr/>
+      </p:nvGrpSpPr>
+      <p:grpSpPr>
+        <a:xfrm>
+          <a:off x="0" y="0"/>
+          <a:ext cx="0" cy="0"/>
+          <a:chOff x="0" y="0"/>
+          <a:chExt cx="0" cy="0"/>
+        </a:xfrm>
+      </p:grpSpPr>
+      <p:sp>
+        <p:nvSpPr>
+          <p:cNvPr id="2" name="Title 1"/>
+          <p:cNvSpPr>
+            <a:spLocks noGrp="1"/>
+          </p:cNvSpPr>
+          <p:nvPr>
+            <p:ph type="title"/>
+          </p:nvPr>
+        </p:nvSpPr>
+        <p:spPr/>
+        <p:txBody>
+          <a:bodyPr/>
+          <a:lstStyle/>
+          <a:p>
+            <a:r>
+              <a:rPr lang="en-US" smtClean="0"/>
+              <a:t>White box testing</a:t>
+            </a:r>
+            <a:endParaRPr lang="en-US"/>
+          </a:p>
+        </p:txBody>
+      </p:sp>
+      <p:sp>
+        <p:nvSpPr>
+          <p:cNvPr id="3" name="Content Placeholder 2"/>
+          <p:cNvSpPr>
+            <a:spLocks noGrp="1"/>
+          </p:cNvSpPr>
+          <p:nvPr>
+            <p:ph idx="1"/>
+          </p:nvPr>
+        </p:nvSpPr>
+        <p:spPr/>
+        <p:txBody>
+          <a:bodyPr/>
+          <a:lstStyle/>
+          <a:p>
+            <a:r>
+              <a:rPr lang="en-US" smtClean="0"/>
+              <a:t>Kiểm tra hệ thống cần phải có kiến thức về lập trình, hệ thống…</a:t>
+            </a:r>
+          </a:p>
+          <a:p>
+            <a:r>
+              <a:rPr lang="en-US" smtClean="0"/>
+              <a:t>Dựa vào bản đặc tả yêu cầu SRS, FRS và source code, Diagram</a:t>
+            </a:r>
+          </a:p>
+          <a:p>
+            <a:r>
+              <a:rPr lang="en-US" smtClean="0"/>
+              <a:t>Sử dụng input và expected output và chạy chương trình để kiểm thử</a:t>
+            </a:r>
+          </a:p>
+          <a:p>
+            <a:r>
+              <a:rPr lang="en-US" smtClean="0"/>
+              <a:t>Chủ yếu là unit test, ngoài ra còn có intergration test, system test</a:t>
+            </a:r>
+            <a:endParaRPr lang="en-US"/>
+          </a:p>
+        </p:txBody>
+      </p:sp>
+    </p:spTree>
+    <p:extLst>
+      <p:ext uri="{BB962C8B-B14F-4D97-AF65-F5344CB8AC3E}">
+        <p14:creationId xmlns:p14="http://schemas.microsoft.com/office/powerpoint/2010/main" val="3031567653"/>
+      </p:ext>
+    </p:extLst>
+  </p:cSld>
+  <p:clrMapOvr>
+    <a:masterClrMapping/>
+  </p:clrMapOvr>
+</p:sld>
+</file>
+
+<file path=ppt/slides/slide5.xml><?xml version="1.0" encoding="utf-8"?>
+<p:sld xmlns:a="http://schemas.openxmlformats.org/drawingml/2006/main" xmlns:r="http://schemas.openxmlformats.org/officeDocument/2006/relationships" xmlns:p="http://schemas.openxmlformats.org/presentationml/2006/main">
+  <p:cSld>
+    <p:spTree>
+      <p:nvGrpSpPr>
+        <p:cNvPr id="1" name=""/>
+        <p:cNvGrpSpPr/>
+        <p:nvPr/>
+      </p:nvGrpSpPr>
+      <p:grpSpPr>
+        <a:xfrm>
+          <a:off x="0" y="0"/>
+          <a:ext cx="0" cy="0"/>
+          <a:chOff x="0" y="0"/>
+          <a:chExt cx="0" cy="0"/>
+        </a:xfrm>
+      </p:grpSpPr>
+      <p:sp>
+        <p:nvSpPr>
+          <p:cNvPr id="2" name="Title 1"/>
+          <p:cNvSpPr>
+            <a:spLocks noGrp="1"/>
+          </p:cNvSpPr>
+          <p:nvPr>
+            <p:ph type="title"/>
+          </p:nvPr>
+        </p:nvSpPr>
+        <p:spPr/>
+        <p:txBody>
+          <a:bodyPr/>
+          <a:lstStyle/>
+          <a:p>
+            <a:r>
+              <a:rPr lang="en-US" smtClean="0"/>
+              <a:t>Chất lượng phần mềm là gì</a:t>
+            </a:r>
+            <a:endParaRPr lang="en-US"/>
+          </a:p>
+        </p:txBody>
+      </p:sp>
+      <p:sp>
+        <p:nvSpPr>
+          <p:cNvPr id="3" name="Content Placeholder 2"/>
+          <p:cNvSpPr>
+            <a:spLocks noGrp="1"/>
+          </p:cNvSpPr>
+          <p:nvPr>
+            <p:ph idx="1"/>
+          </p:nvPr>
+        </p:nvSpPr>
+        <p:spPr/>
+        <p:txBody>
+          <a:bodyPr/>
+          <a:lstStyle/>
+          <a:p>
+            <a:r>
+              <a:rPr lang="en-US" smtClean="0"/>
+              <a:t>Chất lượng quy trình</a:t>
+            </a:r>
+          </a:p>
+          <a:p>
+            <a:r>
+              <a:rPr lang="en-US" smtClean="0"/>
+              <a:t>Chất lượng phần mềm nội bộ</a:t>
+            </a:r>
+          </a:p>
+          <a:p>
+            <a:r>
+              <a:rPr lang="en-US" smtClean="0"/>
+              <a:t>Chất lượng phần mềm đối chiếu yêu cầu người sử dụng</a:t>
+            </a:r>
+          </a:p>
+          <a:p>
+            <a:r>
+              <a:rPr lang="en-US" smtClean="0"/>
+              <a:t>Chất lượng phần mềm trong sử dụng thực tế</a:t>
+            </a:r>
+          </a:p>
+          <a:p>
+            <a:endParaRPr lang="en-US"/>
+          </a:p>
+          <a:p>
+            <a:endParaRPr lang="en-US" smtClean="0"/>
+          </a:p>
+        </p:txBody>
+      </p:sp>
+    </p:spTree>
+    <p:extLst>
+      <p:ext uri="{BB962C8B-B14F-4D97-AF65-F5344CB8AC3E}">
+        <p14:creationId xmlns:p14="http://schemas.microsoft.com/office/powerpoint/2010/main" val="2255284919"/>
+      </p:ext>
+    </p:extLst>
+  </p:cSld>
+  <p:clrMapOvr>
+    <a:masterClrMapping/>
+  </p:clrMapOvr>
+</p:sld>
+</file>
+
+<file path=ppt/slides/slide50.xml><?xml version="1.0" encoding="utf-8"?>
+<p:sld xmlns:a="http://schemas.openxmlformats.org/drawingml/2006/main" xmlns:r="http://schemas.openxmlformats.org/officeDocument/2006/relationships" xmlns:p="http://schemas.openxmlformats.org/presentationml/2006/main">
+  <p:cSld>
+    <p:spTree>
+      <p:nvGrpSpPr>
+        <p:cNvPr id="1" name=""/>
+        <p:cNvGrpSpPr/>
+        <p:nvPr/>
+      </p:nvGrpSpPr>
+      <p:grpSpPr>
+        <a:xfrm>
+          <a:off x="0" y="0"/>
+          <a:ext cx="0" cy="0"/>
+          <a:chOff x="0" y="0"/>
+          <a:chExt cx="0" cy="0"/>
+        </a:xfrm>
+      </p:grpSpPr>
+      <p:sp>
+        <p:nvSpPr>
+          <p:cNvPr id="2" name="Title 1"/>
+          <p:cNvSpPr>
+            <a:spLocks noGrp="1"/>
+          </p:cNvSpPr>
+          <p:nvPr>
+            <p:ph type="title"/>
+          </p:nvPr>
+        </p:nvSpPr>
+        <p:spPr/>
+        <p:txBody>
+          <a:bodyPr/>
+          <a:lstStyle/>
+          <a:p>
+            <a:r>
+              <a:rPr lang="en-US" smtClean="0"/>
+              <a:t>White box testing</a:t>
+            </a:r>
+            <a:endParaRPr lang="en-US"/>
+          </a:p>
+        </p:txBody>
+      </p:sp>
+      <p:pic>
+        <p:nvPicPr>
+          <p:cNvPr id="6" name="Picture 5"/>
+          <p:cNvPicPr>
+            <a:picLocks noChangeAspect="1"/>
+          </p:cNvPicPr>
+          <p:nvPr/>
+        </p:nvPicPr>
+        <p:blipFill>
+          <a:blip r:embed="rId2"/>
+          <a:stretch>
+            <a:fillRect/>
+          </a:stretch>
+        </p:blipFill>
+        <p:spPr>
+          <a:xfrm>
+            <a:off x="942670" y="1805088"/>
+            <a:ext cx="7077075" cy="2800350"/>
+          </a:xfrm>
+          <a:prstGeom prst="rect">
+            <a:avLst/>
+          </a:prstGeom>
+        </p:spPr>
+      </p:pic>
+      <p:pic>
+        <p:nvPicPr>
+          <p:cNvPr id="7" name="Picture 6"/>
+          <p:cNvPicPr>
+            <a:picLocks noChangeAspect="1"/>
+          </p:cNvPicPr>
+          <p:nvPr/>
+        </p:nvPicPr>
+        <p:blipFill>
+          <a:blip r:embed="rId3"/>
+          <a:stretch>
+            <a:fillRect/>
+          </a:stretch>
+        </p:blipFill>
+        <p:spPr>
+          <a:xfrm>
+            <a:off x="659150" y="4719838"/>
+            <a:ext cx="8772525" cy="2152650"/>
+          </a:xfrm>
+          <a:prstGeom prst="rect">
+            <a:avLst/>
+          </a:prstGeom>
+        </p:spPr>
+      </p:pic>
+      <p:pic>
+        <p:nvPicPr>
+          <p:cNvPr id="8" name="Picture 7"/>
+          <p:cNvPicPr>
+            <a:picLocks noChangeAspect="1"/>
+          </p:cNvPicPr>
+          <p:nvPr/>
+        </p:nvPicPr>
+        <p:blipFill>
+          <a:blip r:embed="rId4"/>
+          <a:stretch>
+            <a:fillRect/>
+          </a:stretch>
+        </p:blipFill>
+        <p:spPr>
+          <a:xfrm>
+            <a:off x="9574044" y="2819400"/>
+            <a:ext cx="2324100" cy="1219200"/>
+          </a:xfrm>
+          <a:prstGeom prst="rect">
+            <a:avLst/>
+          </a:prstGeom>
+        </p:spPr>
+      </p:pic>
+    </p:spTree>
+    <p:extLst>
+      <p:ext uri="{BB962C8B-B14F-4D97-AF65-F5344CB8AC3E}">
+        <p14:creationId xmlns:p14="http://schemas.microsoft.com/office/powerpoint/2010/main" val="250786572"/>
+      </p:ext>
+    </p:extLst>
+  </p:cSld>
+  <p:clrMapOvr>
+    <a:masterClrMapping/>
+  </p:clrMapOvr>
+</p:sld>
+</file>
+
+<file path=ppt/slides/slide51.xml><?xml version="1.0" encoding="utf-8"?>
+<p:sld xmlns:a="http://schemas.openxmlformats.org/drawingml/2006/main" xmlns:r="http://schemas.openxmlformats.org/officeDocument/2006/relationships" xmlns:p="http://schemas.openxmlformats.org/presentationml/2006/main">
+  <p:cSld>
+    <p:spTree>
+      <p:nvGrpSpPr>
+        <p:cNvPr id="1" name=""/>
+        <p:cNvGrpSpPr/>
+        <p:nvPr/>
+      </p:nvGrpSpPr>
+      <p:grpSpPr>
+        <a:xfrm>
+          <a:off x="0" y="0"/>
+          <a:ext cx="0" cy="0"/>
+          <a:chOff x="0" y="0"/>
+          <a:chExt cx="0" cy="0"/>
+        </a:xfrm>
+      </p:grpSpPr>
+      <p:sp>
+        <p:nvSpPr>
+          <p:cNvPr id="2" name="Title 1"/>
+          <p:cNvSpPr>
+            <a:spLocks noGrp="1"/>
+          </p:cNvSpPr>
+          <p:nvPr>
+            <p:ph type="title"/>
+          </p:nvPr>
+        </p:nvSpPr>
+        <p:spPr/>
+        <p:txBody>
+          <a:bodyPr/>
+          <a:lstStyle/>
+          <a:p>
+            <a:r>
+              <a:rPr lang="en-US" smtClean="0"/>
+              <a:t>Manual testing (kiểm thử thủ công)</a:t>
+            </a:r>
+            <a:endParaRPr lang="en-US"/>
+          </a:p>
+        </p:txBody>
+      </p:sp>
+      <p:sp>
+        <p:nvSpPr>
+          <p:cNvPr id="3" name="Content Placeholder 2"/>
+          <p:cNvSpPr>
+            <a:spLocks noGrp="1"/>
+          </p:cNvSpPr>
+          <p:nvPr>
+            <p:ph idx="1"/>
+          </p:nvPr>
+        </p:nvSpPr>
+        <p:spPr/>
+        <p:txBody>
+          <a:bodyPr>
+            <a:normAutofit fontScale="92500"/>
+          </a:bodyPr>
+          <a:lstStyle/>
+          <a:p>
+            <a:r>
+              <a:rPr lang="en-US" smtClean="0"/>
+              <a:t>Tester thực hiện thủ công: viết test case, thao tác input, quan sát output và expected output và điền kết quả</a:t>
+            </a:r>
+          </a:p>
+          <a:p>
+            <a:r>
+              <a:rPr lang="en-US" smtClean="0"/>
+              <a:t>Ưu điểm :</a:t>
+            </a:r>
+          </a:p>
+          <a:p>
+            <a:pPr marL="0" indent="0">
+              <a:buNone/>
+            </a:pPr>
+            <a:r>
+              <a:rPr lang="en-US" smtClean="0"/>
+              <a:t>   - Tốn ít chi phí ban đầu</a:t>
+            </a:r>
+          </a:p>
+          <a:p>
+            <a:pPr marL="0" indent="0">
+              <a:buNone/>
+            </a:pPr>
+            <a:r>
+              <a:rPr lang="en-US"/>
+              <a:t> </a:t>
+            </a:r>
+            <a:r>
+              <a:rPr lang="en-US" smtClean="0"/>
+              <a:t>  - Phù hợp với phần mềm nhỏ,testcase ít, hoặc phần mềm ít bị thay đổi</a:t>
+            </a:r>
+          </a:p>
+          <a:p>
+            <a:pPr marL="0" indent="0">
+              <a:buNone/>
+            </a:pPr>
+            <a:r>
+              <a:rPr lang="en-US"/>
+              <a:t> </a:t>
+            </a:r>
+            <a:r>
+              <a:rPr lang="en-US" smtClean="0"/>
+              <a:t>  - static test , usability test chỉ có thể thực hiện thủ công</a:t>
+            </a:r>
+          </a:p>
+          <a:p>
+            <a:r>
+              <a:rPr lang="en-US"/>
+              <a:t>Nhược </a:t>
+            </a:r>
+            <a:r>
+              <a:rPr lang="en-US" smtClean="0"/>
+              <a:t>điểm:</a:t>
+            </a:r>
+          </a:p>
+          <a:p>
+            <a:pPr marL="0" indent="0">
+              <a:buNone/>
+            </a:pPr>
+            <a:r>
+              <a:rPr lang="en-US"/>
+              <a:t> </a:t>
+            </a:r>
+            <a:r>
+              <a:rPr lang="en-US" smtClean="0"/>
+              <a:t>  - Tốn thời gian với mỗi bản release lại phải lặp lại các bước </a:t>
+            </a:r>
+          </a:p>
+          <a:p>
+            <a:pPr marL="0" indent="0">
+              <a:buNone/>
+            </a:pPr>
+            <a:r>
+              <a:rPr lang="en-US"/>
+              <a:t> </a:t>
+            </a:r>
+            <a:r>
+              <a:rPr lang="en-US" smtClean="0"/>
+              <a:t>  - Dễ mắc sai sót do phải thực hiện thủ công các bước</a:t>
+            </a:r>
+            <a:endParaRPr lang="en-US"/>
+          </a:p>
+        </p:txBody>
+      </p:sp>
+    </p:spTree>
+    <p:extLst>
+      <p:ext uri="{BB962C8B-B14F-4D97-AF65-F5344CB8AC3E}">
+        <p14:creationId xmlns:p14="http://schemas.microsoft.com/office/powerpoint/2010/main" val="3949191528"/>
+      </p:ext>
+    </p:extLst>
+  </p:cSld>
+  <p:clrMapOvr>
+    <a:masterClrMapping/>
+  </p:clrMapOvr>
+</p:sld>
+</file>
+
+<file path=ppt/slides/slide52.xml><?xml version="1.0" encoding="utf-8"?>
+<p:sld xmlns:a="http://schemas.openxmlformats.org/drawingml/2006/main" xmlns:r="http://schemas.openxmlformats.org/officeDocument/2006/relationships" xmlns:p="http://schemas.openxmlformats.org/presentationml/2006/main">
+  <p:cSld>
+    <p:spTree>
+      <p:nvGrpSpPr>
+        <p:cNvPr id="1" name=""/>
+        <p:cNvGrpSpPr/>
+        <p:nvPr/>
+      </p:nvGrpSpPr>
+      <p:grpSpPr>
+        <a:xfrm>
+          <a:off x="0" y="0"/>
+          <a:ext cx="0" cy="0"/>
+          <a:chOff x="0" y="0"/>
+          <a:chExt cx="0" cy="0"/>
+        </a:xfrm>
+      </p:grpSpPr>
+      <p:sp>
+        <p:nvSpPr>
+          <p:cNvPr id="2" name="Title 1"/>
+          <p:cNvSpPr>
+            <a:spLocks noGrp="1"/>
+          </p:cNvSpPr>
+          <p:nvPr>
+            <p:ph type="title"/>
+          </p:nvPr>
+        </p:nvSpPr>
+        <p:spPr/>
+        <p:txBody>
+          <a:bodyPr/>
+          <a:lstStyle/>
+          <a:p>
+            <a:r>
+              <a:rPr lang="en-US" smtClean="0"/>
+              <a:t>Automatic testing(kiểm thử tự động)</a:t>
+            </a:r>
+            <a:endParaRPr lang="en-US"/>
+          </a:p>
+        </p:txBody>
+      </p:sp>
+      <p:sp>
+        <p:nvSpPr>
+          <p:cNvPr id="3" name="Content Placeholder 2"/>
+          <p:cNvSpPr>
+            <a:spLocks noGrp="1"/>
+          </p:cNvSpPr>
+          <p:nvPr>
+            <p:ph idx="1"/>
+          </p:nvPr>
+        </p:nvSpPr>
+        <p:spPr/>
+        <p:txBody>
+          <a:bodyPr>
+            <a:normAutofit lnSpcReduction="10000"/>
+          </a:bodyPr>
+          <a:lstStyle/>
+          <a:p>
+            <a:r>
+              <a:rPr lang="en-US" smtClean="0"/>
+              <a:t>Tester thực hiện viết script, tool, sử dụng thư viện, tự động nhập input, tự động so sánh output và expected output và report</a:t>
+            </a:r>
+          </a:p>
+          <a:p>
+            <a:r>
+              <a:rPr lang="en-US" smtClean="0"/>
+              <a:t>Ưu điểm : </a:t>
+            </a:r>
+          </a:p>
+          <a:p>
+            <a:pPr marL="0" indent="0">
+              <a:buNone/>
+            </a:pPr>
+            <a:r>
+              <a:rPr lang="en-US" smtClean="0"/>
+              <a:t>   - Có thể tái sử dụng với các bản realease, -&gt; giảm chi phí dài hạn</a:t>
+            </a:r>
+          </a:p>
+          <a:p>
+            <a:pPr marL="0" indent="0">
+              <a:buNone/>
+            </a:pPr>
+            <a:r>
+              <a:rPr lang="en-US"/>
+              <a:t> </a:t>
+            </a:r>
+            <a:r>
+              <a:rPr lang="en-US" smtClean="0"/>
+              <a:t>  - Khó mắc sai sót do máy thực hiện,</a:t>
+            </a:r>
+          </a:p>
+          <a:p>
+            <a:pPr marL="0" indent="0">
+              <a:buNone/>
+            </a:pPr>
+            <a:r>
+              <a:rPr lang="en-US"/>
+              <a:t> </a:t>
+            </a:r>
+            <a:r>
+              <a:rPr lang="en-US" smtClean="0"/>
+              <a:t>  - Phù hợp với lượng testcase lớn, </a:t>
+            </a:r>
+          </a:p>
+          <a:p>
+            <a:pPr marL="0" indent="0">
+              <a:buNone/>
+            </a:pPr>
+            <a:r>
+              <a:rPr lang="en-US"/>
+              <a:t> </a:t>
+            </a:r>
+            <a:r>
+              <a:rPr lang="en-US" smtClean="0"/>
+              <a:t>  - Performance tes,t load test, stress test chỉ có thể thực hiện tự động</a:t>
+            </a:r>
+          </a:p>
+          <a:p>
+            <a:r>
+              <a:rPr lang="en-US"/>
+              <a:t>Nhược </a:t>
+            </a:r>
+            <a:r>
+              <a:rPr lang="en-US" smtClean="0"/>
+              <a:t>điểm:</a:t>
+            </a:r>
+          </a:p>
+          <a:p>
+            <a:pPr marL="0" indent="0">
+              <a:buNone/>
+            </a:pPr>
+            <a:r>
+              <a:rPr lang="en-US" smtClean="0"/>
+              <a:t>   - Tốn kém chi phí ban đầu xây dựng script, tool,</a:t>
+            </a:r>
+          </a:p>
+          <a:p>
+            <a:pPr marL="0" indent="0">
+              <a:buNone/>
+            </a:pPr>
+            <a:endParaRPr lang="en-US"/>
+          </a:p>
+        </p:txBody>
+      </p:sp>
+    </p:spTree>
+    <p:extLst>
+      <p:ext uri="{BB962C8B-B14F-4D97-AF65-F5344CB8AC3E}">
+        <p14:creationId xmlns:p14="http://schemas.microsoft.com/office/powerpoint/2010/main" val="642160679"/>
+      </p:ext>
+    </p:extLst>
+  </p:cSld>
+  <p:clrMapOvr>
+    <a:masterClrMapping/>
+  </p:clrMapOvr>
+</p:sld>
+</file>
+
+<file path=ppt/slides/slide53.xml><?xml version="1.0" encoding="utf-8"?>
 <p:sld xmlns:a="http://schemas.openxmlformats.org/drawingml/2006/main" xmlns:r="http://schemas.openxmlformats.org/officeDocument/2006/relationships" xmlns:p="http://schemas.openxmlformats.org/presentationml/2006/main">
   <p:cSld>
     <p:spTree>
@@ -15161,7 +16818,7 @@
 </p:sld>
 </file>
 
-<file path=ppt/slides/slide49.xml><?xml version="1.0" encoding="utf-8"?>
+<file path=ppt/slides/slide54.xml><?xml version="1.0" encoding="utf-8"?>
 <p:sld xmlns:a="http://schemas.openxmlformats.org/drawingml/2006/main" xmlns:r="http://schemas.openxmlformats.org/officeDocument/2006/relationships" xmlns:p="http://schemas.openxmlformats.org/presentationml/2006/main">
   <p:cSld>
     <p:spTree>
@@ -15318,7 +16975,7 @@
 </p:sld>
 </file>
 
-<file path=ppt/slides/slide5.xml><?xml version="1.0" encoding="utf-8"?>
+<file path=ppt/slides/slide55.xml><?xml version="1.0" encoding="utf-8"?>
 <p:sld xmlns:a="http://schemas.openxmlformats.org/drawingml/2006/main" xmlns:r="http://schemas.openxmlformats.org/officeDocument/2006/relationships" xmlns:p="http://schemas.openxmlformats.org/presentationml/2006/main">
   <p:cSld>
     <p:spTree>
@@ -15352,7 +17009,7 @@
           <a:p>
             <a:r>
               <a:rPr lang="en-US" smtClean="0"/>
-              <a:t>Chất lượng phần mềm là gì</a:t>
+              <a:t>Tai liệu cần có trong testing</a:t>
             </a:r>
             <a:endParaRPr lang="en-US"/>
           </a:p>
@@ -15375,39 +17032,51 @@
           <a:p>
             <a:r>
               <a:rPr lang="en-US" smtClean="0"/>
-              <a:t>Chất lượng quy trình</a:t>
-            </a:r>
-          </a:p>
-          <a:p>
-            <a:r>
-              <a:rPr lang="en-US" smtClean="0"/>
-              <a:t>Chất lượng phần mềm nội bộ</a:t>
-            </a:r>
-          </a:p>
-          <a:p>
-            <a:r>
-              <a:rPr lang="en-US" smtClean="0"/>
-              <a:t>Chất lượng phần mềm đối chiếu yêu cầu người sử dụng</a:t>
-            </a:r>
-          </a:p>
-          <a:p>
-            <a:r>
-              <a:rPr lang="en-US" smtClean="0"/>
-              <a:t>Chất lượng phần mềm trong sử dụng thực tế</a:t>
-            </a:r>
-          </a:p>
-          <a:p>
-            <a:endParaRPr lang="en-US"/>
-          </a:p>
-          <a:p>
-            <a:endParaRPr lang="en-US" smtClean="0"/>
+              <a:t>Test policy  : mô tả mục tiêu test</a:t>
+            </a:r>
+          </a:p>
+          <a:p>
+            <a:r>
+              <a:rPr lang="en-US" smtClean="0"/>
+              <a:t>Test strategy :  mô tả loại test được áp dụng </a:t>
+            </a:r>
+          </a:p>
+          <a:p>
+            <a:r>
+              <a:rPr lang="en-US" smtClean="0"/>
+              <a:t>Test plan : kế hoạch test, scope, timeline</a:t>
+            </a:r>
+          </a:p>
+          <a:p>
+            <a:r>
+              <a:rPr lang="en-US" smtClean="0"/>
+              <a:t>Requirement Traceability Matrix: yêu cầu cho test case, </a:t>
+            </a:r>
+          </a:p>
+          <a:p>
+            <a:r>
+              <a:rPr lang="en-US" smtClean="0"/>
+              <a:t>Test scenario: ngữ cảnh kiểm thử 1 ngữ cảnh là 1 hoạt động cụ thể có thể gồm nhiều test case</a:t>
+            </a:r>
+          </a:p>
+          <a:p>
+            <a:r>
+              <a:rPr lang="en-US" smtClean="0"/>
+              <a:t>Test case: trường hợp kiểm thử</a:t>
+            </a:r>
+          </a:p>
+          <a:p>
+            <a:r>
+              <a:rPr lang="en-US" smtClean="0"/>
+              <a:t>Test data: dữ liệu dùng cho test case </a:t>
+            </a:r>
           </a:p>
         </p:txBody>
       </p:sp>
     </p:spTree>
     <p:extLst>
       <p:ext uri="{BB962C8B-B14F-4D97-AF65-F5344CB8AC3E}">
-        <p14:creationId xmlns:p14="http://schemas.microsoft.com/office/powerpoint/2010/main" val="2255284919"/>
+        <p14:creationId xmlns:p14="http://schemas.microsoft.com/office/powerpoint/2010/main" val="266696133"/>
       </p:ext>
     </p:extLst>
   </p:cSld>
@@ -15417,7 +17086,7 @@
 </p:sld>
 </file>
 
-<file path=ppt/slides/slide50.xml><?xml version="1.0" encoding="utf-8"?>
+<file path=ppt/slides/slide56.xml><?xml version="1.0" encoding="utf-8"?>
 <p:sld xmlns:a="http://schemas.openxmlformats.org/drawingml/2006/main" xmlns:r="http://schemas.openxmlformats.org/officeDocument/2006/relationships" xmlns:p="http://schemas.openxmlformats.org/presentationml/2006/main">
   <p:cSld>
     <p:spTree>
@@ -15451,7 +17120,7 @@
           <a:p>
             <a:r>
               <a:rPr lang="en-US" smtClean="0"/>
-              <a:t>Test case design</a:t>
+              <a:t>Ví dụ về test scenarios</a:t>
             </a:r>
             <a:endParaRPr lang="en-US"/>
           </a:p>
@@ -15474,36 +17143,34 @@
           <a:p>
             <a:r>
               <a:rPr lang="en-US" smtClean="0"/>
-              <a:t>Thiết kế đầu vào và đầu ra dự đoán </a:t>
-            </a:r>
-          </a:p>
-          <a:p>
-            <a:r>
-              <a:rPr lang="en-US" smtClean="0"/>
-              <a:t>Các phương pháp design test case</a:t>
-            </a:r>
-          </a:p>
-          <a:p>
-            <a:r>
-              <a:rPr lang="en-US" smtClean="0"/>
-              <a:t>- kiểm thử dựa trên yêu cầu</a:t>
-            </a:r>
-          </a:p>
-          <a:p>
-            <a:r>
-              <a:rPr lang="en-US" smtClean="0"/>
-              <a:t>- kiểm thử phân hoạch . phân các đầu vào thành các nhóm có chung đặc tính, </a:t>
-            </a:r>
-          </a:p>
-          <a:p>
-            <a:r>
-              <a:rPr lang="en-US"/>
-              <a:t> </a:t>
-            </a:r>
-            <a:r>
-              <a:rPr lang="en-US" smtClean="0"/>
-              <a:t>kiểm thử cấu trúc</a:t>
-            </a:r>
+              <a:t>Khi test 1 trang login thì có các scenario sau</a:t>
+            </a:r>
+          </a:p>
+          <a:p>
+            <a:r>
+              <a:rPr lang="en-US" smtClean="0"/>
+              <a:t>Test scenario 1: check kịch bản login </a:t>
+            </a:r>
+          </a:p>
+          <a:p>
+            <a:r>
+              <a:rPr lang="en-US" smtClean="0"/>
+              <a:t>Test scenario 2: check kịch bản quên mật khẩu</a:t>
+            </a:r>
+          </a:p>
+          <a:p>
+            <a:r>
+              <a:rPr lang="en-US" smtClean="0"/>
+              <a:t>Test scenario 3: check kịch bản tạo account</a:t>
+            </a:r>
+          </a:p>
+          <a:p>
+            <a:endParaRPr lang="en-US" smtClean="0"/>
+          </a:p>
+          <a:p>
+            <a:pPr marL="0" indent="0">
+              <a:buNone/>
+            </a:pPr>
             <a:endParaRPr lang="en-US"/>
           </a:p>
         </p:txBody>
@@ -15511,7 +17178,7 @@
     </p:spTree>
     <p:extLst>
       <p:ext uri="{BB962C8B-B14F-4D97-AF65-F5344CB8AC3E}">
-        <p14:creationId xmlns:p14="http://schemas.microsoft.com/office/powerpoint/2010/main" val="266696133"/>
+        <p14:creationId xmlns:p14="http://schemas.microsoft.com/office/powerpoint/2010/main" val="3247799353"/>
       </p:ext>
     </p:extLst>
   </p:cSld>
@@ -15521,7 +17188,7 @@
 </p:sld>
 </file>
 
-<file path=ppt/slides/slide51.xml><?xml version="1.0" encoding="utf-8"?>
+<file path=ppt/slides/slide57.xml><?xml version="1.0" encoding="utf-8"?>
 <p:sld xmlns:a="http://schemas.openxmlformats.org/drawingml/2006/main" xmlns:r="http://schemas.openxmlformats.org/officeDocument/2006/relationships" xmlns:p="http://schemas.openxmlformats.org/presentationml/2006/main">
   <p:cSld>
     <p:spTree>
@@ -15555,7 +17222,7 @@
           <a:p>
             <a:r>
               <a:rPr lang="en-US" smtClean="0"/>
-              <a:t>Ví dụ test case design dựa trên yêu cầu</a:t>
+              <a:t>Test case </a:t>
             </a:r>
             <a:endParaRPr lang="en-US"/>
           </a:p>
@@ -15573,57 +17240,621 @@
         </p:nvSpPr>
         <p:spPr/>
         <p:txBody>
-          <a:bodyPr>
-            <a:normAutofit fontScale="92500"/>
-          </a:bodyPr>
-          <a:lstStyle/>
-          <a:p>
-            <a:r>
-              <a:rPr lang="en-US" smtClean="0"/>
-              <a:t>Yêu cầu: người dùng có thể tìm kiếm hoặc tất cả tập ban đầu của cơ sở dữ liệu hoặc lựa chọn một tập con từ đó của hệ thống thư viện sách</a:t>
-            </a:r>
-          </a:p>
-          <a:p>
-            <a:r>
-              <a:rPr lang="en-US"/>
-              <a:t> </a:t>
-            </a:r>
-            <a:r>
-              <a:rPr lang="en-US" smtClean="0"/>
-              <a:t>test case1: tìm kiếm không nhập từ khoá -&gt; mong đợi trả về tất cả sách hoặc sách mới nhất (hot)</a:t>
-            </a:r>
-          </a:p>
-          <a:p>
-            <a:r>
-              <a:rPr lang="en-US" smtClean="0"/>
-              <a:t>Test case2: tìm theo từ khoá -&gt; mong đợi trả về theo từ khoá</a:t>
-            </a:r>
-          </a:p>
-          <a:p>
-            <a:r>
-              <a:rPr lang="en-US" smtClean="0"/>
-              <a:t>Test case3: lựa chọn tập con từ kết quả tìm  -&gt; mong đợi :tìm kiếm nhận kết quả, nhấn vào danh mục hoặc tác giả để tìm những kết quả liên quan</a:t>
-            </a:r>
-          </a:p>
-          <a:p>
-            <a:r>
-              <a:rPr lang="en-US" smtClean="0"/>
-              <a:t>Test case4: tìm kiếm theo danh mục -&gt; mong đợi trả về theo danh mục sách</a:t>
-            </a:r>
-          </a:p>
-          <a:p>
-            <a:r>
-              <a:rPr lang="en-US" smtClean="0"/>
-              <a:t>Test case5: ….</a:t>
-            </a:r>
-            <a:endParaRPr lang="en-US"/>
-          </a:p>
-        </p:txBody>
-      </p:sp>
+          <a:bodyPr/>
+          <a:lstStyle/>
+          <a:p>
+            <a:r>
+              <a:rPr lang="en-US" smtClean="0"/>
+              <a:t>Ví dụ thực hiện test case cho login screnarios</a:t>
+            </a:r>
+          </a:p>
+          <a:p>
+            <a:endParaRPr lang="en-US"/>
+          </a:p>
+        </p:txBody>
+      </p:sp>
+      <p:graphicFrame>
+        <p:nvGraphicFramePr>
+          <p:cNvPr id="4" name="Table 3"/>
+          <p:cNvGraphicFramePr>
+            <a:graphicFrameLocks noGrp="1"/>
+          </p:cNvGraphicFramePr>
+          <p:nvPr>
+            <p:extLst>
+              <p:ext uri="{D42A27DB-BD31-4B8C-83A1-F6EECF244321}">
+                <p14:modId xmlns:p14="http://schemas.microsoft.com/office/powerpoint/2010/main" val="178362821"/>
+              </p:ext>
+            </p:extLst>
+          </p:nvPr>
+        </p:nvGraphicFramePr>
+        <p:xfrm>
+          <a:off x="1098144" y="2538739"/>
+          <a:ext cx="8127999" cy="4404360"/>
+        </p:xfrm>
+        <a:graphic>
+          <a:graphicData uri="http://schemas.openxmlformats.org/drawingml/2006/table">
+            <a:tbl>
+              <a:tblPr firstRow="1" bandRow="1">
+                <a:tableStyleId>{5C22544A-7EE6-4342-B048-85BDC9FD1C3A}</a:tableStyleId>
+              </a:tblPr>
+              <a:tblGrid>
+                <a:gridCol w="486022"/>
+                <a:gridCol w="1463454"/>
+                <a:gridCol w="689667"/>
+                <a:gridCol w="1372214"/>
+                <a:gridCol w="1372214"/>
+                <a:gridCol w="1372214"/>
+                <a:gridCol w="1372214"/>
+              </a:tblGrid>
+              <a:tr h="370840">
+                <a:tc>
+                  <a:txBody>
+                    <a:bodyPr/>
+                    <a:lstStyle/>
+                    <a:p>
+                      <a:r>
+                        <a:rPr lang="en-US" smtClean="0"/>
+                        <a:t>no</a:t>
+                      </a:r>
+                      <a:endParaRPr lang="en-US"/>
+                    </a:p>
+                  </a:txBody>
+                  <a:tcPr/>
+                </a:tc>
+                <a:tc>
+                  <a:txBody>
+                    <a:bodyPr/>
+                    <a:lstStyle/>
+                    <a:p>
+                      <a:r>
+                        <a:rPr lang="en-US" smtClean="0"/>
+                        <a:t>Test</a:t>
+                      </a:r>
+                      <a:r>
+                        <a:rPr lang="en-US" baseline="0" smtClean="0"/>
+                        <a:t> case description</a:t>
+                      </a:r>
+                      <a:endParaRPr lang="en-US"/>
+                    </a:p>
+                  </a:txBody>
+                  <a:tcPr/>
+                </a:tc>
+                <a:tc>
+                  <a:txBody>
+                    <a:bodyPr/>
+                    <a:lstStyle/>
+                    <a:p>
+                      <a:r>
+                        <a:rPr lang="en-US" smtClean="0"/>
+                        <a:t>steps</a:t>
+                      </a:r>
+                      <a:endParaRPr lang="en-US"/>
+                    </a:p>
+                  </a:txBody>
+                  <a:tcPr/>
+                </a:tc>
+                <a:tc>
+                  <a:txBody>
+                    <a:bodyPr/>
+                    <a:lstStyle/>
+                    <a:p>
+                      <a:r>
+                        <a:rPr lang="en-US" smtClean="0"/>
+                        <a:t>Test</a:t>
+                      </a:r>
+                      <a:r>
+                        <a:rPr lang="en-US" baseline="0" smtClean="0"/>
+                        <a:t> data</a:t>
+                      </a:r>
+                      <a:endParaRPr lang="en-US"/>
+                    </a:p>
+                  </a:txBody>
+                  <a:tcPr/>
+                </a:tc>
+                <a:tc>
+                  <a:txBody>
+                    <a:bodyPr/>
+                    <a:lstStyle/>
+                    <a:p>
+                      <a:r>
+                        <a:rPr lang="en-US" smtClean="0"/>
+                        <a:t>Expected</a:t>
+                      </a:r>
+                      <a:r>
+                        <a:rPr lang="en-US" baseline="0" smtClean="0"/>
+                        <a:t> output</a:t>
+                      </a:r>
+                      <a:endParaRPr lang="en-US"/>
+                    </a:p>
+                  </a:txBody>
+                  <a:tcPr/>
+                </a:tc>
+                <a:tc>
+                  <a:txBody>
+                    <a:bodyPr/>
+                    <a:lstStyle/>
+                    <a:p>
+                      <a:r>
+                        <a:rPr lang="en-US" smtClean="0"/>
+                        <a:t>Actual result</a:t>
+                      </a:r>
+                      <a:endParaRPr lang="en-US"/>
+                    </a:p>
+                  </a:txBody>
+                  <a:tcPr/>
+                </a:tc>
+                <a:tc>
+                  <a:txBody>
+                    <a:bodyPr/>
+                    <a:lstStyle/>
+                    <a:p>
+                      <a:pPr marL="0" marR="0" indent="0" algn="l" defTabSz="914400" rtl="0" eaLnBrk="1" fontAlgn="auto" latinLnBrk="0" hangingPunct="1">
+                        <a:lnSpc>
+                          <a:spcPct val="100000"/>
+                        </a:lnSpc>
+                        <a:spcBef>
+                          <a:spcPts val="0"/>
+                        </a:spcBef>
+                        <a:spcAft>
+                          <a:spcPts val="0"/>
+                        </a:spcAft>
+                        <a:buClrTx/>
+                        <a:buSzTx/>
+                        <a:buFontTx/>
+                        <a:buNone/>
+                        <a:tabLst/>
+                        <a:defRPr/>
+                      </a:pPr>
+                      <a:r>
+                        <a:rPr lang="en-US" smtClean="0"/>
+                        <a:t>Pass/Fail</a:t>
+                      </a:r>
+                    </a:p>
+                    <a:p>
+                      <a:endParaRPr lang="en-US"/>
+                    </a:p>
+                  </a:txBody>
+                  <a:tcPr/>
+                </a:tc>
+              </a:tr>
+              <a:tr h="370840">
+                <a:tc>
+                  <a:txBody>
+                    <a:bodyPr/>
+                    <a:lstStyle/>
+                    <a:p>
+                      <a:r>
+                        <a:rPr lang="en-US" smtClean="0"/>
+                        <a:t>1</a:t>
+                      </a:r>
+                      <a:endParaRPr lang="en-US"/>
+                    </a:p>
+                  </a:txBody>
+                  <a:tcPr/>
+                </a:tc>
+                <a:tc>
+                  <a:txBody>
+                    <a:bodyPr/>
+                    <a:lstStyle/>
+                    <a:p>
+                      <a:r>
+                        <a:rPr lang="en-US" smtClean="0"/>
+                        <a:t>With</a:t>
+                      </a:r>
+                      <a:r>
+                        <a:rPr lang="en-US" baseline="0" smtClean="0"/>
+                        <a:t> vaild username</a:t>
+                      </a:r>
+                    </a:p>
+                    <a:p>
+                      <a:r>
+                        <a:rPr lang="en-US" baseline="0" smtClean="0"/>
+                        <a:t>Vaild password</a:t>
+                      </a:r>
+                      <a:endParaRPr lang="en-US"/>
+                    </a:p>
+                  </a:txBody>
+                  <a:tcPr/>
+                </a:tc>
+                <a:tc>
+                  <a:txBody>
+                    <a:bodyPr/>
+                    <a:lstStyle/>
+                    <a:p>
+                      <a:r>
+                        <a:rPr lang="en-US" smtClean="0"/>
+                        <a:t>Go to</a:t>
+                      </a:r>
+                      <a:r>
+                        <a:rPr lang="en-US" baseline="0" smtClean="0"/>
+                        <a:t> website…..</a:t>
+                      </a:r>
+                      <a:endParaRPr lang="en-US"/>
+                    </a:p>
+                  </a:txBody>
+                  <a:tcPr/>
+                </a:tc>
+                <a:tc>
+                  <a:txBody>
+                    <a:bodyPr/>
+                    <a:lstStyle/>
+                    <a:p>
+                      <a:r>
+                        <a:rPr lang="en-US" smtClean="0"/>
+                        <a:t>user=</a:t>
+                      </a:r>
+                    </a:p>
+                    <a:p>
+                      <a:r>
+                        <a:rPr lang="en-US" smtClean="0"/>
+                        <a:t>Pass=</a:t>
+                      </a:r>
+                      <a:endParaRPr lang="en-US"/>
+                    </a:p>
+                  </a:txBody>
+                  <a:tcPr/>
+                </a:tc>
+                <a:tc>
+                  <a:txBody>
+                    <a:bodyPr/>
+                    <a:lstStyle/>
+                    <a:p>
+                      <a:r>
+                        <a:rPr lang="en-US" smtClean="0"/>
+                        <a:t>Login success</a:t>
+                      </a:r>
+                      <a:endParaRPr lang="en-US"/>
+                    </a:p>
+                  </a:txBody>
+                  <a:tcPr/>
+                </a:tc>
+                <a:tc>
+                  <a:txBody>
+                    <a:bodyPr/>
+                    <a:lstStyle/>
+                    <a:p>
+                      <a:r>
+                        <a:rPr lang="en-US" smtClean="0"/>
+                        <a:t>Login success</a:t>
+                      </a:r>
+                      <a:endParaRPr lang="en-US"/>
+                    </a:p>
+                  </a:txBody>
+                  <a:tcPr/>
+                </a:tc>
+                <a:tc>
+                  <a:txBody>
+                    <a:bodyPr/>
+                    <a:lstStyle/>
+                    <a:p>
+                      <a:r>
+                        <a:rPr lang="en-US" smtClean="0"/>
+                        <a:t>pass</a:t>
+                      </a:r>
+                      <a:endParaRPr lang="en-US"/>
+                    </a:p>
+                  </a:txBody>
+                  <a:tcPr/>
+                </a:tc>
+              </a:tr>
+              <a:tr h="370840">
+                <a:tc>
+                  <a:txBody>
+                    <a:bodyPr/>
+                    <a:lstStyle/>
+                    <a:p>
+                      <a:r>
+                        <a:rPr lang="en-US" smtClean="0"/>
+                        <a:t>2</a:t>
+                      </a:r>
+                      <a:endParaRPr lang="en-US"/>
+                    </a:p>
+                  </a:txBody>
+                  <a:tcPr/>
+                </a:tc>
+                <a:tc>
+                  <a:txBody>
+                    <a:bodyPr/>
+                    <a:lstStyle/>
+                    <a:p>
+                      <a:r>
+                        <a:rPr lang="en-US" smtClean="0"/>
+                        <a:t>With</a:t>
+                      </a:r>
+                      <a:r>
+                        <a:rPr lang="en-US" baseline="0" smtClean="0"/>
+                        <a:t> valid username </a:t>
+                      </a:r>
+                    </a:p>
+                    <a:p>
+                      <a:r>
+                        <a:rPr lang="en-US" baseline="0" smtClean="0"/>
+                        <a:t>Wrong password</a:t>
+                      </a:r>
+                      <a:endParaRPr lang="en-US"/>
+                    </a:p>
+                  </a:txBody>
+                  <a:tcPr/>
+                </a:tc>
+                <a:tc>
+                  <a:txBody>
+                    <a:bodyPr/>
+                    <a:lstStyle/>
+                    <a:p>
+                      <a:endParaRPr lang="en-US"/>
+                    </a:p>
+                  </a:txBody>
+                  <a:tcPr/>
+                </a:tc>
+                <a:tc>
+                  <a:txBody>
+                    <a:bodyPr/>
+                    <a:lstStyle/>
+                    <a:p>
+                      <a:endParaRPr lang="en-US"/>
+                    </a:p>
+                  </a:txBody>
+                  <a:tcPr/>
+                </a:tc>
+                <a:tc>
+                  <a:txBody>
+                    <a:bodyPr/>
+                    <a:lstStyle/>
+                    <a:p>
+                      <a:endParaRPr lang="en-US"/>
+                    </a:p>
+                  </a:txBody>
+                  <a:tcPr/>
+                </a:tc>
+                <a:tc>
+                  <a:txBody>
+                    <a:bodyPr/>
+                    <a:lstStyle/>
+                    <a:p>
+                      <a:endParaRPr lang="en-US"/>
+                    </a:p>
+                  </a:txBody>
+                  <a:tcPr/>
+                </a:tc>
+                <a:tc>
+                  <a:txBody>
+                    <a:bodyPr/>
+                    <a:lstStyle/>
+                    <a:p>
+                      <a:endParaRPr lang="en-US"/>
+                    </a:p>
+                  </a:txBody>
+                  <a:tcPr/>
+                </a:tc>
+              </a:tr>
+              <a:tr h="370840">
+                <a:tc>
+                  <a:txBody>
+                    <a:bodyPr/>
+                    <a:lstStyle/>
+                    <a:p>
+                      <a:r>
+                        <a:rPr lang="en-US" smtClean="0"/>
+                        <a:t>3</a:t>
+                      </a:r>
+                      <a:endParaRPr lang="en-US"/>
+                    </a:p>
+                  </a:txBody>
+                  <a:tcPr/>
+                </a:tc>
+                <a:tc>
+                  <a:txBody>
+                    <a:bodyPr/>
+                    <a:lstStyle/>
+                    <a:p>
+                      <a:endParaRPr lang="en-US"/>
+                    </a:p>
+                  </a:txBody>
+                  <a:tcPr/>
+                </a:tc>
+                <a:tc>
+                  <a:txBody>
+                    <a:bodyPr/>
+                    <a:lstStyle/>
+                    <a:p>
+                      <a:endParaRPr lang="en-US"/>
+                    </a:p>
+                  </a:txBody>
+                  <a:tcPr/>
+                </a:tc>
+                <a:tc>
+                  <a:txBody>
+                    <a:bodyPr/>
+                    <a:lstStyle/>
+                    <a:p>
+                      <a:endParaRPr lang="en-US"/>
+                    </a:p>
+                  </a:txBody>
+                  <a:tcPr/>
+                </a:tc>
+                <a:tc>
+                  <a:txBody>
+                    <a:bodyPr/>
+                    <a:lstStyle/>
+                    <a:p>
+                      <a:endParaRPr lang="en-US"/>
+                    </a:p>
+                  </a:txBody>
+                  <a:tcPr/>
+                </a:tc>
+                <a:tc>
+                  <a:txBody>
+                    <a:bodyPr/>
+                    <a:lstStyle/>
+                    <a:p>
+                      <a:endParaRPr lang="en-US"/>
+                    </a:p>
+                  </a:txBody>
+                  <a:tcPr/>
+                </a:tc>
+                <a:tc>
+                  <a:txBody>
+                    <a:bodyPr/>
+                    <a:lstStyle/>
+                    <a:p>
+                      <a:endParaRPr lang="en-US"/>
+                    </a:p>
+                  </a:txBody>
+                  <a:tcPr/>
+                </a:tc>
+              </a:tr>
+              <a:tr h="370840">
+                <a:tc>
+                  <a:txBody>
+                    <a:bodyPr/>
+                    <a:lstStyle/>
+                    <a:p>
+                      <a:endParaRPr lang="en-US"/>
+                    </a:p>
+                  </a:txBody>
+                  <a:tcPr/>
+                </a:tc>
+                <a:tc>
+                  <a:txBody>
+                    <a:bodyPr/>
+                    <a:lstStyle/>
+                    <a:p>
+                      <a:endParaRPr lang="en-US"/>
+                    </a:p>
+                  </a:txBody>
+                  <a:tcPr/>
+                </a:tc>
+                <a:tc>
+                  <a:txBody>
+                    <a:bodyPr/>
+                    <a:lstStyle/>
+                    <a:p>
+                      <a:endParaRPr lang="en-US"/>
+                    </a:p>
+                  </a:txBody>
+                  <a:tcPr/>
+                </a:tc>
+                <a:tc>
+                  <a:txBody>
+                    <a:bodyPr/>
+                    <a:lstStyle/>
+                    <a:p>
+                      <a:endParaRPr lang="en-US"/>
+                    </a:p>
+                  </a:txBody>
+                  <a:tcPr/>
+                </a:tc>
+                <a:tc>
+                  <a:txBody>
+                    <a:bodyPr/>
+                    <a:lstStyle/>
+                    <a:p>
+                      <a:endParaRPr lang="en-US"/>
+                    </a:p>
+                  </a:txBody>
+                  <a:tcPr/>
+                </a:tc>
+                <a:tc>
+                  <a:txBody>
+                    <a:bodyPr/>
+                    <a:lstStyle/>
+                    <a:p>
+                      <a:endParaRPr lang="en-US"/>
+                    </a:p>
+                  </a:txBody>
+                  <a:tcPr/>
+                </a:tc>
+                <a:tc>
+                  <a:txBody>
+                    <a:bodyPr/>
+                    <a:lstStyle/>
+                    <a:p>
+                      <a:endParaRPr lang="en-US"/>
+                    </a:p>
+                  </a:txBody>
+                  <a:tcPr/>
+                </a:tc>
+              </a:tr>
+              <a:tr h="370840">
+                <a:tc>
+                  <a:txBody>
+                    <a:bodyPr/>
+                    <a:lstStyle/>
+                    <a:p>
+                      <a:endParaRPr lang="en-US"/>
+                    </a:p>
+                  </a:txBody>
+                  <a:tcPr/>
+                </a:tc>
+                <a:tc>
+                  <a:txBody>
+                    <a:bodyPr/>
+                    <a:lstStyle/>
+                    <a:p>
+                      <a:endParaRPr lang="en-US"/>
+                    </a:p>
+                  </a:txBody>
+                  <a:tcPr/>
+                </a:tc>
+                <a:tc>
+                  <a:txBody>
+                    <a:bodyPr/>
+                    <a:lstStyle/>
+                    <a:p>
+                      <a:endParaRPr lang="en-US"/>
+                    </a:p>
+                  </a:txBody>
+                  <a:tcPr/>
+                </a:tc>
+                <a:tc>
+                  <a:txBody>
+                    <a:bodyPr/>
+                    <a:lstStyle/>
+                    <a:p>
+                      <a:endParaRPr lang="en-US"/>
+                    </a:p>
+                  </a:txBody>
+                  <a:tcPr/>
+                </a:tc>
+                <a:tc>
+                  <a:txBody>
+                    <a:bodyPr/>
+                    <a:lstStyle/>
+                    <a:p>
+                      <a:endParaRPr lang="en-US"/>
+                    </a:p>
+                  </a:txBody>
+                  <a:tcPr/>
+                </a:tc>
+                <a:tc>
+                  <a:txBody>
+                    <a:bodyPr/>
+                    <a:lstStyle/>
+                    <a:p>
+                      <a:endParaRPr lang="en-US"/>
+                    </a:p>
+                  </a:txBody>
+                  <a:tcPr/>
+                </a:tc>
+                <a:tc>
+                  <a:txBody>
+                    <a:bodyPr/>
+                    <a:lstStyle/>
+                    <a:p>
+                      <a:endParaRPr lang="en-US"/>
+                    </a:p>
+                  </a:txBody>
+                  <a:tcPr/>
+                </a:tc>
+              </a:tr>
+            </a:tbl>
+          </a:graphicData>
+        </a:graphic>
+      </p:graphicFrame>
     </p:spTree>
     <p:extLst>
       <p:ext uri="{BB962C8B-B14F-4D97-AF65-F5344CB8AC3E}">
-        <p14:creationId xmlns:p14="http://schemas.microsoft.com/office/powerpoint/2010/main" val="518076181"/>
+        <p14:creationId xmlns:p14="http://schemas.microsoft.com/office/powerpoint/2010/main" val="1824574561"/>
       </p:ext>
     </p:extLst>
   </p:cSld>
@@ -15633,7 +17864,7 @@
 </p:sld>
 </file>
 
-<file path=ppt/slides/slide52.xml><?xml version="1.0" encoding="utf-8"?>
+<file path=ppt/slides/slide58.xml><?xml version="1.0" encoding="utf-8"?>
 <p:sld xmlns:a="http://schemas.openxmlformats.org/drawingml/2006/main" xmlns:r="http://schemas.openxmlformats.org/officeDocument/2006/relationships" xmlns:p="http://schemas.openxmlformats.org/presentationml/2006/main">
   <p:cSld>
     <p:spTree>
@@ -15667,7 +17898,7 @@
           <a:p>
             <a:r>
               <a:rPr lang="en-US" smtClean="0"/>
-              <a:t>Ví dụ test case design kiểm thử phân hoạch</a:t>
+              <a:t>Test case design</a:t>
             </a:r>
             <a:endParaRPr lang="en-US"/>
           </a:p>
@@ -15681,6 +17912,84 @@
           </p:cNvSpPr>
           <p:nvPr>
             <p:ph idx="1"/>
+          </p:nvPr>
+        </p:nvSpPr>
+        <p:spPr/>
+        <p:txBody>
+          <a:bodyPr/>
+          <a:lstStyle/>
+          <a:p>
+            <a:r>
+              <a:rPr lang="en-US" smtClean="0"/>
+              <a:t>Mỗi bài toán sẽ áp dụng kỹ thuật phù hợp</a:t>
+            </a:r>
+          </a:p>
+          <a:p>
+            <a:r>
+              <a:rPr lang="en-US" smtClean="0"/>
+              <a:t>Mục đích số lượng test case tối thiểu mà vẫn không bị sót lỗi</a:t>
+            </a:r>
+            <a:endParaRPr lang="en-US" smtClean="0"/>
+          </a:p>
+          <a:p>
+            <a:r>
+              <a:rPr lang="en-US" smtClean="0"/>
+              <a:t>Kỹ thuật thiết kế test case cho blackbox test</a:t>
+            </a:r>
+          </a:p>
+          <a:p>
+            <a:r>
+              <a:rPr lang="en-US" smtClean="0"/>
+              <a:t>Kỹ thuật thiết kế test case cho whitebox test</a:t>
+            </a:r>
+          </a:p>
+          <a:p>
+            <a:r>
+              <a:rPr lang="en-US" smtClean="0"/>
+              <a:t>Kỹ thuật thiết kế test case từ UI</a:t>
+            </a:r>
+            <a:endParaRPr lang="en-US"/>
+          </a:p>
+        </p:txBody>
+      </p:sp>
+    </p:spTree>
+    <p:extLst>
+      <p:ext uri="{BB962C8B-B14F-4D97-AF65-F5344CB8AC3E}">
+        <p14:creationId xmlns:p14="http://schemas.microsoft.com/office/powerpoint/2010/main" val="3864901325"/>
+      </p:ext>
+    </p:extLst>
+  </p:cSld>
+  <p:clrMapOvr>
+    <a:masterClrMapping/>
+  </p:clrMapOvr>
+</p:sld>
+</file>
+
+<file path=ppt/slides/slide59.xml><?xml version="1.0" encoding="utf-8"?>
+<p:sld xmlns:a="http://schemas.openxmlformats.org/drawingml/2006/main" xmlns:r="http://schemas.openxmlformats.org/officeDocument/2006/relationships" xmlns:p="http://schemas.openxmlformats.org/presentationml/2006/main">
+  <p:cSld>
+    <p:spTree>
+      <p:nvGrpSpPr>
+        <p:cNvPr id="1" name=""/>
+        <p:cNvGrpSpPr/>
+        <p:nvPr/>
+      </p:nvGrpSpPr>
+      <p:grpSpPr>
+        <a:xfrm>
+          <a:off x="0" y="0"/>
+          <a:ext cx="0" cy="0"/>
+          <a:chOff x="0" y="0"/>
+          <a:chExt cx="0" cy="0"/>
+        </a:xfrm>
+      </p:grpSpPr>
+      <p:sp>
+        <p:nvSpPr>
+          <p:cNvPr id="2" name="Title 1"/>
+          <p:cNvSpPr>
+            <a:spLocks noGrp="1"/>
+          </p:cNvSpPr>
+          <p:nvPr>
+            <p:ph type="title"/>
           </p:nvPr>
         </p:nvSpPr>
         <p:spPr/>
@@ -15691,60 +18000,88 @@
           <a:lstStyle/>
           <a:p>
             <a:r>
-              <a:rPr lang="vi-VN"/>
-              <a:t>một chương trình tính toán giảm giá cho các sản phẩm dựa trên độ tuổi của khách hàng</a:t>
-            </a:r>
-            <a:r>
-              <a:rPr lang="vi-VN" smtClean="0"/>
-              <a:t>.</a:t>
-            </a:r>
-            <a:r>
-              <a:rPr lang="en-US" smtClean="0"/>
-              <a:t> </a:t>
-            </a:r>
-          </a:p>
-          <a:p>
-            <a:r>
-              <a:rPr lang="en-US" smtClean="0"/>
-              <a:t>Trẻ em từ 0-12, thanh niên 13-19 trưởng thành 20 trở lên</a:t>
-            </a:r>
-          </a:p>
-          <a:p>
-            <a:r>
-              <a:rPr lang="en-US" smtClean="0"/>
-              <a:t>Test case1: 5 tuổi, 2: 16 tuổi, 3: 40 tuổi (thường là khoảng giữa)</a:t>
-            </a:r>
-          </a:p>
-          <a:p>
-            <a:r>
-              <a:rPr lang="en-US" smtClean="0"/>
-              <a:t>Test case2,3,4,5 : giá trị biên (0, 12,13,19)</a:t>
-            </a:r>
-          </a:p>
-          <a:p>
-            <a:r>
-              <a:rPr lang="en-US" smtClean="0"/>
-              <a:t>Test case 6: giá trị -5</a:t>
-            </a:r>
-          </a:p>
-          <a:p>
-            <a:r>
-              <a:rPr lang="en-US" smtClean="0"/>
-              <a:t>Test case 7 giá trị 150 (quá lớn)</a:t>
-            </a:r>
+              <a:rPr lang="en-US" smtClean="0"/>
+              <a:t>Blackbox test-Equivalent Class Partitioning</a:t>
+            </a:r>
+            <a:r>
+              <a:rPr lang="en-US"/>
+              <a:t/>
+            </a:r>
+            <a:br>
+              <a:rPr lang="en-US"/>
+            </a:br>
+            <a:r>
+              <a:rPr lang="en-US" smtClean="0"/>
+              <a:t>(Phân vùng tương đương)</a:t>
+            </a:r>
+            <a:endParaRPr lang="en-US"/>
+          </a:p>
+        </p:txBody>
+      </p:sp>
+      <p:sp>
+        <p:nvSpPr>
+          <p:cNvPr id="3" name="Content Placeholder 2"/>
+          <p:cNvSpPr>
+            <a:spLocks noGrp="1"/>
+          </p:cNvSpPr>
+          <p:nvPr>
+            <p:ph idx="1"/>
+          </p:nvPr>
+        </p:nvSpPr>
+        <p:spPr/>
+        <p:txBody>
+          <a:bodyPr/>
+          <a:lstStyle/>
+          <a:p>
+            <a:r>
+              <a:rPr lang="en-US" smtClean="0"/>
+              <a:t>Ví dụ : chức năng giảm giá sản phẩm với khách hang có độ tuổi 18-24 tuổi</a:t>
+            </a:r>
+          </a:p>
+          <a:p>
+            <a:r>
+              <a:rPr lang="en-US" smtClean="0"/>
+              <a:t>Vùng [18;24]</a:t>
+            </a:r>
+          </a:p>
+          <a:p>
+            <a:r>
+              <a:rPr lang="en-US" smtClean="0"/>
+              <a:t>Vùng ( -;18)</a:t>
+            </a:r>
+          </a:p>
+          <a:p>
+            <a:r>
+              <a:rPr lang="en-US"/>
+              <a:t>Vùng ( </a:t>
+            </a:r>
+            <a:r>
+              <a:rPr lang="en-US" smtClean="0"/>
+              <a:t>24;-)</a:t>
+            </a:r>
+          </a:p>
+          <a:p>
+            <a:r>
+              <a:rPr lang="en-US" smtClean="0"/>
+              <a:t>Ưu điểm : giảm số lượng test case</a:t>
+            </a:r>
+          </a:p>
+          <a:p>
+            <a:r>
+              <a:rPr lang="en-US" smtClean="0"/>
+              <a:t>Có thể bị lỗi ở các giá trị biện khi mà bài toán có các giá trị biên không quá rõ ràng</a:t>
+            </a:r>
+            <a:endParaRPr lang="en-US"/>
           </a:p>
           <a:p>
             <a:endParaRPr lang="en-US" smtClean="0"/>
-          </a:p>
-          <a:p>
-            <a:endParaRPr lang="en-US"/>
           </a:p>
         </p:txBody>
       </p:sp>
     </p:spTree>
     <p:extLst>
       <p:ext uri="{BB962C8B-B14F-4D97-AF65-F5344CB8AC3E}">
-        <p14:creationId xmlns:p14="http://schemas.microsoft.com/office/powerpoint/2010/main" val="1661195961"/>
+        <p14:creationId xmlns:p14="http://schemas.microsoft.com/office/powerpoint/2010/main" val="2644212650"/>
       </p:ext>
     </p:extLst>
   </p:cSld>
@@ -16073,6 +18410,1292 @@
 </p:sld>
 </file>
 
+<file path=ppt/slides/slide60.xml><?xml version="1.0" encoding="utf-8"?>
+<p:sld xmlns:a="http://schemas.openxmlformats.org/drawingml/2006/main" xmlns:r="http://schemas.openxmlformats.org/officeDocument/2006/relationships" xmlns:p="http://schemas.openxmlformats.org/presentationml/2006/main">
+  <p:cSld>
+    <p:spTree>
+      <p:nvGrpSpPr>
+        <p:cNvPr id="1" name=""/>
+        <p:cNvGrpSpPr/>
+        <p:nvPr/>
+      </p:nvGrpSpPr>
+      <p:grpSpPr>
+        <a:xfrm>
+          <a:off x="0" y="0"/>
+          <a:ext cx="0" cy="0"/>
+          <a:chOff x="0" y="0"/>
+          <a:chExt cx="0" cy="0"/>
+        </a:xfrm>
+      </p:grpSpPr>
+      <p:sp>
+        <p:nvSpPr>
+          <p:cNvPr id="2" name="Title 1"/>
+          <p:cNvSpPr>
+            <a:spLocks noGrp="1"/>
+          </p:cNvSpPr>
+          <p:nvPr>
+            <p:ph type="title"/>
+          </p:nvPr>
+        </p:nvSpPr>
+        <p:spPr/>
+        <p:txBody>
+          <a:bodyPr/>
+          <a:lstStyle/>
+          <a:p>
+            <a:r>
+              <a:rPr lang="en-US" smtClean="0"/>
+              <a:t>Blackbox test-Bounary </a:t>
+            </a:r>
+            <a:r>
+              <a:rPr lang="en-US"/>
+              <a:t>testing</a:t>
+            </a:r>
+            <a:br>
+              <a:rPr lang="en-US"/>
+            </a:br>
+            <a:r>
+              <a:rPr lang="en-US" smtClean="0"/>
+              <a:t>(Phân tích giá trị biên)</a:t>
+            </a:r>
+            <a:endParaRPr lang="en-US"/>
+          </a:p>
+        </p:txBody>
+      </p:sp>
+      <p:sp>
+        <p:nvSpPr>
+          <p:cNvPr id="3" name="Content Placeholder 2"/>
+          <p:cNvSpPr>
+            <a:spLocks noGrp="1"/>
+          </p:cNvSpPr>
+          <p:nvPr>
+            <p:ph idx="1"/>
+          </p:nvPr>
+        </p:nvSpPr>
+        <p:spPr/>
+        <p:txBody>
+          <a:bodyPr>
+            <a:normAutofit fontScale="92500"/>
+          </a:bodyPr>
+          <a:lstStyle/>
+          <a:p>
+            <a:r>
+              <a:rPr lang="en-US" smtClean="0"/>
+              <a:t>Ví dụ : chức năng giảm giá sản phẩm với khách hang có độ tuổi 18-24 tuổi</a:t>
+            </a:r>
+          </a:p>
+          <a:p>
+            <a:r>
+              <a:rPr lang="en-US" smtClean="0"/>
+              <a:t>Minimum: 18</a:t>
+            </a:r>
+          </a:p>
+          <a:p>
+            <a:r>
+              <a:rPr lang="en-US" smtClean="0"/>
+              <a:t>Just above the minimum:19</a:t>
+            </a:r>
+          </a:p>
+          <a:p>
+            <a:r>
+              <a:rPr lang="en-US" smtClean="0"/>
+              <a:t>A nominal value:21</a:t>
+            </a:r>
+          </a:p>
+          <a:p>
+            <a:r>
+              <a:rPr lang="en-US" smtClean="0"/>
+              <a:t>Just below the maximum:23</a:t>
+            </a:r>
+          </a:p>
+          <a:p>
+            <a:r>
+              <a:rPr lang="en-US" smtClean="0"/>
+              <a:t>Maximum:24</a:t>
+            </a:r>
+          </a:p>
+          <a:p>
+            <a:r>
+              <a:rPr lang="vi-VN" smtClean="0"/>
+              <a:t>Ư</a:t>
+            </a:r>
+            <a:r>
+              <a:rPr lang="en-US" smtClean="0"/>
+              <a:t>u điểm tập trung vào các giá trị biên giảm số lượng test case</a:t>
+            </a:r>
+          </a:p>
+          <a:p>
+            <a:r>
+              <a:rPr lang="en-US" smtClean="0"/>
+              <a:t>Chỉ phù hợp khi các input độc lập (ví dụ khi thiết kế test case cho form login thì username và password không độc lập mà phụ thuộc nhau)</a:t>
+            </a:r>
+            <a:endParaRPr lang="en-US"/>
+          </a:p>
+        </p:txBody>
+      </p:sp>
+    </p:spTree>
+    <p:extLst>
+      <p:ext uri="{BB962C8B-B14F-4D97-AF65-F5344CB8AC3E}">
+        <p14:creationId xmlns:p14="http://schemas.microsoft.com/office/powerpoint/2010/main" val="3059203413"/>
+      </p:ext>
+    </p:extLst>
+  </p:cSld>
+  <p:clrMapOvr>
+    <a:masterClrMapping/>
+  </p:clrMapOvr>
+</p:sld>
+</file>
+
+<file path=ppt/slides/slide61.xml><?xml version="1.0" encoding="utf-8"?>
+<p:sld xmlns:a="http://schemas.openxmlformats.org/drawingml/2006/main" xmlns:r="http://schemas.openxmlformats.org/officeDocument/2006/relationships" xmlns:p="http://schemas.openxmlformats.org/presentationml/2006/main">
+  <p:cSld>
+    <p:spTree>
+      <p:nvGrpSpPr>
+        <p:cNvPr id="1" name=""/>
+        <p:cNvGrpSpPr/>
+        <p:nvPr/>
+      </p:nvGrpSpPr>
+      <p:grpSpPr>
+        <a:xfrm>
+          <a:off x="0" y="0"/>
+          <a:ext cx="0" cy="0"/>
+          <a:chOff x="0" y="0"/>
+          <a:chExt cx="0" cy="0"/>
+        </a:xfrm>
+      </p:grpSpPr>
+      <p:sp>
+        <p:nvSpPr>
+          <p:cNvPr id="2" name="Title 1"/>
+          <p:cNvSpPr>
+            <a:spLocks noGrp="1"/>
+          </p:cNvSpPr>
+          <p:nvPr>
+            <p:ph type="title"/>
+          </p:nvPr>
+        </p:nvSpPr>
+        <p:spPr/>
+        <p:txBody>
+          <a:bodyPr/>
+          <a:lstStyle/>
+          <a:p>
+            <a:r>
+              <a:rPr lang="en-US" smtClean="0"/>
+              <a:t>Kết hợp Bounary và Equivalent class</a:t>
+            </a:r>
+            <a:endParaRPr lang="en-US"/>
+          </a:p>
+        </p:txBody>
+      </p:sp>
+      <p:sp>
+        <p:nvSpPr>
+          <p:cNvPr id="3" name="Content Placeholder 2"/>
+          <p:cNvSpPr>
+            <a:spLocks noGrp="1"/>
+          </p:cNvSpPr>
+          <p:nvPr>
+            <p:ph idx="1"/>
+          </p:nvPr>
+        </p:nvSpPr>
+        <p:spPr/>
+        <p:txBody>
+          <a:bodyPr/>
+          <a:lstStyle/>
+          <a:p>
+            <a:r>
+              <a:rPr lang="en-US" smtClean="0"/>
+              <a:t>Ví dụ </a:t>
+            </a:r>
+          </a:p>
+          <a:p>
+            <a:r>
+              <a:rPr lang="en-US" smtClean="0"/>
+              <a:t>Đặt bánh pizza người dung chỉ có thể nhập vào số từ 1-10</a:t>
+            </a:r>
+          </a:p>
+          <a:p>
+            <a:r>
+              <a:rPr lang="en-US" smtClean="0"/>
+              <a:t>Lớn hơn 10 là không hợp lệ</a:t>
+            </a:r>
+          </a:p>
+          <a:p>
+            <a:r>
+              <a:rPr lang="en-US" smtClean="0"/>
+              <a:t>Nhỏ hơn 1 là không hợp lệ</a:t>
+            </a:r>
+          </a:p>
+          <a:p>
+            <a:r>
+              <a:rPr lang="en-US" smtClean="0"/>
+              <a:t>3 chữ số là không hợp lệ</a:t>
+            </a:r>
+          </a:p>
+          <a:p>
+            <a:r>
+              <a:rPr lang="en-US" smtClean="0"/>
+              <a:t>Input sẽ là : 1,2,5,9,10, 0,11,99,100,-5,101,’abc’,1.5,-3.5</a:t>
+            </a:r>
+          </a:p>
+          <a:p>
+            <a:endParaRPr lang="en-US" smtClean="0"/>
+          </a:p>
+        </p:txBody>
+      </p:sp>
+      <p:pic>
+        <p:nvPicPr>
+          <p:cNvPr id="4" name="Picture 3"/>
+          <p:cNvPicPr>
+            <a:picLocks noChangeAspect="1"/>
+          </p:cNvPicPr>
+          <p:nvPr/>
+        </p:nvPicPr>
+        <p:blipFill>
+          <a:blip r:embed="rId3"/>
+          <a:stretch>
+            <a:fillRect/>
+          </a:stretch>
+        </p:blipFill>
+        <p:spPr>
+          <a:xfrm>
+            <a:off x="3627301" y="5064058"/>
+            <a:ext cx="4314825" cy="990600"/>
+          </a:xfrm>
+          <a:prstGeom prst="rect">
+            <a:avLst/>
+          </a:prstGeom>
+        </p:spPr>
+      </p:pic>
+    </p:spTree>
+    <p:extLst>
+      <p:ext uri="{BB962C8B-B14F-4D97-AF65-F5344CB8AC3E}">
+        <p14:creationId xmlns:p14="http://schemas.microsoft.com/office/powerpoint/2010/main" val="2927858672"/>
+      </p:ext>
+    </p:extLst>
+  </p:cSld>
+  <p:clrMapOvr>
+    <a:masterClrMapping/>
+  </p:clrMapOvr>
+</p:sld>
+</file>
+
+<file path=ppt/slides/slide62.xml><?xml version="1.0" encoding="utf-8"?>
+<p:sld xmlns:a="http://schemas.openxmlformats.org/drawingml/2006/main" xmlns:r="http://schemas.openxmlformats.org/officeDocument/2006/relationships" xmlns:p="http://schemas.openxmlformats.org/presentationml/2006/main">
+  <p:cSld>
+    <p:spTree>
+      <p:nvGrpSpPr>
+        <p:cNvPr id="1" name=""/>
+        <p:cNvGrpSpPr/>
+        <p:nvPr/>
+      </p:nvGrpSpPr>
+      <p:grpSpPr>
+        <a:xfrm>
+          <a:off x="0" y="0"/>
+          <a:ext cx="0" cy="0"/>
+          <a:chOff x="0" y="0"/>
+          <a:chExt cx="0" cy="0"/>
+        </a:xfrm>
+      </p:grpSpPr>
+      <p:sp>
+        <p:nvSpPr>
+          <p:cNvPr id="2" name="Title 1"/>
+          <p:cNvSpPr>
+            <a:spLocks noGrp="1"/>
+          </p:cNvSpPr>
+          <p:nvPr>
+            <p:ph type="title"/>
+          </p:nvPr>
+        </p:nvSpPr>
+        <p:spPr/>
+        <p:txBody>
+          <a:bodyPr/>
+          <a:lstStyle/>
+          <a:p>
+            <a:r>
+              <a:rPr lang="en-US" smtClean="0"/>
+              <a:t>Blackbox test-Decision Table</a:t>
+            </a:r>
+            <a:r>
+              <a:rPr lang="en-US"/>
+              <a:t/>
+            </a:r>
+            <a:br>
+              <a:rPr lang="en-US"/>
+            </a:br>
+            <a:r>
+              <a:rPr lang="en-US" smtClean="0"/>
+              <a:t>(Bảng quyết định)</a:t>
+            </a:r>
+            <a:endParaRPr lang="en-US"/>
+          </a:p>
+        </p:txBody>
+      </p:sp>
+      <p:sp>
+        <p:nvSpPr>
+          <p:cNvPr id="3" name="Content Placeholder 2"/>
+          <p:cNvSpPr>
+            <a:spLocks noGrp="1"/>
+          </p:cNvSpPr>
+          <p:nvPr>
+            <p:ph idx="1"/>
+          </p:nvPr>
+        </p:nvSpPr>
+        <p:spPr/>
+        <p:txBody>
+          <a:bodyPr/>
+          <a:lstStyle/>
+          <a:p>
+            <a:r>
+              <a:rPr lang="en-US" smtClean="0"/>
+              <a:t>Ví dụ:  </a:t>
+            </a:r>
+            <a:r>
+              <a:rPr lang="vi-VN" sz="2000"/>
+              <a:t>Một cửa hàng áp dụng chương trình khuyến mại. Nếu có thẻ khách hàng thân thiết thì được giảm 15%, mua vào ngày sinh nhật thì được giảm 10% và nếu có phiếu giảm giá thì được giảm 20%. Không áp dụng đồng thời các chương trình. Nếu khách hàng có nhiều hơn 1 trong các chương trình trên thì chỉ áp dụng giảm giá cho chương trình được giảm nhiều nhất</a:t>
+            </a:r>
+            <a:endParaRPr lang="en-US" sz="2000" smtClean="0"/>
+          </a:p>
+          <a:p>
+            <a:r>
+              <a:rPr lang="en-US" smtClean="0"/>
+              <a:t>B1: xác định bài toán có mấy giá trị đầu vào, xác định số cột bằng công thức: </a:t>
+            </a:r>
+            <a:r>
+              <a:rPr lang="en-US" b="1" smtClean="0"/>
+              <a:t>số cột = kết quả của mỗi điều kiện nhân với nhau</a:t>
+            </a:r>
+          </a:p>
+          <a:p>
+            <a:r>
+              <a:rPr lang="en-US" smtClean="0"/>
+              <a:t>Trong bài có 3 điều kiện (thân thiết, sinh nhật, phiếu giảm giá) và mỗi điều kiện có 2 kết quả là T hoặc F nên số cột là 8</a:t>
+            </a:r>
+          </a:p>
+          <a:p>
+            <a:endParaRPr lang="en-US"/>
+          </a:p>
+        </p:txBody>
+      </p:sp>
+    </p:spTree>
+    <p:extLst>
+      <p:ext uri="{BB962C8B-B14F-4D97-AF65-F5344CB8AC3E}">
+        <p14:creationId xmlns:p14="http://schemas.microsoft.com/office/powerpoint/2010/main" val="3886367739"/>
+      </p:ext>
+    </p:extLst>
+  </p:cSld>
+  <p:clrMapOvr>
+    <a:masterClrMapping/>
+  </p:clrMapOvr>
+</p:sld>
+</file>
+
+<file path=ppt/slides/slide63.xml><?xml version="1.0" encoding="utf-8"?>
+<p:sld xmlns:a="http://schemas.openxmlformats.org/drawingml/2006/main" xmlns:r="http://schemas.openxmlformats.org/officeDocument/2006/relationships" xmlns:p="http://schemas.openxmlformats.org/presentationml/2006/main">
+  <p:cSld>
+    <p:spTree>
+      <p:nvGrpSpPr>
+        <p:cNvPr id="1" name=""/>
+        <p:cNvGrpSpPr/>
+        <p:nvPr/>
+      </p:nvGrpSpPr>
+      <p:grpSpPr>
+        <a:xfrm>
+          <a:off x="0" y="0"/>
+          <a:ext cx="0" cy="0"/>
+          <a:chOff x="0" y="0"/>
+          <a:chExt cx="0" cy="0"/>
+        </a:xfrm>
+      </p:grpSpPr>
+      <p:sp>
+        <p:nvSpPr>
+          <p:cNvPr id="2" name="Title 1"/>
+          <p:cNvSpPr>
+            <a:spLocks noGrp="1"/>
+          </p:cNvSpPr>
+          <p:nvPr>
+            <p:ph type="title"/>
+          </p:nvPr>
+        </p:nvSpPr>
+        <p:spPr/>
+        <p:txBody>
+          <a:bodyPr/>
+          <a:lstStyle/>
+          <a:p>
+            <a:r>
+              <a:rPr lang="en-US"/>
+              <a:t>Blackbox test-Decision Table</a:t>
+            </a:r>
+            <a:br>
+              <a:rPr lang="en-US"/>
+            </a:br>
+            <a:r>
+              <a:rPr lang="en-US"/>
+              <a:t>(Bảng quyết định)</a:t>
+            </a:r>
+          </a:p>
+        </p:txBody>
+      </p:sp>
+      <p:pic>
+        <p:nvPicPr>
+          <p:cNvPr id="5" name="Content Placeholder 4"/>
+          <p:cNvPicPr>
+            <a:picLocks noGrp="1" noChangeAspect="1"/>
+          </p:cNvPicPr>
+          <p:nvPr>
+            <p:ph idx="1"/>
+          </p:nvPr>
+        </p:nvPicPr>
+        <p:blipFill>
+          <a:blip r:embed="rId3"/>
+          <a:stretch>
+            <a:fillRect/>
+          </a:stretch>
+        </p:blipFill>
+        <p:spPr>
+          <a:xfrm>
+            <a:off x="428086" y="2178995"/>
+            <a:ext cx="10272362" cy="3336587"/>
+          </a:xfrm>
+          <a:prstGeom prst="rect">
+            <a:avLst/>
+          </a:prstGeom>
+        </p:spPr>
+      </p:pic>
+    </p:spTree>
+    <p:extLst>
+      <p:ext uri="{BB962C8B-B14F-4D97-AF65-F5344CB8AC3E}">
+        <p14:creationId xmlns:p14="http://schemas.microsoft.com/office/powerpoint/2010/main" val="1833680012"/>
+      </p:ext>
+    </p:extLst>
+  </p:cSld>
+  <p:clrMapOvr>
+    <a:masterClrMapping/>
+  </p:clrMapOvr>
+</p:sld>
+</file>
+
+<file path=ppt/slides/slide64.xml><?xml version="1.0" encoding="utf-8"?>
+<p:sld xmlns:a="http://schemas.openxmlformats.org/drawingml/2006/main" xmlns:r="http://schemas.openxmlformats.org/officeDocument/2006/relationships" xmlns:p="http://schemas.openxmlformats.org/presentationml/2006/main">
+  <p:cSld>
+    <p:spTree>
+      <p:nvGrpSpPr>
+        <p:cNvPr id="1" name=""/>
+        <p:cNvGrpSpPr/>
+        <p:nvPr/>
+      </p:nvGrpSpPr>
+      <p:grpSpPr>
+        <a:xfrm>
+          <a:off x="0" y="0"/>
+          <a:ext cx="0" cy="0"/>
+          <a:chOff x="0" y="0"/>
+          <a:chExt cx="0" cy="0"/>
+        </a:xfrm>
+      </p:grpSpPr>
+      <p:sp>
+        <p:nvSpPr>
+          <p:cNvPr id="2" name="Title 1"/>
+          <p:cNvSpPr>
+            <a:spLocks noGrp="1"/>
+          </p:cNvSpPr>
+          <p:nvPr>
+            <p:ph type="title"/>
+          </p:nvPr>
+        </p:nvSpPr>
+        <p:spPr/>
+        <p:txBody>
+          <a:bodyPr/>
+          <a:lstStyle/>
+          <a:p>
+            <a:r>
+              <a:rPr lang="en-US"/>
+              <a:t>Blackbox test-Decision Table</a:t>
+            </a:r>
+            <a:br>
+              <a:rPr lang="en-US"/>
+            </a:br>
+            <a:r>
+              <a:rPr lang="en-US"/>
+              <a:t>(Bảng quyết định)</a:t>
+            </a:r>
+          </a:p>
+        </p:txBody>
+      </p:sp>
+      <p:sp>
+        <p:nvSpPr>
+          <p:cNvPr id="3" name="Content Placeholder 2"/>
+          <p:cNvSpPr>
+            <a:spLocks noGrp="1"/>
+          </p:cNvSpPr>
+          <p:nvPr>
+            <p:ph idx="1"/>
+          </p:nvPr>
+        </p:nvSpPr>
+        <p:spPr/>
+        <p:txBody>
+          <a:bodyPr/>
+          <a:lstStyle/>
+          <a:p>
+            <a:r>
+              <a:rPr lang="en-US" smtClean="0"/>
+              <a:t>B2: lược bớt test case có chung hành động và chỉ khác nhau ở 1 giá trị của điều kiện các giá trị khác nhau sẽ được thay bằng dấu – (có nghĩa là nhiều giá trị)</a:t>
+            </a:r>
+          </a:p>
+          <a:p>
+            <a:r>
+              <a:rPr lang="en-US" smtClean="0"/>
+              <a:t>Trong ví dụ sẽ loại được 3 do trùng với 1 (cùng hành động là 20% ) , 2 và 4 , 5 và 7</a:t>
+            </a:r>
+          </a:p>
+          <a:p>
+            <a:r>
+              <a:rPr lang="en-US" smtClean="0"/>
+              <a:t>Kết quả có 4 testcase</a:t>
+            </a:r>
+          </a:p>
+        </p:txBody>
+      </p:sp>
+      <p:pic>
+        <p:nvPicPr>
+          <p:cNvPr id="4" name="Picture 3"/>
+          <p:cNvPicPr>
+            <a:picLocks noChangeAspect="1"/>
+          </p:cNvPicPr>
+          <p:nvPr/>
+        </p:nvPicPr>
+        <p:blipFill>
+          <a:blip r:embed="rId2"/>
+          <a:stretch>
+            <a:fillRect/>
+          </a:stretch>
+        </p:blipFill>
+        <p:spPr>
+          <a:xfrm>
+            <a:off x="5466134" y="3865107"/>
+            <a:ext cx="6220028" cy="2859632"/>
+          </a:xfrm>
+          <a:prstGeom prst="rect">
+            <a:avLst/>
+          </a:prstGeom>
+        </p:spPr>
+      </p:pic>
+    </p:spTree>
+    <p:extLst>
+      <p:ext uri="{BB962C8B-B14F-4D97-AF65-F5344CB8AC3E}">
+        <p14:creationId xmlns:p14="http://schemas.microsoft.com/office/powerpoint/2010/main" val="2150703524"/>
+      </p:ext>
+    </p:extLst>
+  </p:cSld>
+  <p:clrMapOvr>
+    <a:masterClrMapping/>
+  </p:clrMapOvr>
+</p:sld>
+</file>
+
+<file path=ppt/slides/slide65.xml><?xml version="1.0" encoding="utf-8"?>
+<p:sld xmlns:a="http://schemas.openxmlformats.org/drawingml/2006/main" xmlns:r="http://schemas.openxmlformats.org/officeDocument/2006/relationships" xmlns:p="http://schemas.openxmlformats.org/presentationml/2006/main">
+  <p:cSld>
+    <p:spTree>
+      <p:nvGrpSpPr>
+        <p:cNvPr id="1" name=""/>
+        <p:cNvGrpSpPr/>
+        <p:nvPr/>
+      </p:nvGrpSpPr>
+      <p:grpSpPr>
+        <a:xfrm>
+          <a:off x="0" y="0"/>
+          <a:ext cx="0" cy="0"/>
+          <a:chOff x="0" y="0"/>
+          <a:chExt cx="0" cy="0"/>
+        </a:xfrm>
+      </p:grpSpPr>
+      <p:sp>
+        <p:nvSpPr>
+          <p:cNvPr id="2" name="Title 1"/>
+          <p:cNvSpPr>
+            <a:spLocks noGrp="1"/>
+          </p:cNvSpPr>
+          <p:nvPr>
+            <p:ph type="title"/>
+          </p:nvPr>
+        </p:nvSpPr>
+        <p:spPr/>
+        <p:txBody>
+          <a:bodyPr/>
+          <a:lstStyle/>
+          <a:p>
+            <a:r>
+              <a:rPr lang="en-US" smtClean="0"/>
+              <a:t>Black box test- pairwise testing</a:t>
+            </a:r>
+            <a:endParaRPr lang="en-US"/>
+          </a:p>
+        </p:txBody>
+      </p:sp>
+      <p:sp>
+        <p:nvSpPr>
+          <p:cNvPr id="9" name="TextBox 8"/>
+          <p:cNvSpPr txBox="1"/>
+          <p:nvPr/>
+        </p:nvSpPr>
+        <p:spPr>
+          <a:xfrm>
+            <a:off x="994611" y="1690688"/>
+            <a:ext cx="10359189" cy="5046996"/>
+          </a:xfrm>
+          <a:prstGeom prst="rect">
+            <a:avLst/>
+          </a:prstGeom>
+          <a:noFill/>
+        </p:spPr>
+        <p:txBody>
+          <a:bodyPr wrap="square" rtlCol="0">
+            <a:spAutoFit/>
+          </a:bodyPr>
+          <a:lstStyle/>
+          <a:p>
+            <a:endParaRPr lang="en-US"/>
+          </a:p>
+        </p:txBody>
+      </p:sp>
+      <p:pic>
+        <p:nvPicPr>
+          <p:cNvPr id="10" name="Picture 9"/>
+          <p:cNvPicPr>
+            <a:picLocks noChangeAspect="1"/>
+          </p:cNvPicPr>
+          <p:nvPr/>
+        </p:nvPicPr>
+        <p:blipFill>
+          <a:blip r:embed="rId2"/>
+          <a:stretch>
+            <a:fillRect/>
+          </a:stretch>
+        </p:blipFill>
+        <p:spPr>
+          <a:xfrm>
+            <a:off x="994611" y="1690688"/>
+            <a:ext cx="5791200" cy="1990725"/>
+          </a:xfrm>
+          <a:prstGeom prst="rect">
+            <a:avLst/>
+          </a:prstGeom>
+        </p:spPr>
+      </p:pic>
+      <p:sp>
+        <p:nvSpPr>
+          <p:cNvPr id="11" name="TextBox 10"/>
+          <p:cNvSpPr txBox="1"/>
+          <p:nvPr/>
+        </p:nvSpPr>
+        <p:spPr>
+          <a:xfrm>
+            <a:off x="994611" y="4006389"/>
+            <a:ext cx="6625389" cy="369332"/>
+          </a:xfrm>
+          <a:prstGeom prst="rect">
+            <a:avLst/>
+          </a:prstGeom>
+          <a:noFill/>
+        </p:spPr>
+        <p:txBody>
+          <a:bodyPr wrap="square" rtlCol="0">
+            <a:spAutoFit/>
+          </a:bodyPr>
+          <a:lstStyle/>
+          <a:p>
+            <a:r>
+              <a:rPr lang="en-US" smtClean="0"/>
+              <a:t>Theo tư duy thông thường sẽ có 10*2*2*100 = 4000 test case</a:t>
+            </a:r>
+            <a:endParaRPr lang="en-US"/>
+          </a:p>
+        </p:txBody>
+      </p:sp>
+      <p:sp>
+        <p:nvSpPr>
+          <p:cNvPr id="12" name="TextBox 11"/>
+          <p:cNvSpPr txBox="1"/>
+          <p:nvPr/>
+        </p:nvSpPr>
+        <p:spPr>
+          <a:xfrm>
+            <a:off x="994611" y="4677728"/>
+            <a:ext cx="6625389" cy="1200329"/>
+          </a:xfrm>
+          <a:prstGeom prst="rect">
+            <a:avLst/>
+          </a:prstGeom>
+          <a:noFill/>
+        </p:spPr>
+        <p:txBody>
+          <a:bodyPr wrap="square" rtlCol="0">
+            <a:spAutoFit/>
+          </a:bodyPr>
+          <a:lstStyle/>
+          <a:p>
+            <a:r>
+              <a:rPr lang="en-US" smtClean="0"/>
+              <a:t>Giảm test case : textbox sẽ nhận vào 3 trường hợp: số nguyên trong khoảng, số nguyên ngoài khoảng, không phải số nguyên</a:t>
+            </a:r>
+          </a:p>
+          <a:p>
+            <a:r>
+              <a:rPr lang="en-US" smtClean="0"/>
+              <a:t>Listbox: 10 giá trị sẽ chỉ xét 0 và số khác 0</a:t>
+            </a:r>
+          </a:p>
+          <a:p>
+            <a:r>
+              <a:rPr lang="en-US" smtClean="0"/>
+              <a:t>Checkbox và radiobutton sẽ không giảm được</a:t>
+            </a:r>
+            <a:endParaRPr lang="en-US"/>
+          </a:p>
+        </p:txBody>
+      </p:sp>
+    </p:spTree>
+    <p:extLst>
+      <p:ext uri="{BB962C8B-B14F-4D97-AF65-F5344CB8AC3E}">
+        <p14:creationId xmlns:p14="http://schemas.microsoft.com/office/powerpoint/2010/main" val="1453283463"/>
+      </p:ext>
+    </p:extLst>
+  </p:cSld>
+  <p:clrMapOvr>
+    <a:masterClrMapping/>
+  </p:clrMapOvr>
+</p:sld>
+</file>
+
+<file path=ppt/slides/slide66.xml><?xml version="1.0" encoding="utf-8"?>
+<p:sld xmlns:a="http://schemas.openxmlformats.org/drawingml/2006/main" xmlns:r="http://schemas.openxmlformats.org/officeDocument/2006/relationships" xmlns:p="http://schemas.openxmlformats.org/presentationml/2006/main">
+  <p:cSld>
+    <p:spTree>
+      <p:nvGrpSpPr>
+        <p:cNvPr id="1" name=""/>
+        <p:cNvGrpSpPr/>
+        <p:nvPr/>
+      </p:nvGrpSpPr>
+      <p:grpSpPr>
+        <a:xfrm>
+          <a:off x="0" y="0"/>
+          <a:ext cx="0" cy="0"/>
+          <a:chOff x="0" y="0"/>
+          <a:chExt cx="0" cy="0"/>
+        </a:xfrm>
+      </p:grpSpPr>
+      <p:sp>
+        <p:nvSpPr>
+          <p:cNvPr id="2" name="Title 1"/>
+          <p:cNvSpPr>
+            <a:spLocks noGrp="1"/>
+          </p:cNvSpPr>
+          <p:nvPr>
+            <p:ph type="title"/>
+          </p:nvPr>
+        </p:nvSpPr>
+        <p:spPr/>
+        <p:txBody>
+          <a:bodyPr/>
+          <a:lstStyle/>
+          <a:p>
+            <a:r>
+              <a:rPr lang="en-US" smtClean="0"/>
+              <a:t>Blackbox test – Pairwise Test</a:t>
+            </a:r>
+            <a:r>
+              <a:rPr lang="en-US"/>
+              <a:t>n</a:t>
+            </a:r>
+            <a:r>
+              <a:rPr lang="en-US" smtClean="0"/>
+              <a:t>ig</a:t>
+            </a:r>
+            <a:br>
+              <a:rPr lang="en-US" smtClean="0"/>
+            </a:br>
+            <a:endParaRPr lang="en-US"/>
+          </a:p>
+        </p:txBody>
+      </p:sp>
+      <p:sp>
+        <p:nvSpPr>
+          <p:cNvPr id="3" name="Content Placeholder 2"/>
+          <p:cNvSpPr>
+            <a:spLocks noGrp="1"/>
+          </p:cNvSpPr>
+          <p:nvPr>
+            <p:ph idx="1"/>
+          </p:nvPr>
+        </p:nvSpPr>
+        <p:spPr/>
+        <p:txBody>
+          <a:bodyPr/>
+          <a:lstStyle/>
+          <a:p>
+            <a:r>
+              <a:rPr lang="en-US" smtClean="0"/>
+              <a:t>Áp dụng pairwise</a:t>
+            </a:r>
+          </a:p>
+          <a:p>
+            <a:r>
+              <a:rPr lang="vi-VN"/>
+              <a:t>Số lượng test case = số lượng vùng giá trị lớn nhất của các biến * số lượng vùng giá trị lớn thứ 2 trong số các biến</a:t>
+            </a:r>
+            <a:r>
+              <a:rPr lang="vi-VN" smtClean="0"/>
+              <a:t>.</a:t>
+            </a:r>
+            <a:endParaRPr lang="en-US" smtClean="0"/>
+          </a:p>
+          <a:p>
+            <a:r>
+              <a:rPr lang="en-US" smtClean="0"/>
+              <a:t>Nên số testcase tối thiểu chỉ cần 3*2 =6 testcase</a:t>
+            </a:r>
+          </a:p>
+          <a:p>
+            <a:r>
+              <a:rPr lang="en-US" smtClean="0"/>
+              <a:t>B1. sắp xếp theo thứ tự giảm dần vùng giá trị</a:t>
+            </a:r>
+          </a:p>
+          <a:p>
+            <a:endParaRPr lang="en-US" smtClean="0"/>
+          </a:p>
+          <a:p>
+            <a:endParaRPr lang="en-US" smtClean="0"/>
+          </a:p>
+          <a:p>
+            <a:endParaRPr lang="en-US" smtClean="0"/>
+          </a:p>
+        </p:txBody>
+      </p:sp>
+      <p:pic>
+        <p:nvPicPr>
+          <p:cNvPr id="4" name="Picture 3"/>
+          <p:cNvPicPr>
+            <a:picLocks noChangeAspect="1"/>
+          </p:cNvPicPr>
+          <p:nvPr/>
+        </p:nvPicPr>
+        <p:blipFill>
+          <a:blip r:embed="rId2"/>
+          <a:stretch>
+            <a:fillRect/>
+          </a:stretch>
+        </p:blipFill>
+        <p:spPr>
+          <a:xfrm>
+            <a:off x="5229225" y="4445000"/>
+            <a:ext cx="6124575" cy="1866900"/>
+          </a:xfrm>
+          <a:prstGeom prst="rect">
+            <a:avLst/>
+          </a:prstGeom>
+        </p:spPr>
+      </p:pic>
+    </p:spTree>
+    <p:extLst>
+      <p:ext uri="{BB962C8B-B14F-4D97-AF65-F5344CB8AC3E}">
+        <p14:creationId xmlns:p14="http://schemas.microsoft.com/office/powerpoint/2010/main" val="3221477714"/>
+      </p:ext>
+    </p:extLst>
+  </p:cSld>
+  <p:clrMapOvr>
+    <a:masterClrMapping/>
+  </p:clrMapOvr>
+</p:sld>
+</file>
+
+<file path=ppt/slides/slide67.xml><?xml version="1.0" encoding="utf-8"?>
+<p:sld xmlns:a="http://schemas.openxmlformats.org/drawingml/2006/main" xmlns:r="http://schemas.openxmlformats.org/officeDocument/2006/relationships" xmlns:p="http://schemas.openxmlformats.org/presentationml/2006/main">
+  <p:cSld>
+    <p:spTree>
+      <p:nvGrpSpPr>
+        <p:cNvPr id="1" name=""/>
+        <p:cNvGrpSpPr/>
+        <p:nvPr/>
+      </p:nvGrpSpPr>
+      <p:grpSpPr>
+        <a:xfrm>
+          <a:off x="0" y="0"/>
+          <a:ext cx="0" cy="0"/>
+          <a:chOff x="0" y="0"/>
+          <a:chExt cx="0" cy="0"/>
+        </a:xfrm>
+      </p:grpSpPr>
+      <p:sp>
+        <p:nvSpPr>
+          <p:cNvPr id="2" name="Title 1"/>
+          <p:cNvSpPr>
+            <a:spLocks noGrp="1"/>
+          </p:cNvSpPr>
+          <p:nvPr>
+            <p:ph type="title"/>
+          </p:nvPr>
+        </p:nvSpPr>
+        <p:spPr/>
+        <p:txBody>
+          <a:bodyPr/>
+          <a:lstStyle/>
+          <a:p>
+            <a:r>
+              <a:rPr lang="en-US" smtClean="0"/>
+              <a:t>Blackbox test – Pairwise Test</a:t>
+            </a:r>
+            <a:r>
+              <a:rPr lang="en-US"/>
+              <a:t>n</a:t>
+            </a:r>
+            <a:r>
+              <a:rPr lang="en-US" smtClean="0"/>
+              <a:t>ig</a:t>
+            </a:r>
+            <a:br>
+              <a:rPr lang="en-US" smtClean="0"/>
+            </a:br>
+            <a:endParaRPr lang="en-US"/>
+          </a:p>
+        </p:txBody>
+      </p:sp>
+      <p:sp>
+        <p:nvSpPr>
+          <p:cNvPr id="3" name="Content Placeholder 2"/>
+          <p:cNvSpPr>
+            <a:spLocks noGrp="1"/>
+          </p:cNvSpPr>
+          <p:nvPr>
+            <p:ph idx="1"/>
+          </p:nvPr>
+        </p:nvSpPr>
+        <p:spPr/>
+        <p:txBody>
+          <a:bodyPr/>
+          <a:lstStyle/>
+          <a:p>
+            <a:r>
+              <a:rPr lang="en-US" smtClean="0"/>
+              <a:t>Điền vào 2 cột bắt đầu từ cột thứ 2 (cột 2 là trung tâm)</a:t>
+            </a:r>
+          </a:p>
+          <a:p>
+            <a:r>
+              <a:rPr lang="en-US" smtClean="0"/>
+              <a:t>Xắp xếp lại để đảm bảo cover hết sự kết hợp giữa listbox và checkbox</a:t>
+            </a:r>
+          </a:p>
+          <a:p>
+            <a:pPr lvl="1"/>
+            <a:r>
+              <a:rPr lang="en-US" smtClean="0"/>
+              <a:t>Nhận thấy 0-check orther uncheck bị lặp lại nên chúng ta sẽ swap check và uncheck ở dòng 3-4</a:t>
+            </a:r>
+          </a:p>
+          <a:p>
+            <a:endParaRPr lang="en-US" smtClean="0"/>
+          </a:p>
+          <a:p>
+            <a:endParaRPr lang="en-US" smtClean="0"/>
+          </a:p>
+          <a:p>
+            <a:endParaRPr lang="en-US" smtClean="0"/>
+          </a:p>
+        </p:txBody>
+      </p:sp>
+      <p:pic>
+        <p:nvPicPr>
+          <p:cNvPr id="6" name="Picture 5"/>
+          <p:cNvPicPr>
+            <a:picLocks noChangeAspect="1"/>
+          </p:cNvPicPr>
+          <p:nvPr/>
+        </p:nvPicPr>
+        <p:blipFill>
+          <a:blip r:embed="rId2"/>
+          <a:stretch>
+            <a:fillRect/>
+          </a:stretch>
+        </p:blipFill>
+        <p:spPr>
+          <a:xfrm>
+            <a:off x="1207169" y="4187825"/>
+            <a:ext cx="4712368" cy="2124075"/>
+          </a:xfrm>
+          <a:prstGeom prst="rect">
+            <a:avLst/>
+          </a:prstGeom>
+        </p:spPr>
+      </p:pic>
+      <p:pic>
+        <p:nvPicPr>
+          <p:cNvPr id="7" name="Picture 6"/>
+          <p:cNvPicPr>
+            <a:picLocks noChangeAspect="1"/>
+          </p:cNvPicPr>
+          <p:nvPr/>
+        </p:nvPicPr>
+        <p:blipFill>
+          <a:blip r:embed="rId3"/>
+          <a:stretch>
+            <a:fillRect/>
+          </a:stretch>
+        </p:blipFill>
+        <p:spPr>
+          <a:xfrm>
+            <a:off x="6730415" y="4187825"/>
+            <a:ext cx="5016667" cy="2133600"/>
+          </a:xfrm>
+          <a:prstGeom prst="rect">
+            <a:avLst/>
+          </a:prstGeom>
+        </p:spPr>
+      </p:pic>
+    </p:spTree>
+    <p:extLst>
+      <p:ext uri="{BB962C8B-B14F-4D97-AF65-F5344CB8AC3E}">
+        <p14:creationId xmlns:p14="http://schemas.microsoft.com/office/powerpoint/2010/main" val="936741304"/>
+      </p:ext>
+    </p:extLst>
+  </p:cSld>
+  <p:clrMapOvr>
+    <a:masterClrMapping/>
+  </p:clrMapOvr>
+</p:sld>
+</file>
+
+<file path=ppt/slides/slide68.xml><?xml version="1.0" encoding="utf-8"?>
+<p:sld xmlns:a="http://schemas.openxmlformats.org/drawingml/2006/main" xmlns:r="http://schemas.openxmlformats.org/officeDocument/2006/relationships" xmlns:p="http://schemas.openxmlformats.org/presentationml/2006/main">
+  <p:cSld>
+    <p:spTree>
+      <p:nvGrpSpPr>
+        <p:cNvPr id="1" name=""/>
+        <p:cNvGrpSpPr/>
+        <p:nvPr/>
+      </p:nvGrpSpPr>
+      <p:grpSpPr>
+        <a:xfrm>
+          <a:off x="0" y="0"/>
+          <a:ext cx="0" cy="0"/>
+          <a:chOff x="0" y="0"/>
+          <a:chExt cx="0" cy="0"/>
+        </a:xfrm>
+      </p:grpSpPr>
+      <p:sp>
+        <p:nvSpPr>
+          <p:cNvPr id="2" name="Title 1"/>
+          <p:cNvSpPr>
+            <a:spLocks noGrp="1"/>
+          </p:cNvSpPr>
+          <p:nvPr>
+            <p:ph type="title"/>
+          </p:nvPr>
+        </p:nvSpPr>
+        <p:spPr/>
+        <p:txBody>
+          <a:bodyPr/>
+          <a:lstStyle/>
+          <a:p>
+            <a:r>
+              <a:rPr lang="en-US"/>
+              <a:t>Blackbox test – Pairwise Testnig</a:t>
+            </a:r>
+            <a:br>
+              <a:rPr lang="en-US"/>
+            </a:br>
+            <a:endParaRPr lang="en-US"/>
+          </a:p>
+        </p:txBody>
+      </p:sp>
+      <p:sp>
+        <p:nvSpPr>
+          <p:cNvPr id="3" name="Content Placeholder 2"/>
+          <p:cNvSpPr>
+            <a:spLocks noGrp="1"/>
+          </p:cNvSpPr>
+          <p:nvPr>
+            <p:ph idx="1"/>
+          </p:nvPr>
+        </p:nvSpPr>
+        <p:spPr/>
+        <p:txBody>
+          <a:bodyPr/>
+          <a:lstStyle/>
+          <a:p>
+            <a:r>
+              <a:rPr lang="en-US" smtClean="0"/>
+              <a:t>Lặp lại bước trên cột 2 là trung tâm điền giá trị cho cột 4 vào</a:t>
+            </a:r>
+          </a:p>
+          <a:p>
+            <a:r>
+              <a:rPr lang="en-US" smtClean="0"/>
+              <a:t>Đảm bảo các tổ hợp của 4 với các cột khác là không bị trùng lặp</a:t>
+            </a:r>
+          </a:p>
+          <a:p>
+            <a:r>
+              <a:rPr lang="en-US" smtClean="0"/>
+              <a:t>Điền cột 1 vào theo tổ hợp 2 theo cột 2 có 2 vùng </a:t>
+            </a:r>
+            <a:endParaRPr lang="en-US"/>
+          </a:p>
+        </p:txBody>
+      </p:sp>
+      <p:pic>
+        <p:nvPicPr>
+          <p:cNvPr id="4" name="Picture 3"/>
+          <p:cNvPicPr>
+            <a:picLocks noChangeAspect="1"/>
+          </p:cNvPicPr>
+          <p:nvPr/>
+        </p:nvPicPr>
+        <p:blipFill>
+          <a:blip r:embed="rId3"/>
+          <a:stretch>
+            <a:fillRect/>
+          </a:stretch>
+        </p:blipFill>
+        <p:spPr>
+          <a:xfrm>
+            <a:off x="899611" y="4225923"/>
+            <a:ext cx="6029325" cy="2085975"/>
+          </a:xfrm>
+          <a:prstGeom prst="rect">
+            <a:avLst/>
+          </a:prstGeom>
+        </p:spPr>
+      </p:pic>
+      <p:pic>
+        <p:nvPicPr>
+          <p:cNvPr id="5" name="Picture 4"/>
+          <p:cNvPicPr>
+            <a:picLocks noChangeAspect="1"/>
+          </p:cNvPicPr>
+          <p:nvPr/>
+        </p:nvPicPr>
+        <p:blipFill>
+          <a:blip r:embed="rId4"/>
+          <a:stretch>
+            <a:fillRect/>
+          </a:stretch>
+        </p:blipFill>
+        <p:spPr>
+          <a:xfrm>
+            <a:off x="6990347" y="4225923"/>
+            <a:ext cx="5263064" cy="2152650"/>
+          </a:xfrm>
+          <a:prstGeom prst="rect">
+            <a:avLst/>
+          </a:prstGeom>
+        </p:spPr>
+      </p:pic>
+    </p:spTree>
+    <p:extLst>
+      <p:ext uri="{BB962C8B-B14F-4D97-AF65-F5344CB8AC3E}">
+        <p14:creationId xmlns:p14="http://schemas.microsoft.com/office/powerpoint/2010/main" val="2269608563"/>
+      </p:ext>
+    </p:extLst>
+  </p:cSld>
+  <p:clrMapOvr>
+    <a:masterClrMapping/>
+  </p:clrMapOvr>
+  <p:timing>
+    <p:tnLst>
+      <p:par>
+        <p:cTn id="1" dur="indefinite" restart="never" nodeType="tmRoot"/>
+      </p:par>
+    </p:tnLst>
+  </p:timing>
+</p:sld>
+</file>
+
+<file path=ppt/slides/slide69.xml><?xml version="1.0" encoding="utf-8"?>
+<p:sld xmlns:a="http://schemas.openxmlformats.org/drawingml/2006/main" xmlns:r="http://schemas.openxmlformats.org/officeDocument/2006/relationships" xmlns:p="http://schemas.openxmlformats.org/presentationml/2006/main">
+  <p:cSld>
+    <p:spTree>
+      <p:nvGrpSpPr>
+        <p:cNvPr id="1" name=""/>
+        <p:cNvGrpSpPr/>
+        <p:nvPr/>
+      </p:nvGrpSpPr>
+      <p:grpSpPr>
+        <a:xfrm>
+          <a:off x="0" y="0"/>
+          <a:ext cx="0" cy="0"/>
+          <a:chOff x="0" y="0"/>
+          <a:chExt cx="0" cy="0"/>
+        </a:xfrm>
+      </p:grpSpPr>
+      <p:sp>
+        <p:nvSpPr>
+          <p:cNvPr id="2" name="Title 1"/>
+          <p:cNvSpPr>
+            <a:spLocks noGrp="1"/>
+          </p:cNvSpPr>
+          <p:nvPr>
+            <p:ph type="title"/>
+          </p:nvPr>
+        </p:nvSpPr>
+        <p:spPr/>
+        <p:txBody>
+          <a:bodyPr/>
+          <a:lstStyle/>
+          <a:p>
+            <a:r>
+              <a:rPr lang="en-US" smtClean="0"/>
+              <a:t>Blackbox test – State transition</a:t>
+            </a:r>
+            <a:br>
+              <a:rPr lang="en-US" smtClean="0"/>
+            </a:br>
+            <a:r>
+              <a:rPr lang="en-US" smtClean="0"/>
+              <a:t>(Kỹ thuật chuyển trạng thái)</a:t>
+            </a:r>
+            <a:endParaRPr lang="en-US"/>
+          </a:p>
+        </p:txBody>
+      </p:sp>
+      <p:sp>
+        <p:nvSpPr>
+          <p:cNvPr id="3" name="Content Placeholder 2"/>
+          <p:cNvSpPr>
+            <a:spLocks noGrp="1"/>
+          </p:cNvSpPr>
+          <p:nvPr>
+            <p:ph idx="1"/>
+          </p:nvPr>
+        </p:nvSpPr>
+        <p:spPr/>
+        <p:txBody>
+          <a:bodyPr/>
+          <a:lstStyle/>
+          <a:p>
+            <a:r>
+              <a:rPr lang="en-US" smtClean="0"/>
+              <a:t>Áp dụng khi kết quả đầu ra được kích hoạt bởi sự thay đổi của điều kiện đầu vào hoặc thay đổi trạng thái hệ thống.</a:t>
+            </a:r>
+          </a:p>
+          <a:p>
+            <a:r>
+              <a:rPr lang="en-US" smtClean="0"/>
+              <a:t>Kỹ thuật này áp dụng khi chuyển trạng thái từ màn hình này sang màn hình khác hoặc trạng thái này sang trạng thái khác</a:t>
+            </a:r>
+          </a:p>
+        </p:txBody>
+      </p:sp>
+    </p:spTree>
+    <p:extLst>
+      <p:ext uri="{BB962C8B-B14F-4D97-AF65-F5344CB8AC3E}">
+        <p14:creationId xmlns:p14="http://schemas.microsoft.com/office/powerpoint/2010/main" val="1164991791"/>
+      </p:ext>
+    </p:extLst>
+  </p:cSld>
+  <p:clrMapOvr>
+    <a:masterClrMapping/>
+  </p:clrMapOvr>
+</p:sld>
+</file>
+
 <file path=ppt/slides/slide7.xml><?xml version="1.0" encoding="utf-8"?>
 <p:sld xmlns:a="http://schemas.openxmlformats.org/drawingml/2006/main" xmlns:r="http://schemas.openxmlformats.org/officeDocument/2006/relationships" xmlns:p="http://schemas.openxmlformats.org/presentationml/2006/main">
   <p:cSld>
@@ -16256,6 +19879,3082 @@
     <p:extLst>
       <p:ext uri="{BB962C8B-B14F-4D97-AF65-F5344CB8AC3E}">
         <p14:creationId xmlns:p14="http://schemas.microsoft.com/office/powerpoint/2010/main" val="4171103714"/>
+      </p:ext>
+    </p:extLst>
+  </p:cSld>
+  <p:clrMapOvr>
+    <a:masterClrMapping/>
+  </p:clrMapOvr>
+  <p:timing>
+    <p:tnLst>
+      <p:par>
+        <p:cTn id="1" dur="indefinite" restart="never" nodeType="tmRoot"/>
+      </p:par>
+    </p:tnLst>
+  </p:timing>
+</p:sld>
+</file>
+
+<file path=ppt/slides/slide70.xml><?xml version="1.0" encoding="utf-8"?>
+<p:sld xmlns:a="http://schemas.openxmlformats.org/drawingml/2006/main" xmlns:r="http://schemas.openxmlformats.org/officeDocument/2006/relationships" xmlns:p="http://schemas.openxmlformats.org/presentationml/2006/main">
+  <p:cSld>
+    <p:spTree>
+      <p:nvGrpSpPr>
+        <p:cNvPr id="1" name=""/>
+        <p:cNvGrpSpPr/>
+        <p:nvPr/>
+      </p:nvGrpSpPr>
+      <p:grpSpPr>
+        <a:xfrm>
+          <a:off x="0" y="0"/>
+          <a:ext cx="0" cy="0"/>
+          <a:chOff x="0" y="0"/>
+          <a:chExt cx="0" cy="0"/>
+        </a:xfrm>
+      </p:grpSpPr>
+      <p:sp>
+        <p:nvSpPr>
+          <p:cNvPr id="2" name="Title 1"/>
+          <p:cNvSpPr>
+            <a:spLocks noGrp="1"/>
+          </p:cNvSpPr>
+          <p:nvPr>
+            <p:ph type="title"/>
+          </p:nvPr>
+        </p:nvSpPr>
+        <p:spPr/>
+        <p:txBody>
+          <a:bodyPr/>
+          <a:lstStyle/>
+          <a:p>
+            <a:r>
+              <a:rPr lang="en-US" smtClean="0"/>
+              <a:t>Blackbox test – State transition</a:t>
+            </a:r>
+            <a:br>
+              <a:rPr lang="en-US" smtClean="0"/>
+            </a:br>
+            <a:r>
+              <a:rPr lang="en-US" smtClean="0"/>
+              <a:t>(Kỹ thuật chuyển trạng thái)</a:t>
+            </a:r>
+            <a:endParaRPr lang="en-US"/>
+          </a:p>
+        </p:txBody>
+      </p:sp>
+      <p:sp>
+        <p:nvSpPr>
+          <p:cNvPr id="3" name="Content Placeholder 2"/>
+          <p:cNvSpPr>
+            <a:spLocks noGrp="1"/>
+          </p:cNvSpPr>
+          <p:nvPr>
+            <p:ph idx="1"/>
+          </p:nvPr>
+        </p:nvSpPr>
+        <p:spPr/>
+        <p:txBody>
+          <a:bodyPr/>
+          <a:lstStyle/>
+          <a:p>
+            <a:r>
+              <a:rPr lang="en-US" smtClean="0"/>
+              <a:t>Ví dụ: Nhập mã pin ở cây ATM nếu nhập đúng sẽ vào hệ thống nếu nhập sai quá 3 lần sẽ bị khóa</a:t>
+            </a:r>
+          </a:p>
+          <a:p>
+            <a:r>
+              <a:rPr lang="en-US" smtClean="0"/>
+              <a:t>Sơ đồ và bảng chuyển trạng thái</a:t>
+            </a:r>
+          </a:p>
+        </p:txBody>
+      </p:sp>
+      <p:pic>
+        <p:nvPicPr>
+          <p:cNvPr id="4" name="Picture 3"/>
+          <p:cNvPicPr>
+            <a:picLocks noChangeAspect="1"/>
+          </p:cNvPicPr>
+          <p:nvPr/>
+        </p:nvPicPr>
+        <p:blipFill>
+          <a:blip r:embed="rId2"/>
+          <a:stretch>
+            <a:fillRect/>
+          </a:stretch>
+        </p:blipFill>
+        <p:spPr>
+          <a:xfrm>
+            <a:off x="876959" y="3679523"/>
+            <a:ext cx="5841055" cy="3003379"/>
+          </a:xfrm>
+          <a:prstGeom prst="rect">
+            <a:avLst/>
+          </a:prstGeom>
+        </p:spPr>
+      </p:pic>
+      <p:pic>
+        <p:nvPicPr>
+          <p:cNvPr id="5" name="Picture 4"/>
+          <p:cNvPicPr>
+            <a:picLocks noChangeAspect="1"/>
+          </p:cNvPicPr>
+          <p:nvPr/>
+        </p:nvPicPr>
+        <p:blipFill>
+          <a:blip r:embed="rId3"/>
+          <a:stretch>
+            <a:fillRect/>
+          </a:stretch>
+        </p:blipFill>
+        <p:spPr>
+          <a:xfrm>
+            <a:off x="7074948" y="3274204"/>
+            <a:ext cx="4194292" cy="3304162"/>
+          </a:xfrm>
+          <a:prstGeom prst="rect">
+            <a:avLst/>
+          </a:prstGeom>
+        </p:spPr>
+      </p:pic>
+      <p:sp>
+        <p:nvSpPr>
+          <p:cNvPr id="6" name="TextBox 5"/>
+          <p:cNvSpPr txBox="1"/>
+          <p:nvPr/>
+        </p:nvSpPr>
+        <p:spPr>
+          <a:xfrm>
+            <a:off x="876959" y="6284068"/>
+            <a:ext cx="3335118" cy="369332"/>
+          </a:xfrm>
+          <a:prstGeom prst="rect">
+            <a:avLst/>
+          </a:prstGeom>
+          <a:noFill/>
+        </p:spPr>
+        <p:txBody>
+          <a:bodyPr wrap="square" rtlCol="0">
+            <a:spAutoFit/>
+          </a:bodyPr>
+          <a:lstStyle/>
+          <a:p>
+            <a:r>
+              <a:rPr lang="en-US" smtClean="0"/>
+              <a:t>Có 4 test case tối thiểu để cover</a:t>
+            </a:r>
+            <a:endParaRPr lang="en-US"/>
+          </a:p>
+        </p:txBody>
+      </p:sp>
+    </p:spTree>
+    <p:extLst>
+      <p:ext uri="{BB962C8B-B14F-4D97-AF65-F5344CB8AC3E}">
+        <p14:creationId xmlns:p14="http://schemas.microsoft.com/office/powerpoint/2010/main" val="3559087504"/>
+      </p:ext>
+    </p:extLst>
+  </p:cSld>
+  <p:clrMapOvr>
+    <a:masterClrMapping/>
+  </p:clrMapOvr>
+</p:sld>
+</file>
+
+<file path=ppt/slides/slide71.xml><?xml version="1.0" encoding="utf-8"?>
+<p:sld xmlns:a="http://schemas.openxmlformats.org/drawingml/2006/main" xmlns:r="http://schemas.openxmlformats.org/officeDocument/2006/relationships" xmlns:p="http://schemas.openxmlformats.org/presentationml/2006/main">
+  <p:cSld>
+    <p:spTree>
+      <p:nvGrpSpPr>
+        <p:cNvPr id="1" name=""/>
+        <p:cNvGrpSpPr/>
+        <p:nvPr/>
+      </p:nvGrpSpPr>
+      <p:grpSpPr>
+        <a:xfrm>
+          <a:off x="0" y="0"/>
+          <a:ext cx="0" cy="0"/>
+          <a:chOff x="0" y="0"/>
+          <a:chExt cx="0" cy="0"/>
+        </a:xfrm>
+      </p:grpSpPr>
+      <p:sp>
+        <p:nvSpPr>
+          <p:cNvPr id="2" name="Title 1"/>
+          <p:cNvSpPr>
+            <a:spLocks noGrp="1"/>
+          </p:cNvSpPr>
+          <p:nvPr>
+            <p:ph type="title"/>
+          </p:nvPr>
+        </p:nvSpPr>
+        <p:spPr/>
+        <p:txBody>
+          <a:bodyPr/>
+          <a:lstStyle/>
+          <a:p>
+            <a:r>
+              <a:rPr lang="en-US" smtClean="0"/>
+              <a:t>Blackbox test – State transition</a:t>
+            </a:r>
+            <a:br>
+              <a:rPr lang="en-US" smtClean="0"/>
+            </a:br>
+            <a:r>
+              <a:rPr lang="en-US" smtClean="0"/>
+              <a:t>(Kỹ thuật chuyển trạng thái)</a:t>
+            </a:r>
+            <a:endParaRPr lang="en-US"/>
+          </a:p>
+        </p:txBody>
+      </p:sp>
+      <p:sp>
+        <p:nvSpPr>
+          <p:cNvPr id="3" name="Content Placeholder 2"/>
+          <p:cNvSpPr>
+            <a:spLocks noGrp="1"/>
+          </p:cNvSpPr>
+          <p:nvPr>
+            <p:ph idx="1"/>
+          </p:nvPr>
+        </p:nvSpPr>
+        <p:spPr>
+          <a:xfrm>
+            <a:off x="838200" y="1825625"/>
+            <a:ext cx="3646251" cy="4351338"/>
+          </a:xfrm>
+        </p:spPr>
+        <p:txBody>
+          <a:bodyPr/>
+          <a:lstStyle/>
+          <a:p>
+            <a:r>
+              <a:rPr lang="en-US" smtClean="0"/>
+              <a:t>Số lượng cover transition nào nhiều nhất </a:t>
+            </a:r>
+            <a:br>
+              <a:rPr lang="en-US" smtClean="0"/>
+            </a:br>
+            <a:r>
+              <a:rPr lang="en-US" smtClean="0"/>
+              <a:t>A. 7</a:t>
+            </a:r>
+          </a:p>
+          <a:p>
+            <a:r>
+              <a:rPr lang="en-US" smtClean="0"/>
+              <a:t>B.7</a:t>
+            </a:r>
+          </a:p>
+          <a:p>
+            <a:r>
+              <a:rPr lang="en-US" smtClean="0"/>
+              <a:t>C.6</a:t>
+            </a:r>
+          </a:p>
+          <a:p>
+            <a:r>
+              <a:rPr lang="en-US" smtClean="0"/>
+              <a:t>D. 8</a:t>
+            </a:r>
+          </a:p>
+        </p:txBody>
+      </p:sp>
+      <p:pic>
+        <p:nvPicPr>
+          <p:cNvPr id="7" name="Picture 6"/>
+          <p:cNvPicPr>
+            <a:picLocks noChangeAspect="1"/>
+          </p:cNvPicPr>
+          <p:nvPr/>
+        </p:nvPicPr>
+        <p:blipFill>
+          <a:blip r:embed="rId2"/>
+          <a:stretch>
+            <a:fillRect/>
+          </a:stretch>
+        </p:blipFill>
+        <p:spPr>
+          <a:xfrm>
+            <a:off x="5087565" y="1825625"/>
+            <a:ext cx="6085968" cy="3381093"/>
+          </a:xfrm>
+          <a:prstGeom prst="rect">
+            <a:avLst/>
+          </a:prstGeom>
+        </p:spPr>
+      </p:pic>
+    </p:spTree>
+    <p:extLst>
+      <p:ext uri="{BB962C8B-B14F-4D97-AF65-F5344CB8AC3E}">
+        <p14:creationId xmlns:p14="http://schemas.microsoft.com/office/powerpoint/2010/main" val="2794954806"/>
+      </p:ext>
+    </p:extLst>
+  </p:cSld>
+  <p:clrMapOvr>
+    <a:masterClrMapping/>
+  </p:clrMapOvr>
+</p:sld>
+</file>
+
+<file path=ppt/slides/slide72.xml><?xml version="1.0" encoding="utf-8"?>
+<p:sld xmlns:a="http://schemas.openxmlformats.org/drawingml/2006/main" xmlns:r="http://schemas.openxmlformats.org/officeDocument/2006/relationships" xmlns:p="http://schemas.openxmlformats.org/presentationml/2006/main">
+  <p:cSld>
+    <p:spTree>
+      <p:nvGrpSpPr>
+        <p:cNvPr id="1" name=""/>
+        <p:cNvGrpSpPr/>
+        <p:nvPr/>
+      </p:nvGrpSpPr>
+      <p:grpSpPr>
+        <a:xfrm>
+          <a:off x="0" y="0"/>
+          <a:ext cx="0" cy="0"/>
+          <a:chOff x="0" y="0"/>
+          <a:chExt cx="0" cy="0"/>
+        </a:xfrm>
+      </p:grpSpPr>
+      <p:sp>
+        <p:nvSpPr>
+          <p:cNvPr id="2" name="Title 1"/>
+          <p:cNvSpPr>
+            <a:spLocks noGrp="1"/>
+          </p:cNvSpPr>
+          <p:nvPr>
+            <p:ph type="title"/>
+          </p:nvPr>
+        </p:nvSpPr>
+        <p:spPr/>
+        <p:txBody>
+          <a:bodyPr/>
+          <a:lstStyle/>
+          <a:p>
+            <a:r>
+              <a:rPr lang="en-US" smtClean="0"/>
+              <a:t>Blackbox test-use case </a:t>
+            </a:r>
+            <a:endParaRPr lang="en-US"/>
+          </a:p>
+        </p:txBody>
+      </p:sp>
+      <p:sp>
+        <p:nvSpPr>
+          <p:cNvPr id="3" name="Content Placeholder 2"/>
+          <p:cNvSpPr>
+            <a:spLocks noGrp="1"/>
+          </p:cNvSpPr>
+          <p:nvPr>
+            <p:ph idx="1"/>
+          </p:nvPr>
+        </p:nvSpPr>
+        <p:spPr/>
+        <p:txBody>
+          <a:bodyPr/>
+          <a:lstStyle/>
+          <a:p>
+            <a:r>
+              <a:rPr lang="en-US" smtClean="0"/>
+              <a:t>Sử dụng file thiết kế use case, Actor là A và system là S</a:t>
+            </a:r>
+          </a:p>
+          <a:p>
+            <a:r>
+              <a:rPr lang="en-US" smtClean="0"/>
+              <a:t>Ví dụ trang login (không nhạp sai quá 3 lần)</a:t>
+            </a:r>
+          </a:p>
+          <a:p>
+            <a:endParaRPr lang="en-US"/>
+          </a:p>
+        </p:txBody>
+      </p:sp>
+      <p:graphicFrame>
+        <p:nvGraphicFramePr>
+          <p:cNvPr id="4" name="Table 3"/>
+          <p:cNvGraphicFramePr>
+            <a:graphicFrameLocks noGrp="1"/>
+          </p:cNvGraphicFramePr>
+          <p:nvPr>
+            <p:extLst>
+              <p:ext uri="{D42A27DB-BD31-4B8C-83A1-F6EECF244321}">
+                <p14:modId xmlns:p14="http://schemas.microsoft.com/office/powerpoint/2010/main" val="3373536311"/>
+              </p:ext>
+            </p:extLst>
+          </p:nvPr>
+        </p:nvGraphicFramePr>
+        <p:xfrm>
+          <a:off x="1085252" y="2756995"/>
+          <a:ext cx="8175555" cy="3977640"/>
+        </p:xfrm>
+        <a:graphic>
+          <a:graphicData uri="http://schemas.openxmlformats.org/drawingml/2006/table">
+            <a:tbl>
+              <a:tblPr firstRow="1" bandRow="1">
+                <a:tableStyleId>{5C22544A-7EE6-4342-B048-85BDC9FD1C3A}</a:tableStyleId>
+              </a:tblPr>
+              <a:tblGrid>
+                <a:gridCol w="1264594"/>
+                <a:gridCol w="2821021"/>
+                <a:gridCol w="4089940"/>
+              </a:tblGrid>
+              <a:tr h="370840">
+                <a:tc>
+                  <a:txBody>
+                    <a:bodyPr/>
+                    <a:lstStyle/>
+                    <a:p>
+                      <a:r>
+                        <a:rPr lang="en-US" smtClean="0"/>
+                        <a:t>Main</a:t>
+                      </a:r>
+                      <a:endParaRPr lang="en-US"/>
+                    </a:p>
+                  </a:txBody>
+                  <a:tcPr/>
+                </a:tc>
+                <a:tc>
+                  <a:txBody>
+                    <a:bodyPr/>
+                    <a:lstStyle/>
+                    <a:p>
+                      <a:r>
+                        <a:rPr lang="en-US" smtClean="0"/>
+                        <a:t>Step</a:t>
+                      </a:r>
+                      <a:endParaRPr lang="en-US"/>
+                    </a:p>
+                  </a:txBody>
+                  <a:tcPr/>
+                </a:tc>
+                <a:tc>
+                  <a:txBody>
+                    <a:bodyPr/>
+                    <a:lstStyle/>
+                    <a:p>
+                      <a:r>
+                        <a:rPr lang="en-US" smtClean="0"/>
+                        <a:t>Description</a:t>
+                      </a:r>
+                      <a:endParaRPr lang="en-US"/>
+                    </a:p>
+                  </a:txBody>
+                  <a:tcPr/>
+                </a:tc>
+              </a:tr>
+              <a:tr h="370840">
+                <a:tc>
+                  <a:txBody>
+                    <a:bodyPr/>
+                    <a:lstStyle/>
+                    <a:p>
+                      <a:r>
+                        <a:rPr lang="en-US" smtClean="0"/>
+                        <a:t>A</a:t>
+                      </a:r>
+                      <a:endParaRPr lang="en-US"/>
+                    </a:p>
+                  </a:txBody>
+                  <a:tcPr/>
+                </a:tc>
+                <a:tc>
+                  <a:txBody>
+                    <a:bodyPr/>
+                    <a:lstStyle/>
+                    <a:p>
+                      <a:r>
+                        <a:rPr lang="en-US" smtClean="0"/>
+                        <a:t>1</a:t>
+                      </a:r>
+                      <a:endParaRPr lang="en-US"/>
+                    </a:p>
+                  </a:txBody>
+                  <a:tcPr/>
+                </a:tc>
+                <a:tc>
+                  <a:txBody>
+                    <a:bodyPr/>
+                    <a:lstStyle/>
+                    <a:p>
+                      <a:r>
+                        <a:rPr lang="en-US" smtClean="0"/>
+                        <a:t>A: enter us</a:t>
+                      </a:r>
+                      <a:r>
+                        <a:rPr lang="en-US" baseline="0" smtClean="0"/>
+                        <a:t> and pw</a:t>
+                      </a:r>
+                      <a:endParaRPr lang="en-US"/>
+                    </a:p>
+                  </a:txBody>
+                  <a:tcPr/>
+                </a:tc>
+              </a:tr>
+              <a:tr h="370840">
+                <a:tc>
+                  <a:txBody>
+                    <a:bodyPr/>
+                    <a:lstStyle/>
+                    <a:p>
+                      <a:r>
+                        <a:rPr lang="en-US" smtClean="0"/>
+                        <a:t>S</a:t>
+                      </a:r>
+                      <a:endParaRPr lang="en-US"/>
+                    </a:p>
+                  </a:txBody>
+                  <a:tcPr/>
+                </a:tc>
+                <a:tc>
+                  <a:txBody>
+                    <a:bodyPr/>
+                    <a:lstStyle/>
+                    <a:p>
+                      <a:r>
+                        <a:rPr lang="en-US" smtClean="0"/>
+                        <a:t>2</a:t>
+                      </a:r>
+                      <a:endParaRPr lang="en-US"/>
+                    </a:p>
+                  </a:txBody>
+                  <a:tcPr/>
+                </a:tc>
+                <a:tc>
+                  <a:txBody>
+                    <a:bodyPr/>
+                    <a:lstStyle/>
+                    <a:p>
+                      <a:r>
+                        <a:rPr lang="en-US" smtClean="0"/>
+                        <a:t>S:</a:t>
+                      </a:r>
+                      <a:r>
+                        <a:rPr lang="en-US" baseline="0" smtClean="0"/>
+                        <a:t> validate </a:t>
+                      </a:r>
+                      <a:endParaRPr lang="en-US"/>
+                    </a:p>
+                  </a:txBody>
+                  <a:tcPr/>
+                </a:tc>
+              </a:tr>
+              <a:tr h="370840">
+                <a:tc>
+                  <a:txBody>
+                    <a:bodyPr/>
+                    <a:lstStyle/>
+                    <a:p>
+                      <a:endParaRPr lang="en-US"/>
+                    </a:p>
+                  </a:txBody>
+                  <a:tcPr/>
+                </a:tc>
+                <a:tc>
+                  <a:txBody>
+                    <a:bodyPr/>
+                    <a:lstStyle/>
+                    <a:p>
+                      <a:r>
+                        <a:rPr lang="en-US" smtClean="0"/>
+                        <a:t>3</a:t>
+                      </a:r>
+                      <a:endParaRPr lang="en-US"/>
+                    </a:p>
+                  </a:txBody>
+                  <a:tcPr/>
+                </a:tc>
+                <a:tc>
+                  <a:txBody>
+                    <a:bodyPr/>
+                    <a:lstStyle/>
+                    <a:p>
+                      <a:r>
+                        <a:rPr lang="en-US" smtClean="0"/>
+                        <a:t>S: allow</a:t>
+                      </a:r>
+                      <a:r>
+                        <a:rPr lang="en-US" baseline="0" smtClean="0"/>
+                        <a:t> access</a:t>
+                      </a:r>
+                      <a:endParaRPr lang="en-US"/>
+                    </a:p>
+                  </a:txBody>
+                  <a:tcPr/>
+                </a:tc>
+              </a:tr>
+              <a:tr h="370840">
+                <a:tc>
+                  <a:txBody>
+                    <a:bodyPr/>
+                    <a:lstStyle/>
+                    <a:p>
+                      <a:r>
+                        <a:rPr lang="en-US" smtClean="0"/>
+                        <a:t>Extensions</a:t>
+                      </a:r>
+                      <a:endParaRPr lang="en-US"/>
+                    </a:p>
+                  </a:txBody>
+                  <a:tcPr/>
+                </a:tc>
+                <a:tc>
+                  <a:txBody>
+                    <a:bodyPr/>
+                    <a:lstStyle/>
+                    <a:p>
+                      <a:r>
+                        <a:rPr lang="en-US" smtClean="0"/>
+                        <a:t>2a</a:t>
+                      </a:r>
+                      <a:endParaRPr lang="en-US"/>
+                    </a:p>
+                  </a:txBody>
+                  <a:tcPr/>
+                </a:tc>
+                <a:tc>
+                  <a:txBody>
+                    <a:bodyPr/>
+                    <a:lstStyle/>
+                    <a:p>
+                      <a:r>
+                        <a:rPr lang="en-US" smtClean="0"/>
+                        <a:t>Pw</a:t>
+                      </a:r>
+                      <a:r>
+                        <a:rPr lang="en-US" baseline="0" smtClean="0"/>
+                        <a:t> not valid</a:t>
+                      </a:r>
+                      <a:endParaRPr lang="en-US"/>
+                    </a:p>
+                  </a:txBody>
+                  <a:tcPr/>
+                </a:tc>
+              </a:tr>
+              <a:tr h="370840">
+                <a:tc>
+                  <a:txBody>
+                    <a:bodyPr/>
+                    <a:lstStyle/>
+                    <a:p>
+                      <a:endParaRPr lang="en-US"/>
+                    </a:p>
+                  </a:txBody>
+                  <a:tcPr/>
+                </a:tc>
+                <a:tc>
+                  <a:txBody>
+                    <a:bodyPr/>
+                    <a:lstStyle/>
+                    <a:p>
+                      <a:endParaRPr lang="en-US"/>
+                    </a:p>
+                  </a:txBody>
+                  <a:tcPr/>
+                </a:tc>
+                <a:tc>
+                  <a:txBody>
+                    <a:bodyPr/>
+                    <a:lstStyle/>
+                    <a:p>
+                      <a:r>
+                        <a:rPr lang="en-US" smtClean="0"/>
+                        <a:t>S:</a:t>
+                      </a:r>
+                      <a:r>
+                        <a:rPr lang="en-US" baseline="0" smtClean="0"/>
+                        <a:t> display message and ask for re-try 3 times</a:t>
+                      </a:r>
+                      <a:endParaRPr lang="en-US"/>
+                    </a:p>
+                  </a:txBody>
+                  <a:tcPr/>
+                </a:tc>
+              </a:tr>
+              <a:tr h="370840">
+                <a:tc>
+                  <a:txBody>
+                    <a:bodyPr/>
+                    <a:lstStyle/>
+                    <a:p>
+                      <a:endParaRPr lang="en-US"/>
+                    </a:p>
+                  </a:txBody>
+                  <a:tcPr/>
+                </a:tc>
+                <a:tc>
+                  <a:txBody>
+                    <a:bodyPr/>
+                    <a:lstStyle/>
+                    <a:p>
+                      <a:r>
+                        <a:rPr lang="en-US" smtClean="0"/>
+                        <a:t>2b</a:t>
+                      </a:r>
+                      <a:endParaRPr lang="en-US"/>
+                    </a:p>
+                  </a:txBody>
+                  <a:tcPr/>
+                </a:tc>
+                <a:tc>
+                  <a:txBody>
+                    <a:bodyPr/>
+                    <a:lstStyle/>
+                    <a:p>
+                      <a:r>
+                        <a:rPr lang="en-US" smtClean="0"/>
+                        <a:t>Pw</a:t>
+                      </a:r>
+                      <a:r>
+                        <a:rPr lang="en-US" baseline="0" smtClean="0"/>
+                        <a:t> not valid 3 times</a:t>
+                      </a:r>
+                      <a:endParaRPr lang="en-US"/>
+                    </a:p>
+                  </a:txBody>
+                  <a:tcPr/>
+                </a:tc>
+              </a:tr>
+              <a:tr h="370840">
+                <a:tc>
+                  <a:txBody>
+                    <a:bodyPr/>
+                    <a:lstStyle/>
+                    <a:p>
+                      <a:endParaRPr lang="en-US"/>
+                    </a:p>
+                  </a:txBody>
+                  <a:tcPr/>
+                </a:tc>
+                <a:tc>
+                  <a:txBody>
+                    <a:bodyPr/>
+                    <a:lstStyle/>
+                    <a:p>
+                      <a:endParaRPr lang="en-US"/>
+                    </a:p>
+                  </a:txBody>
+                  <a:tcPr/>
+                </a:tc>
+                <a:tc>
+                  <a:txBody>
+                    <a:bodyPr/>
+                    <a:lstStyle/>
+                    <a:p>
+                      <a:r>
+                        <a:rPr lang="en-US" smtClean="0"/>
+                        <a:t>S:</a:t>
+                      </a:r>
+                      <a:r>
+                        <a:rPr lang="en-US" baseline="0" smtClean="0"/>
+                        <a:t> Close application</a:t>
+                      </a:r>
+                      <a:endParaRPr lang="en-US"/>
+                    </a:p>
+                  </a:txBody>
+                  <a:tcPr/>
+                </a:tc>
+              </a:tr>
+              <a:tr h="370840">
+                <a:tc>
+                  <a:txBody>
+                    <a:bodyPr/>
+                    <a:lstStyle/>
+                    <a:p>
+                      <a:endParaRPr lang="en-US"/>
+                    </a:p>
+                  </a:txBody>
+                  <a:tcPr/>
+                </a:tc>
+                <a:tc>
+                  <a:txBody>
+                    <a:bodyPr/>
+                    <a:lstStyle/>
+                    <a:p>
+                      <a:r>
+                        <a:rPr lang="en-US" smtClean="0"/>
+                        <a:t>2c</a:t>
+                      </a:r>
+                      <a:endParaRPr lang="en-US"/>
+                    </a:p>
+                  </a:txBody>
+                  <a:tcPr/>
+                </a:tc>
+                <a:tc>
+                  <a:txBody>
+                    <a:bodyPr/>
+                    <a:lstStyle/>
+                    <a:p>
+                      <a:r>
+                        <a:rPr lang="en-US" smtClean="0"/>
+                        <a:t>Us</a:t>
+                      </a:r>
+                      <a:r>
+                        <a:rPr lang="en-US" baseline="0" smtClean="0"/>
+                        <a:t> not valid</a:t>
+                      </a:r>
+                      <a:endParaRPr lang="en-US"/>
+                    </a:p>
+                  </a:txBody>
+                  <a:tcPr/>
+                </a:tc>
+              </a:tr>
+              <a:tr h="370840">
+                <a:tc>
+                  <a:txBody>
+                    <a:bodyPr/>
+                    <a:lstStyle/>
+                    <a:p>
+                      <a:endParaRPr lang="en-US"/>
+                    </a:p>
+                  </a:txBody>
+                  <a:tcPr/>
+                </a:tc>
+                <a:tc>
+                  <a:txBody>
+                    <a:bodyPr/>
+                    <a:lstStyle/>
+                    <a:p>
+                      <a:endParaRPr lang="en-US"/>
+                    </a:p>
+                  </a:txBody>
+                  <a:tcPr/>
+                </a:tc>
+                <a:tc>
+                  <a:txBody>
+                    <a:bodyPr/>
+                    <a:lstStyle/>
+                    <a:p>
+                      <a:r>
+                        <a:rPr lang="en-US" smtClean="0"/>
+                        <a:t>S:</a:t>
+                      </a:r>
+                      <a:r>
+                        <a:rPr lang="en-US" baseline="0" smtClean="0"/>
+                        <a:t> user not exist</a:t>
+                      </a:r>
+                      <a:endParaRPr lang="en-US"/>
+                    </a:p>
+                  </a:txBody>
+                  <a:tcPr/>
+                </a:tc>
+              </a:tr>
+            </a:tbl>
+          </a:graphicData>
+        </a:graphic>
+      </p:graphicFrame>
+    </p:spTree>
+    <p:extLst>
+      <p:ext uri="{BB962C8B-B14F-4D97-AF65-F5344CB8AC3E}">
+        <p14:creationId xmlns:p14="http://schemas.microsoft.com/office/powerpoint/2010/main" val="1623638704"/>
+      </p:ext>
+    </p:extLst>
+  </p:cSld>
+  <p:clrMapOvr>
+    <a:masterClrMapping/>
+  </p:clrMapOvr>
+</p:sld>
+</file>
+
+<file path=ppt/slides/slide73.xml><?xml version="1.0" encoding="utf-8"?>
+<p:sld xmlns:a="http://schemas.openxmlformats.org/drawingml/2006/main" xmlns:r="http://schemas.openxmlformats.org/officeDocument/2006/relationships" xmlns:p="http://schemas.openxmlformats.org/presentationml/2006/main">
+  <p:cSld>
+    <p:spTree>
+      <p:nvGrpSpPr>
+        <p:cNvPr id="1" name=""/>
+        <p:cNvGrpSpPr/>
+        <p:nvPr/>
+      </p:nvGrpSpPr>
+      <p:grpSpPr>
+        <a:xfrm>
+          <a:off x="0" y="0"/>
+          <a:ext cx="0" cy="0"/>
+          <a:chOff x="0" y="0"/>
+          <a:chExt cx="0" cy="0"/>
+        </a:xfrm>
+      </p:grpSpPr>
+      <p:sp>
+        <p:nvSpPr>
+          <p:cNvPr id="2" name="Title 1"/>
+          <p:cNvSpPr>
+            <a:spLocks noGrp="1"/>
+          </p:cNvSpPr>
+          <p:nvPr>
+            <p:ph type="title"/>
+          </p:nvPr>
+        </p:nvSpPr>
+        <p:spPr/>
+        <p:txBody>
+          <a:bodyPr/>
+          <a:lstStyle/>
+          <a:p>
+            <a:r>
+              <a:rPr lang="en-US" smtClean="0"/>
+              <a:t>Blackbox test- use case</a:t>
+            </a:r>
+            <a:endParaRPr lang="en-US"/>
+          </a:p>
+        </p:txBody>
+      </p:sp>
+      <p:graphicFrame>
+        <p:nvGraphicFramePr>
+          <p:cNvPr id="4" name="Content Placeholder 3"/>
+          <p:cNvGraphicFramePr>
+            <a:graphicFrameLocks noGrp="1"/>
+          </p:cNvGraphicFramePr>
+          <p:nvPr>
+            <p:ph idx="1"/>
+            <p:extLst>
+              <p:ext uri="{D42A27DB-BD31-4B8C-83A1-F6EECF244321}">
+                <p14:modId xmlns:p14="http://schemas.microsoft.com/office/powerpoint/2010/main" val="303964871"/>
+              </p:ext>
+            </p:extLst>
+          </p:nvPr>
+        </p:nvGraphicFramePr>
+        <p:xfrm>
+          <a:off x="787758" y="1477895"/>
+          <a:ext cx="10515600" cy="4820920"/>
+        </p:xfrm>
+        <a:graphic>
+          <a:graphicData uri="http://schemas.openxmlformats.org/drawingml/2006/table">
+            <a:tbl>
+              <a:tblPr firstRow="1" bandRow="1">
+                <a:tableStyleId>{5C22544A-7EE6-4342-B048-85BDC9FD1C3A}</a:tableStyleId>
+              </a:tblPr>
+              <a:tblGrid>
+                <a:gridCol w="1724696"/>
+                <a:gridCol w="3902298"/>
+                <a:gridCol w="4888606"/>
+              </a:tblGrid>
+              <a:tr h="370840">
+                <a:tc>
+                  <a:txBody>
+                    <a:bodyPr/>
+                    <a:lstStyle/>
+                    <a:p>
+                      <a:r>
+                        <a:rPr lang="en-US" smtClean="0"/>
+                        <a:t>Test</a:t>
+                      </a:r>
+                      <a:r>
+                        <a:rPr lang="en-US" baseline="0" smtClean="0"/>
+                        <a:t> case</a:t>
+                      </a:r>
+                      <a:endParaRPr lang="en-US"/>
+                    </a:p>
+                  </a:txBody>
+                  <a:tcPr/>
+                </a:tc>
+                <a:tc>
+                  <a:txBody>
+                    <a:bodyPr/>
+                    <a:lstStyle/>
+                    <a:p>
+                      <a:r>
+                        <a:rPr lang="en-US" smtClean="0"/>
+                        <a:t>Steps</a:t>
+                      </a:r>
+                      <a:endParaRPr lang="en-US"/>
+                    </a:p>
+                  </a:txBody>
+                  <a:tcPr/>
+                </a:tc>
+                <a:tc>
+                  <a:txBody>
+                    <a:bodyPr/>
+                    <a:lstStyle/>
+                    <a:p>
+                      <a:r>
+                        <a:rPr lang="en-US" smtClean="0"/>
+                        <a:t>Expected</a:t>
+                      </a:r>
+                      <a:r>
+                        <a:rPr lang="en-US" baseline="0" smtClean="0"/>
+                        <a:t> result</a:t>
+                      </a:r>
+                      <a:endParaRPr lang="en-US"/>
+                    </a:p>
+                  </a:txBody>
+                  <a:tcPr/>
+                </a:tc>
+              </a:tr>
+              <a:tr h="370840">
+                <a:tc>
+                  <a:txBody>
+                    <a:bodyPr/>
+                    <a:lstStyle/>
+                    <a:p>
+                      <a:r>
+                        <a:rPr lang="en-US" smtClean="0"/>
+                        <a:t>Test</a:t>
+                      </a:r>
+                      <a:r>
+                        <a:rPr lang="en-US" baseline="0" smtClean="0"/>
+                        <a:t> case</a:t>
+                      </a:r>
+                      <a:endParaRPr lang="en-US"/>
+                    </a:p>
+                  </a:txBody>
+                  <a:tcPr/>
+                </a:tc>
+                <a:tc>
+                  <a:txBody>
+                    <a:bodyPr/>
+                    <a:lstStyle/>
+                    <a:p>
+                      <a:r>
+                        <a:rPr lang="en-US" smtClean="0"/>
+                        <a:t>Normal</a:t>
+                      </a:r>
+                      <a:r>
+                        <a:rPr lang="en-US" baseline="0" smtClean="0"/>
+                        <a:t> workflow</a:t>
+                      </a:r>
+                      <a:endParaRPr lang="en-US"/>
+                    </a:p>
+                  </a:txBody>
+                  <a:tcPr/>
+                </a:tc>
+                <a:tc>
+                  <a:txBody>
+                    <a:bodyPr/>
+                    <a:lstStyle/>
+                    <a:p>
+                      <a:endParaRPr lang="en-US"/>
+                    </a:p>
+                  </a:txBody>
+                  <a:tcPr/>
+                </a:tc>
+              </a:tr>
+              <a:tr h="370840">
+                <a:tc>
+                  <a:txBody>
+                    <a:bodyPr/>
+                    <a:lstStyle/>
+                    <a:p>
+                      <a:r>
+                        <a:rPr lang="en-US" smtClean="0"/>
+                        <a:t>1</a:t>
+                      </a:r>
+                      <a:endParaRPr lang="en-US"/>
+                    </a:p>
+                  </a:txBody>
+                  <a:tcPr/>
+                </a:tc>
+                <a:tc>
+                  <a:txBody>
+                    <a:bodyPr/>
+                    <a:lstStyle/>
+                    <a:p>
+                      <a:r>
+                        <a:rPr lang="en-US" smtClean="0"/>
+                        <a:t>Enter the valid</a:t>
+                      </a:r>
+                      <a:r>
+                        <a:rPr lang="en-US" baseline="0" smtClean="0"/>
+                        <a:t> username and password</a:t>
+                      </a:r>
+                      <a:endParaRPr lang="en-US"/>
+                    </a:p>
+                  </a:txBody>
+                  <a:tcPr/>
+                </a:tc>
+                <a:tc>
+                  <a:txBody>
+                    <a:bodyPr/>
+                    <a:lstStyle/>
+                    <a:p>
+                      <a:r>
+                        <a:rPr lang="en-US" smtClean="0"/>
+                        <a:t>System</a:t>
+                      </a:r>
+                      <a:r>
+                        <a:rPr lang="en-US" baseline="0" smtClean="0"/>
+                        <a:t> allow to access</a:t>
+                      </a:r>
+                      <a:endParaRPr lang="en-US"/>
+                    </a:p>
+                  </a:txBody>
+                  <a:tcPr/>
+                </a:tc>
+              </a:tr>
+              <a:tr h="370840">
+                <a:tc>
+                  <a:txBody>
+                    <a:bodyPr/>
+                    <a:lstStyle/>
+                    <a:p>
+                      <a:r>
+                        <a:rPr lang="en-US" smtClean="0"/>
+                        <a:t>Test</a:t>
+                      </a:r>
+                      <a:r>
+                        <a:rPr lang="en-US" baseline="0" smtClean="0"/>
+                        <a:t> case</a:t>
+                      </a:r>
+                      <a:endParaRPr lang="en-US"/>
+                    </a:p>
+                  </a:txBody>
+                  <a:tcPr/>
+                </a:tc>
+                <a:tc>
+                  <a:txBody>
+                    <a:bodyPr/>
+                    <a:lstStyle/>
+                    <a:p>
+                      <a:r>
+                        <a:rPr lang="en-US" smtClean="0"/>
+                        <a:t>Invalid username </a:t>
+                      </a:r>
+                      <a:endParaRPr lang="en-US"/>
+                    </a:p>
+                  </a:txBody>
+                  <a:tcPr/>
+                </a:tc>
+                <a:tc>
+                  <a:txBody>
+                    <a:bodyPr/>
+                    <a:lstStyle/>
+                    <a:p>
+                      <a:endParaRPr lang="en-US"/>
+                    </a:p>
+                  </a:txBody>
+                  <a:tcPr/>
+                </a:tc>
+              </a:tr>
+              <a:tr h="370840">
+                <a:tc>
+                  <a:txBody>
+                    <a:bodyPr/>
+                    <a:lstStyle/>
+                    <a:p>
+                      <a:r>
+                        <a:rPr lang="en-US" smtClean="0"/>
+                        <a:t>1</a:t>
+                      </a:r>
+                      <a:endParaRPr lang="en-US"/>
+                    </a:p>
+                  </a:txBody>
+                  <a:tcPr/>
+                </a:tc>
+                <a:tc>
+                  <a:txBody>
+                    <a:bodyPr/>
+                    <a:lstStyle/>
+                    <a:p>
+                      <a:r>
+                        <a:rPr lang="en-US" smtClean="0"/>
+                        <a:t>Enter invalid username</a:t>
+                      </a:r>
+                      <a:endParaRPr lang="en-US"/>
+                    </a:p>
+                  </a:txBody>
+                  <a:tcPr/>
+                </a:tc>
+                <a:tc>
+                  <a:txBody>
+                    <a:bodyPr/>
+                    <a:lstStyle/>
+                    <a:p>
+                      <a:r>
+                        <a:rPr lang="en-US" smtClean="0"/>
+                        <a:t>System</a:t>
+                      </a:r>
+                      <a:r>
+                        <a:rPr lang="en-US" baseline="0" smtClean="0"/>
+                        <a:t> show user not exit</a:t>
+                      </a:r>
+                      <a:endParaRPr lang="en-US"/>
+                    </a:p>
+                  </a:txBody>
+                  <a:tcPr/>
+                </a:tc>
+              </a:tr>
+              <a:tr h="370840">
+                <a:tc>
+                  <a:txBody>
+                    <a:bodyPr/>
+                    <a:lstStyle/>
+                    <a:p>
+                      <a:r>
+                        <a:rPr lang="en-US" smtClean="0"/>
+                        <a:t>Test</a:t>
+                      </a:r>
+                      <a:r>
+                        <a:rPr lang="en-US" baseline="0" smtClean="0"/>
+                        <a:t> case</a:t>
+                      </a:r>
+                      <a:endParaRPr lang="en-US"/>
+                    </a:p>
+                  </a:txBody>
+                  <a:tcPr/>
+                </a:tc>
+                <a:tc>
+                  <a:txBody>
+                    <a:bodyPr/>
+                    <a:lstStyle/>
+                    <a:p>
+                      <a:r>
+                        <a:rPr lang="en-US" smtClean="0"/>
+                        <a:t>Invalid</a:t>
+                      </a:r>
+                      <a:r>
+                        <a:rPr lang="en-US" baseline="0" smtClean="0"/>
+                        <a:t> password and valid username</a:t>
+                      </a:r>
+                      <a:endParaRPr lang="en-US"/>
+                    </a:p>
+                  </a:txBody>
+                  <a:tcPr/>
+                </a:tc>
+                <a:tc>
+                  <a:txBody>
+                    <a:bodyPr/>
+                    <a:lstStyle/>
+                    <a:p>
+                      <a:endParaRPr lang="en-US"/>
+                    </a:p>
+                  </a:txBody>
+                  <a:tcPr/>
+                </a:tc>
+              </a:tr>
+              <a:tr h="370840">
+                <a:tc>
+                  <a:txBody>
+                    <a:bodyPr/>
+                    <a:lstStyle/>
+                    <a:p>
+                      <a:r>
+                        <a:rPr lang="en-US" smtClean="0"/>
+                        <a:t>1</a:t>
+                      </a:r>
+                      <a:endParaRPr lang="en-US"/>
+                    </a:p>
+                  </a:txBody>
+                  <a:tcPr/>
+                </a:tc>
+                <a:tc>
+                  <a:txBody>
+                    <a:bodyPr/>
+                    <a:lstStyle/>
+                    <a:p>
+                      <a:r>
+                        <a:rPr lang="en-US" smtClean="0"/>
+                        <a:t>Enter invalid password</a:t>
+                      </a:r>
+                      <a:r>
+                        <a:rPr lang="en-US" baseline="0" smtClean="0"/>
+                        <a:t> </a:t>
+                      </a:r>
+                      <a:endParaRPr lang="en-US"/>
+                    </a:p>
+                  </a:txBody>
+                  <a:tcPr/>
+                </a:tc>
+                <a:tc>
+                  <a:txBody>
+                    <a:bodyPr/>
+                    <a:lstStyle/>
+                    <a:p>
+                      <a:r>
+                        <a:rPr lang="en-US" baseline="0" smtClean="0"/>
+                        <a:t>display message and ask for re-try 3 times</a:t>
+                      </a:r>
+                      <a:endParaRPr lang="en-US"/>
+                    </a:p>
+                  </a:txBody>
+                  <a:tcPr/>
+                </a:tc>
+              </a:tr>
+              <a:tr h="370840">
+                <a:tc>
+                  <a:txBody>
+                    <a:bodyPr/>
+                    <a:lstStyle/>
+                    <a:p>
+                      <a:r>
+                        <a:rPr lang="en-US" smtClean="0"/>
+                        <a:t>Test</a:t>
+                      </a:r>
+                      <a:r>
+                        <a:rPr lang="en-US" baseline="0" smtClean="0"/>
+                        <a:t> case</a:t>
+                      </a:r>
+                      <a:endParaRPr lang="en-US"/>
+                    </a:p>
+                  </a:txBody>
+                  <a:tcPr/>
+                </a:tc>
+                <a:tc>
+                  <a:txBody>
+                    <a:bodyPr/>
+                    <a:lstStyle/>
+                    <a:p>
+                      <a:r>
+                        <a:rPr lang="en-US" smtClean="0"/>
+                        <a:t>Invalid</a:t>
+                      </a:r>
+                      <a:r>
+                        <a:rPr lang="en-US" baseline="0" smtClean="0"/>
+                        <a:t> password 2times </a:t>
+                      </a:r>
+                      <a:endParaRPr lang="en-US"/>
+                    </a:p>
+                  </a:txBody>
+                  <a:tcPr/>
+                </a:tc>
+                <a:tc>
+                  <a:txBody>
+                    <a:bodyPr/>
+                    <a:lstStyle/>
+                    <a:p>
+                      <a:endParaRPr lang="en-US"/>
+                    </a:p>
+                  </a:txBody>
+                  <a:tcPr/>
+                </a:tc>
+              </a:tr>
+              <a:tr h="370840">
+                <a:tc>
+                  <a:txBody>
+                    <a:bodyPr/>
+                    <a:lstStyle/>
+                    <a:p>
+                      <a:r>
+                        <a:rPr lang="en-US" smtClean="0"/>
+                        <a:t>1</a:t>
+                      </a:r>
+                      <a:endParaRPr lang="en-US"/>
+                    </a:p>
+                  </a:txBody>
+                  <a:tcPr/>
+                </a:tc>
+                <a:tc>
+                  <a:txBody>
+                    <a:bodyPr/>
+                    <a:lstStyle/>
+                    <a:p>
+                      <a:r>
+                        <a:rPr lang="en-US" smtClean="0"/>
+                        <a:t>Enter invalid password</a:t>
+                      </a:r>
+                      <a:r>
+                        <a:rPr lang="en-US" baseline="0" smtClean="0"/>
+                        <a:t> 2 times</a:t>
+                      </a:r>
+                      <a:endParaRPr lang="en-US"/>
+                    </a:p>
+                  </a:txBody>
+                  <a:tcPr/>
+                </a:tc>
+                <a:tc>
+                  <a:txBody>
+                    <a:bodyPr/>
+                    <a:lstStyle/>
+                    <a:p>
+                      <a:r>
+                        <a:rPr lang="en-US" baseline="0" smtClean="0"/>
+                        <a:t>display message and ask for re-try 2 times</a:t>
+                      </a:r>
+                      <a:endParaRPr lang="en-US"/>
+                    </a:p>
+                  </a:txBody>
+                  <a:tcPr/>
+                </a:tc>
+              </a:tr>
+              <a:tr h="370840">
+                <a:tc>
+                  <a:txBody>
+                    <a:bodyPr/>
+                    <a:lstStyle/>
+                    <a:p>
+                      <a:r>
+                        <a:rPr lang="en-US" smtClean="0"/>
+                        <a:t>Test</a:t>
+                      </a:r>
+                      <a:r>
+                        <a:rPr lang="en-US" baseline="0" smtClean="0"/>
+                        <a:t> case</a:t>
+                      </a:r>
+                      <a:endParaRPr lang="en-US"/>
+                    </a:p>
+                  </a:txBody>
+                  <a:tcPr/>
+                </a:tc>
+                <a:tc>
+                  <a:txBody>
+                    <a:bodyPr/>
+                    <a:lstStyle/>
+                    <a:p>
+                      <a:r>
+                        <a:rPr lang="en-US" smtClean="0"/>
+                        <a:t>Invalid</a:t>
+                      </a:r>
+                      <a:r>
+                        <a:rPr lang="en-US" baseline="0" smtClean="0"/>
+                        <a:t> password 3times </a:t>
+                      </a:r>
+                      <a:endParaRPr lang="en-US"/>
+                    </a:p>
+                  </a:txBody>
+                  <a:tcPr/>
+                </a:tc>
+                <a:tc>
+                  <a:txBody>
+                    <a:bodyPr/>
+                    <a:lstStyle/>
+                    <a:p>
+                      <a:endParaRPr lang="en-US"/>
+                    </a:p>
+                  </a:txBody>
+                  <a:tcPr/>
+                </a:tc>
+              </a:tr>
+              <a:tr h="370840">
+                <a:tc>
+                  <a:txBody>
+                    <a:bodyPr/>
+                    <a:lstStyle/>
+                    <a:p>
+                      <a:r>
+                        <a:rPr lang="en-US" smtClean="0"/>
+                        <a:t>1</a:t>
+                      </a:r>
+                      <a:endParaRPr lang="en-US"/>
+                    </a:p>
+                  </a:txBody>
+                  <a:tcPr/>
+                </a:tc>
+                <a:tc>
+                  <a:txBody>
+                    <a:bodyPr/>
+                    <a:lstStyle/>
+                    <a:p>
+                      <a:r>
+                        <a:rPr lang="en-US" smtClean="0"/>
+                        <a:t>Enter invalid password</a:t>
+                      </a:r>
+                      <a:r>
+                        <a:rPr lang="en-US" baseline="0" smtClean="0"/>
+                        <a:t> 3times</a:t>
+                      </a:r>
+                      <a:endParaRPr lang="en-US"/>
+                    </a:p>
+                  </a:txBody>
+                  <a:tcPr/>
+                </a:tc>
+                <a:tc>
+                  <a:txBody>
+                    <a:bodyPr/>
+                    <a:lstStyle/>
+                    <a:p>
+                      <a:r>
+                        <a:rPr lang="en-US" baseline="0" smtClean="0"/>
+                        <a:t>display message and ask for re-try 1 times</a:t>
+                      </a:r>
+                      <a:endParaRPr lang="en-US"/>
+                    </a:p>
+                  </a:txBody>
+                  <a:tcPr/>
+                </a:tc>
+              </a:tr>
+              <a:tr h="370840">
+                <a:tc>
+                  <a:txBody>
+                    <a:bodyPr/>
+                    <a:lstStyle/>
+                    <a:p>
+                      <a:r>
+                        <a:rPr lang="en-US" smtClean="0"/>
+                        <a:t>Test</a:t>
+                      </a:r>
+                      <a:r>
+                        <a:rPr lang="en-US" baseline="0" smtClean="0"/>
+                        <a:t> case</a:t>
+                      </a:r>
+                      <a:endParaRPr lang="en-US"/>
+                    </a:p>
+                  </a:txBody>
+                  <a:tcPr/>
+                </a:tc>
+                <a:tc>
+                  <a:txBody>
+                    <a:bodyPr/>
+                    <a:lstStyle/>
+                    <a:p>
+                      <a:r>
+                        <a:rPr lang="en-US" smtClean="0"/>
+                        <a:t>Invalid</a:t>
+                      </a:r>
+                      <a:r>
+                        <a:rPr lang="en-US" baseline="0" smtClean="0"/>
+                        <a:t> password 4times </a:t>
+                      </a:r>
+                      <a:endParaRPr lang="en-US"/>
+                    </a:p>
+                  </a:txBody>
+                  <a:tcPr/>
+                </a:tc>
+                <a:tc>
+                  <a:txBody>
+                    <a:bodyPr/>
+                    <a:lstStyle/>
+                    <a:p>
+                      <a:endParaRPr lang="en-US"/>
+                    </a:p>
+                  </a:txBody>
+                  <a:tcPr/>
+                </a:tc>
+              </a:tr>
+              <a:tr h="370840">
+                <a:tc>
+                  <a:txBody>
+                    <a:bodyPr/>
+                    <a:lstStyle/>
+                    <a:p>
+                      <a:r>
+                        <a:rPr lang="en-US" smtClean="0"/>
+                        <a:t>1</a:t>
+                      </a:r>
+                      <a:endParaRPr lang="en-US"/>
+                    </a:p>
+                  </a:txBody>
+                  <a:tcPr/>
+                </a:tc>
+                <a:tc>
+                  <a:txBody>
+                    <a:bodyPr/>
+                    <a:lstStyle/>
+                    <a:p>
+                      <a:r>
+                        <a:rPr lang="en-US" smtClean="0"/>
+                        <a:t>Enter invalid password</a:t>
+                      </a:r>
+                      <a:r>
+                        <a:rPr lang="en-US" baseline="0" smtClean="0"/>
+                        <a:t> 4times</a:t>
+                      </a:r>
+                      <a:endParaRPr lang="en-US"/>
+                    </a:p>
+                  </a:txBody>
+                  <a:tcPr/>
+                </a:tc>
+                <a:tc>
+                  <a:txBody>
+                    <a:bodyPr/>
+                    <a:lstStyle/>
+                    <a:p>
+                      <a:r>
+                        <a:rPr lang="en-US" baseline="0" smtClean="0"/>
+                        <a:t>Close application</a:t>
+                      </a:r>
+                      <a:endParaRPr lang="en-US"/>
+                    </a:p>
+                  </a:txBody>
+                  <a:tcPr/>
+                </a:tc>
+              </a:tr>
+            </a:tbl>
+          </a:graphicData>
+        </a:graphic>
+      </p:graphicFrame>
+    </p:spTree>
+    <p:extLst>
+      <p:ext uri="{BB962C8B-B14F-4D97-AF65-F5344CB8AC3E}">
+        <p14:creationId xmlns:p14="http://schemas.microsoft.com/office/powerpoint/2010/main" val="744335483"/>
+      </p:ext>
+    </p:extLst>
+  </p:cSld>
+  <p:clrMapOvr>
+    <a:masterClrMapping/>
+  </p:clrMapOvr>
+</p:sld>
+</file>
+
+<file path=ppt/slides/slide74.xml><?xml version="1.0" encoding="utf-8"?>
+<p:sld xmlns:a="http://schemas.openxmlformats.org/drawingml/2006/main" xmlns:r="http://schemas.openxmlformats.org/officeDocument/2006/relationships" xmlns:p="http://schemas.openxmlformats.org/presentationml/2006/main">
+  <p:cSld>
+    <p:spTree>
+      <p:nvGrpSpPr>
+        <p:cNvPr id="1" name=""/>
+        <p:cNvGrpSpPr/>
+        <p:nvPr/>
+      </p:nvGrpSpPr>
+      <p:grpSpPr>
+        <a:xfrm>
+          <a:off x="0" y="0"/>
+          <a:ext cx="0" cy="0"/>
+          <a:chOff x="0" y="0"/>
+          <a:chExt cx="0" cy="0"/>
+        </a:xfrm>
+      </p:grpSpPr>
+      <p:sp>
+        <p:nvSpPr>
+          <p:cNvPr id="2" name="Title 1"/>
+          <p:cNvSpPr>
+            <a:spLocks noGrp="1"/>
+          </p:cNvSpPr>
+          <p:nvPr>
+            <p:ph type="title"/>
+          </p:nvPr>
+        </p:nvSpPr>
+        <p:spPr/>
+        <p:txBody>
+          <a:bodyPr/>
+          <a:lstStyle/>
+          <a:p>
+            <a:r>
+              <a:rPr lang="en-US" smtClean="0"/>
+              <a:t>Whiteboxtest – đồ thị dòng</a:t>
+            </a:r>
+            <a:endParaRPr lang="en-US"/>
+          </a:p>
+        </p:txBody>
+      </p:sp>
+      <p:sp>
+        <p:nvSpPr>
+          <p:cNvPr id="3" name="Content Placeholder 2"/>
+          <p:cNvSpPr>
+            <a:spLocks noGrp="1"/>
+          </p:cNvSpPr>
+          <p:nvPr>
+            <p:ph idx="1"/>
+          </p:nvPr>
+        </p:nvSpPr>
+        <p:spPr>
+          <a:xfrm>
+            <a:off x="770106" y="1961812"/>
+            <a:ext cx="10515600" cy="4351338"/>
+          </a:xfrm>
+        </p:spPr>
+        <p:txBody>
+          <a:bodyPr/>
+          <a:lstStyle/>
+          <a:p>
+            <a:r>
+              <a:rPr lang="en-US" smtClean="0"/>
+              <a:t>Xây dựng đồ thị dòng chảy dựa trên code</a:t>
+            </a:r>
+          </a:p>
+          <a:p>
+            <a:r>
+              <a:rPr lang="en-US" smtClean="0"/>
+              <a:t>Tính toán độ phức tạp Cyclomatic</a:t>
+            </a:r>
+          </a:p>
+          <a:p>
+            <a:r>
+              <a:rPr lang="en-US" smtClean="0"/>
+              <a:t>Xác định đường cơ sở</a:t>
+            </a:r>
+          </a:p>
+          <a:p>
+            <a:r>
+              <a:rPr lang="en-US" smtClean="0"/>
+              <a:t>Kiểm tra nếu số đường cơ sở không nhiều hơn Cyclomatic</a:t>
+            </a:r>
+          </a:p>
+          <a:p>
+            <a:r>
+              <a:rPr lang="en-US" smtClean="0"/>
+              <a:t>Thiết kế test case dựa trên đường cơ sở</a:t>
+            </a:r>
+          </a:p>
+          <a:p>
+            <a:endParaRPr lang="en-US" smtClean="0"/>
+          </a:p>
+          <a:p>
+            <a:endParaRPr lang="en-US" smtClean="0"/>
+          </a:p>
+          <a:p>
+            <a:endParaRPr lang="en-US"/>
+          </a:p>
+          <a:p>
+            <a:endParaRPr lang="en-US" smtClean="0"/>
+          </a:p>
+          <a:p>
+            <a:endParaRPr lang="en-US" smtClean="0"/>
+          </a:p>
+          <a:p>
+            <a:endParaRPr lang="en-US"/>
+          </a:p>
+        </p:txBody>
+      </p:sp>
+    </p:spTree>
+    <p:extLst>
+      <p:ext uri="{BB962C8B-B14F-4D97-AF65-F5344CB8AC3E}">
+        <p14:creationId xmlns:p14="http://schemas.microsoft.com/office/powerpoint/2010/main" val="178618476"/>
+      </p:ext>
+    </p:extLst>
+  </p:cSld>
+  <p:clrMapOvr>
+    <a:masterClrMapping/>
+  </p:clrMapOvr>
+</p:sld>
+</file>
+
+<file path=ppt/slides/slide75.xml><?xml version="1.0" encoding="utf-8"?>
+<p:sld xmlns:a="http://schemas.openxmlformats.org/drawingml/2006/main" xmlns:r="http://schemas.openxmlformats.org/officeDocument/2006/relationships" xmlns:p="http://schemas.openxmlformats.org/presentationml/2006/main">
+  <p:cSld>
+    <p:spTree>
+      <p:nvGrpSpPr>
+        <p:cNvPr id="1" name=""/>
+        <p:cNvGrpSpPr/>
+        <p:nvPr/>
+      </p:nvGrpSpPr>
+      <p:grpSpPr>
+        <a:xfrm>
+          <a:off x="0" y="0"/>
+          <a:ext cx="0" cy="0"/>
+          <a:chOff x="0" y="0"/>
+          <a:chExt cx="0" cy="0"/>
+        </a:xfrm>
+      </p:grpSpPr>
+      <p:sp>
+        <p:nvSpPr>
+          <p:cNvPr id="2" name="Title 1"/>
+          <p:cNvSpPr>
+            <a:spLocks noGrp="1"/>
+          </p:cNvSpPr>
+          <p:nvPr>
+            <p:ph type="title"/>
+          </p:nvPr>
+        </p:nvSpPr>
+        <p:spPr/>
+        <p:txBody>
+          <a:bodyPr/>
+          <a:lstStyle/>
+          <a:p>
+            <a:r>
+              <a:rPr lang="en-US" smtClean="0"/>
+              <a:t>Whiteboxtest – đồ thị dòng</a:t>
+            </a:r>
+            <a:endParaRPr lang="en-US"/>
+          </a:p>
+        </p:txBody>
+      </p:sp>
+      <p:sp>
+        <p:nvSpPr>
+          <p:cNvPr id="3" name="Content Placeholder 2"/>
+          <p:cNvSpPr>
+            <a:spLocks noGrp="1"/>
+          </p:cNvSpPr>
+          <p:nvPr>
+            <p:ph idx="1"/>
+          </p:nvPr>
+        </p:nvSpPr>
+        <p:spPr>
+          <a:xfrm>
+            <a:off x="770106" y="1961812"/>
+            <a:ext cx="7772315" cy="4351338"/>
+          </a:xfrm>
+        </p:spPr>
+        <p:txBody>
+          <a:bodyPr/>
+          <a:lstStyle/>
+          <a:p>
+            <a:r>
+              <a:rPr lang="en-US" smtClean="0"/>
+              <a:t>Cách vẽ đồ thị dòng dựa trên code hoặc biểu đồ</a:t>
+            </a:r>
+          </a:p>
+          <a:p>
+            <a:r>
+              <a:rPr lang="en-US" smtClean="0"/>
+              <a:t>Gộp các lệnh tuần tự (các nút mà từ nút này luôn đi qua nút kia sẽ được gộp lại.</a:t>
+            </a:r>
+          </a:p>
+          <a:p>
+            <a:r>
+              <a:rPr lang="en-US" smtClean="0"/>
+              <a:t>Thay lệnh rẽ nhanh và điểm kết thúc của đường điều khiển bằng nút vị tự</a:t>
+            </a:r>
+            <a:endParaRPr lang="en-US"/>
+          </a:p>
+          <a:p>
+            <a:endParaRPr lang="en-US" smtClean="0"/>
+          </a:p>
+          <a:p>
+            <a:endParaRPr lang="en-US" smtClean="0"/>
+          </a:p>
+          <a:p>
+            <a:endParaRPr lang="en-US" smtClean="0"/>
+          </a:p>
+          <a:p>
+            <a:endParaRPr lang="en-US"/>
+          </a:p>
+          <a:p>
+            <a:endParaRPr lang="en-US" smtClean="0"/>
+          </a:p>
+          <a:p>
+            <a:endParaRPr lang="en-US" smtClean="0"/>
+          </a:p>
+          <a:p>
+            <a:endParaRPr lang="en-US"/>
+          </a:p>
+        </p:txBody>
+      </p:sp>
+      <p:pic>
+        <p:nvPicPr>
+          <p:cNvPr id="5" name="Picture 4"/>
+          <p:cNvPicPr>
+            <a:picLocks noChangeAspect="1"/>
+          </p:cNvPicPr>
+          <p:nvPr/>
+        </p:nvPicPr>
+        <p:blipFill>
+          <a:blip r:embed="rId3"/>
+          <a:stretch>
+            <a:fillRect/>
+          </a:stretch>
+        </p:blipFill>
+        <p:spPr>
+          <a:xfrm>
+            <a:off x="8542421" y="1262468"/>
+            <a:ext cx="3163415" cy="2771643"/>
+          </a:xfrm>
+          <a:prstGeom prst="rect">
+            <a:avLst/>
+          </a:prstGeom>
+        </p:spPr>
+      </p:pic>
+      <p:pic>
+        <p:nvPicPr>
+          <p:cNvPr id="7" name="Picture 6"/>
+          <p:cNvPicPr>
+            <a:picLocks noChangeAspect="1"/>
+          </p:cNvPicPr>
+          <p:nvPr/>
+        </p:nvPicPr>
+        <p:blipFill>
+          <a:blip r:embed="rId4"/>
+          <a:stretch>
+            <a:fillRect/>
+          </a:stretch>
+        </p:blipFill>
+        <p:spPr>
+          <a:xfrm>
+            <a:off x="838200" y="4448175"/>
+            <a:ext cx="5467350" cy="2409825"/>
+          </a:xfrm>
+          <a:prstGeom prst="rect">
+            <a:avLst/>
+          </a:prstGeom>
+        </p:spPr>
+      </p:pic>
+      <p:sp>
+        <p:nvSpPr>
+          <p:cNvPr id="8" name="TextBox 7"/>
+          <p:cNvSpPr txBox="1"/>
+          <p:nvPr/>
+        </p:nvSpPr>
+        <p:spPr>
+          <a:xfrm>
+            <a:off x="6930189" y="4430258"/>
+            <a:ext cx="4423611" cy="2308324"/>
+          </a:xfrm>
+          <a:prstGeom prst="rect">
+            <a:avLst/>
+          </a:prstGeom>
+          <a:noFill/>
+        </p:spPr>
+        <p:txBody>
+          <a:bodyPr wrap="square" rtlCol="0">
+            <a:spAutoFit/>
+          </a:bodyPr>
+          <a:lstStyle/>
+          <a:p>
+            <a:r>
+              <a:rPr lang="en-US" smtClean="0"/>
+              <a:t>9 nút (5 nút vị tự), 11 cung</a:t>
+            </a:r>
+          </a:p>
+          <a:p>
+            <a:r>
+              <a:rPr lang="en-US" smtClean="0"/>
+              <a:t>Độ phức tạp C= số nút vị tự -1 hoặc = số cung – số nút +2</a:t>
+            </a:r>
+          </a:p>
+          <a:p>
+            <a:r>
+              <a:rPr lang="en-US" smtClean="0"/>
+              <a:t>Số đường cơ sở = C =4</a:t>
+            </a:r>
+          </a:p>
+          <a:p>
+            <a:r>
+              <a:rPr lang="en-US" smtClean="0"/>
+              <a:t>1-&gt;11</a:t>
+            </a:r>
+          </a:p>
+          <a:p>
+            <a:r>
+              <a:rPr lang="en-US" smtClean="0"/>
+              <a:t>1-&gt; 2,3-&gt; 6 -&gt;7 -&gt; 9-&gt;10-&gt;1</a:t>
+            </a:r>
+          </a:p>
+          <a:p>
+            <a:r>
+              <a:rPr lang="en-US" smtClean="0"/>
+              <a:t>1-&gt;2,3 -&gt;6 -&gt;8 -&gt; 9-&gt;10-&gt;1</a:t>
+            </a:r>
+          </a:p>
+          <a:p>
+            <a:r>
+              <a:rPr lang="en-US" smtClean="0"/>
+              <a:t>1-&gt; 2,3 -&gt;4,5 -&gt;10, -&gt; 1</a:t>
+            </a:r>
+            <a:endParaRPr lang="en-US"/>
+          </a:p>
+        </p:txBody>
+      </p:sp>
+    </p:spTree>
+    <p:extLst>
+      <p:ext uri="{BB962C8B-B14F-4D97-AF65-F5344CB8AC3E}">
+        <p14:creationId xmlns:p14="http://schemas.microsoft.com/office/powerpoint/2010/main" val="1228688406"/>
+      </p:ext>
+    </p:extLst>
+  </p:cSld>
+  <p:clrMapOvr>
+    <a:masterClrMapping/>
+  </p:clrMapOvr>
+</p:sld>
+</file>
+
+<file path=ppt/slides/slide76.xml><?xml version="1.0" encoding="utf-8"?>
+<p:sld xmlns:a="http://schemas.openxmlformats.org/drawingml/2006/main" xmlns:r="http://schemas.openxmlformats.org/officeDocument/2006/relationships" xmlns:p="http://schemas.openxmlformats.org/presentationml/2006/main">
+  <p:cSld>
+    <p:spTree>
+      <p:nvGrpSpPr>
+        <p:cNvPr id="1" name=""/>
+        <p:cNvGrpSpPr/>
+        <p:nvPr/>
+      </p:nvGrpSpPr>
+      <p:grpSpPr>
+        <a:xfrm>
+          <a:off x="0" y="0"/>
+          <a:ext cx="0" cy="0"/>
+          <a:chOff x="0" y="0"/>
+          <a:chExt cx="0" cy="0"/>
+        </a:xfrm>
+      </p:grpSpPr>
+      <p:sp>
+        <p:nvSpPr>
+          <p:cNvPr id="2" name="Title 1"/>
+          <p:cNvSpPr>
+            <a:spLocks noGrp="1"/>
+          </p:cNvSpPr>
+          <p:nvPr>
+            <p:ph type="title"/>
+          </p:nvPr>
+        </p:nvSpPr>
+        <p:spPr/>
+        <p:txBody>
+          <a:bodyPr/>
+          <a:lstStyle/>
+          <a:p>
+            <a:r>
+              <a:rPr lang="en-US" smtClean="0"/>
+              <a:t>Whiteboxtest – đồ thị dòng</a:t>
+            </a:r>
+            <a:endParaRPr lang="en-US"/>
+          </a:p>
+        </p:txBody>
+      </p:sp>
+      <p:pic>
+        <p:nvPicPr>
+          <p:cNvPr id="9" name="Picture 8"/>
+          <p:cNvPicPr>
+            <a:picLocks noChangeAspect="1"/>
+          </p:cNvPicPr>
+          <p:nvPr/>
+        </p:nvPicPr>
+        <p:blipFill>
+          <a:blip r:embed="rId3"/>
+          <a:stretch>
+            <a:fillRect/>
+          </a:stretch>
+        </p:blipFill>
+        <p:spPr>
+          <a:xfrm>
+            <a:off x="673101" y="1825625"/>
+            <a:ext cx="5263752" cy="4191001"/>
+          </a:xfrm>
+          <a:prstGeom prst="rect">
+            <a:avLst/>
+          </a:prstGeom>
+        </p:spPr>
+      </p:pic>
+      <p:pic>
+        <p:nvPicPr>
+          <p:cNvPr id="13" name="Picture 12"/>
+          <p:cNvPicPr>
+            <a:picLocks noChangeAspect="1"/>
+          </p:cNvPicPr>
+          <p:nvPr/>
+        </p:nvPicPr>
+        <p:blipFill>
+          <a:blip r:embed="rId4"/>
+          <a:stretch>
+            <a:fillRect/>
+          </a:stretch>
+        </p:blipFill>
+        <p:spPr>
+          <a:xfrm>
+            <a:off x="5821164" y="1835151"/>
+            <a:ext cx="5648325" cy="4181475"/>
+          </a:xfrm>
+          <a:prstGeom prst="rect">
+            <a:avLst/>
+          </a:prstGeom>
+        </p:spPr>
+      </p:pic>
+    </p:spTree>
+    <p:extLst>
+      <p:ext uri="{BB962C8B-B14F-4D97-AF65-F5344CB8AC3E}">
+        <p14:creationId xmlns:p14="http://schemas.microsoft.com/office/powerpoint/2010/main" val="1262867794"/>
+      </p:ext>
+    </p:extLst>
+  </p:cSld>
+  <p:clrMapOvr>
+    <a:masterClrMapping/>
+  </p:clrMapOvr>
+</p:sld>
+</file>
+
+<file path=ppt/slides/slide77.xml><?xml version="1.0" encoding="utf-8"?>
+<p:sld xmlns:a="http://schemas.openxmlformats.org/drawingml/2006/main" xmlns:r="http://schemas.openxmlformats.org/officeDocument/2006/relationships" xmlns:p="http://schemas.openxmlformats.org/presentationml/2006/main">
+  <p:cSld>
+    <p:spTree>
+      <p:nvGrpSpPr>
+        <p:cNvPr id="1" name=""/>
+        <p:cNvGrpSpPr/>
+        <p:nvPr/>
+      </p:nvGrpSpPr>
+      <p:grpSpPr>
+        <a:xfrm>
+          <a:off x="0" y="0"/>
+          <a:ext cx="0" cy="0"/>
+          <a:chOff x="0" y="0"/>
+          <a:chExt cx="0" cy="0"/>
+        </a:xfrm>
+      </p:grpSpPr>
+      <p:sp>
+        <p:nvSpPr>
+          <p:cNvPr id="2" name="Title 1"/>
+          <p:cNvSpPr>
+            <a:spLocks noGrp="1"/>
+          </p:cNvSpPr>
+          <p:nvPr>
+            <p:ph type="title"/>
+          </p:nvPr>
+        </p:nvSpPr>
+        <p:spPr/>
+        <p:txBody>
+          <a:bodyPr/>
+          <a:lstStyle/>
+          <a:p>
+            <a:r>
+              <a:rPr lang="en-US" smtClean="0"/>
+              <a:t>Whiteboxtest – đồ thị dòng</a:t>
+            </a:r>
+            <a:endParaRPr lang="en-US"/>
+          </a:p>
+        </p:txBody>
+      </p:sp>
+      <p:pic>
+        <p:nvPicPr>
+          <p:cNvPr id="5" name="Picture 4"/>
+          <p:cNvPicPr>
+            <a:picLocks noChangeAspect="1"/>
+          </p:cNvPicPr>
+          <p:nvPr/>
+        </p:nvPicPr>
+        <p:blipFill>
+          <a:blip r:embed="rId3"/>
+          <a:stretch>
+            <a:fillRect/>
+          </a:stretch>
+        </p:blipFill>
+        <p:spPr>
+          <a:xfrm>
+            <a:off x="838200" y="2165351"/>
+            <a:ext cx="4229100" cy="828675"/>
+          </a:xfrm>
+          <a:prstGeom prst="rect">
+            <a:avLst/>
+          </a:prstGeom>
+        </p:spPr>
+      </p:pic>
+      <p:pic>
+        <p:nvPicPr>
+          <p:cNvPr id="6" name="Picture 5"/>
+          <p:cNvPicPr>
+            <a:picLocks noChangeAspect="1"/>
+          </p:cNvPicPr>
+          <p:nvPr/>
+        </p:nvPicPr>
+        <p:blipFill>
+          <a:blip r:embed="rId4"/>
+          <a:stretch>
+            <a:fillRect/>
+          </a:stretch>
+        </p:blipFill>
+        <p:spPr>
+          <a:xfrm>
+            <a:off x="838200" y="3097212"/>
+            <a:ext cx="3257550" cy="1628775"/>
+          </a:xfrm>
+          <a:prstGeom prst="rect">
+            <a:avLst/>
+          </a:prstGeom>
+        </p:spPr>
+      </p:pic>
+      <p:pic>
+        <p:nvPicPr>
+          <p:cNvPr id="7" name="Picture 6"/>
+          <p:cNvPicPr>
+            <a:picLocks noChangeAspect="1"/>
+          </p:cNvPicPr>
+          <p:nvPr/>
+        </p:nvPicPr>
+        <p:blipFill>
+          <a:blip r:embed="rId5"/>
+          <a:stretch>
+            <a:fillRect/>
+          </a:stretch>
+        </p:blipFill>
+        <p:spPr>
+          <a:xfrm>
+            <a:off x="5883275" y="1690688"/>
+            <a:ext cx="4591050" cy="4057650"/>
+          </a:xfrm>
+          <a:prstGeom prst="rect">
+            <a:avLst/>
+          </a:prstGeom>
+        </p:spPr>
+      </p:pic>
+    </p:spTree>
+    <p:extLst>
+      <p:ext uri="{BB962C8B-B14F-4D97-AF65-F5344CB8AC3E}">
+        <p14:creationId xmlns:p14="http://schemas.microsoft.com/office/powerpoint/2010/main" val="3750155615"/>
+      </p:ext>
+    </p:extLst>
+  </p:cSld>
+  <p:clrMapOvr>
+    <a:masterClrMapping/>
+  </p:clrMapOvr>
+</p:sld>
+</file>
+
+<file path=ppt/slides/slide78.xml><?xml version="1.0" encoding="utf-8"?>
+<p:sld xmlns:a="http://schemas.openxmlformats.org/drawingml/2006/main" xmlns:r="http://schemas.openxmlformats.org/officeDocument/2006/relationships" xmlns:p="http://schemas.openxmlformats.org/presentationml/2006/main">
+  <p:cSld>
+    <p:spTree>
+      <p:nvGrpSpPr>
+        <p:cNvPr id="1" name=""/>
+        <p:cNvGrpSpPr/>
+        <p:nvPr/>
+      </p:nvGrpSpPr>
+      <p:grpSpPr>
+        <a:xfrm>
+          <a:off x="0" y="0"/>
+          <a:ext cx="0" cy="0"/>
+          <a:chOff x="0" y="0"/>
+          <a:chExt cx="0" cy="0"/>
+        </a:xfrm>
+      </p:grpSpPr>
+      <p:sp>
+        <p:nvSpPr>
+          <p:cNvPr id="2" name="Title 1"/>
+          <p:cNvSpPr>
+            <a:spLocks noGrp="1"/>
+          </p:cNvSpPr>
+          <p:nvPr>
+            <p:ph type="title"/>
+          </p:nvPr>
+        </p:nvSpPr>
+        <p:spPr/>
+        <p:txBody>
+          <a:bodyPr/>
+          <a:lstStyle/>
+          <a:p>
+            <a:r>
+              <a:rPr lang="en-US" smtClean="0"/>
+              <a:t>Luyện tập</a:t>
+            </a:r>
+            <a:endParaRPr lang="en-US"/>
+          </a:p>
+        </p:txBody>
+      </p:sp>
+      <p:sp>
+        <p:nvSpPr>
+          <p:cNvPr id="3" name="Content Placeholder 2"/>
+          <p:cNvSpPr>
+            <a:spLocks noGrp="1"/>
+          </p:cNvSpPr>
+          <p:nvPr>
+            <p:ph idx="1"/>
+          </p:nvPr>
+        </p:nvSpPr>
+        <p:spPr/>
+        <p:txBody>
+          <a:bodyPr/>
+          <a:lstStyle/>
+          <a:p>
+            <a:r>
+              <a:rPr lang="en-US" smtClean="0"/>
+              <a:t>Xác định số testcase min</a:t>
+            </a:r>
+          </a:p>
+          <a:p>
+            <a:endParaRPr lang="en-US" smtClean="0"/>
+          </a:p>
+          <a:p>
+            <a:endParaRPr lang="en-US"/>
+          </a:p>
+          <a:p>
+            <a:endParaRPr lang="en-US" smtClean="0"/>
+          </a:p>
+          <a:p>
+            <a:endParaRPr lang="en-US"/>
+          </a:p>
+          <a:p>
+            <a:r>
+              <a:rPr lang="en-US" smtClean="0"/>
+              <a:t>1,2,4,6,7</a:t>
+            </a:r>
+          </a:p>
+          <a:p>
+            <a:r>
+              <a:rPr lang="en-US" smtClean="0"/>
+              <a:t>1,3,4,5,7</a:t>
+            </a:r>
+            <a:endParaRPr lang="en-US"/>
+          </a:p>
+        </p:txBody>
+      </p:sp>
+      <p:pic>
+        <p:nvPicPr>
+          <p:cNvPr id="6" name="Picture 5"/>
+          <p:cNvPicPr>
+            <a:picLocks noChangeAspect="1"/>
+          </p:cNvPicPr>
+          <p:nvPr/>
+        </p:nvPicPr>
+        <p:blipFill>
+          <a:blip r:embed="rId2"/>
+          <a:stretch>
+            <a:fillRect/>
+          </a:stretch>
+        </p:blipFill>
+        <p:spPr>
+          <a:xfrm>
+            <a:off x="1122362" y="2425700"/>
+            <a:ext cx="1590675" cy="1905000"/>
+          </a:xfrm>
+          <a:prstGeom prst="rect">
+            <a:avLst/>
+          </a:prstGeom>
+        </p:spPr>
+      </p:pic>
+      <p:sp>
+        <p:nvSpPr>
+          <p:cNvPr id="7" name="Oval 6"/>
+          <p:cNvSpPr/>
+          <p:nvPr/>
+        </p:nvSpPr>
+        <p:spPr>
+          <a:xfrm>
+            <a:off x="7061200" y="2044700"/>
+            <a:ext cx="609600" cy="584200"/>
+          </a:xfrm>
+          <a:prstGeom prst="ellipse">
+            <a:avLst/>
+          </a:prstGeom>
+          <a:solidFill>
+            <a:schemeClr val="accent2"/>
+          </a:solidFill>
+        </p:spPr>
+        <p:style>
+          <a:lnRef idx="2">
+            <a:schemeClr val="accent1">
+              <a:shade val="50000"/>
+            </a:schemeClr>
+          </a:lnRef>
+          <a:fillRef idx="1">
+            <a:schemeClr val="accent1"/>
+          </a:fillRef>
+          <a:effectRef idx="0">
+            <a:schemeClr val="accent1"/>
+          </a:effectRef>
+          <a:fontRef idx="minor">
+            <a:schemeClr val="lt1"/>
+          </a:fontRef>
+        </p:style>
+        <p:txBody>
+          <a:bodyPr rtlCol="0" anchor="ctr"/>
+          <a:lstStyle/>
+          <a:p>
+            <a:pPr algn="ctr"/>
+            <a:r>
+              <a:rPr lang="en-US"/>
+              <a:t>1</a:t>
+            </a:r>
+          </a:p>
+        </p:txBody>
+      </p:sp>
+      <p:sp>
+        <p:nvSpPr>
+          <p:cNvPr id="8" name="Oval 7"/>
+          <p:cNvSpPr/>
+          <p:nvPr/>
+        </p:nvSpPr>
+        <p:spPr>
+          <a:xfrm>
+            <a:off x="6388100" y="2832100"/>
+            <a:ext cx="558800" cy="520700"/>
+          </a:xfrm>
+          <a:prstGeom prst="ellipse">
+            <a:avLst/>
+          </a:prstGeom>
+        </p:spPr>
+        <p:style>
+          <a:lnRef idx="2">
+            <a:schemeClr val="accent1">
+              <a:shade val="50000"/>
+            </a:schemeClr>
+          </a:lnRef>
+          <a:fillRef idx="1">
+            <a:schemeClr val="accent1"/>
+          </a:fillRef>
+          <a:effectRef idx="0">
+            <a:schemeClr val="accent1"/>
+          </a:effectRef>
+          <a:fontRef idx="minor">
+            <a:schemeClr val="lt1"/>
+          </a:fontRef>
+        </p:style>
+        <p:txBody>
+          <a:bodyPr rtlCol="0" anchor="ctr"/>
+          <a:lstStyle/>
+          <a:p>
+            <a:pPr algn="ctr"/>
+            <a:r>
+              <a:rPr lang="en-US" smtClean="0"/>
+              <a:t>3</a:t>
+            </a:r>
+            <a:endParaRPr lang="en-US"/>
+          </a:p>
+        </p:txBody>
+      </p:sp>
+      <p:sp>
+        <p:nvSpPr>
+          <p:cNvPr id="9" name="Oval 8"/>
+          <p:cNvSpPr/>
+          <p:nvPr/>
+        </p:nvSpPr>
+        <p:spPr>
+          <a:xfrm>
+            <a:off x="7810500" y="2832100"/>
+            <a:ext cx="647700" cy="520700"/>
+          </a:xfrm>
+          <a:prstGeom prst="ellipse">
+            <a:avLst/>
+          </a:prstGeom>
+        </p:spPr>
+        <p:style>
+          <a:lnRef idx="2">
+            <a:schemeClr val="accent1">
+              <a:shade val="50000"/>
+            </a:schemeClr>
+          </a:lnRef>
+          <a:fillRef idx="1">
+            <a:schemeClr val="accent1"/>
+          </a:fillRef>
+          <a:effectRef idx="0">
+            <a:schemeClr val="accent1"/>
+          </a:effectRef>
+          <a:fontRef idx="minor">
+            <a:schemeClr val="lt1"/>
+          </a:fontRef>
+        </p:style>
+        <p:txBody>
+          <a:bodyPr rtlCol="0" anchor="ctr"/>
+          <a:lstStyle/>
+          <a:p>
+            <a:pPr algn="ctr"/>
+            <a:r>
+              <a:rPr lang="en-US" smtClean="0"/>
+              <a:t>2</a:t>
+            </a:r>
+            <a:endParaRPr lang="en-US"/>
+          </a:p>
+        </p:txBody>
+      </p:sp>
+      <p:sp>
+        <p:nvSpPr>
+          <p:cNvPr id="10" name="Oval 9"/>
+          <p:cNvSpPr/>
+          <p:nvPr/>
+        </p:nvSpPr>
+        <p:spPr>
+          <a:xfrm>
+            <a:off x="7162800" y="3378200"/>
+            <a:ext cx="609600" cy="623094"/>
+          </a:xfrm>
+          <a:prstGeom prst="ellipse">
+            <a:avLst/>
+          </a:prstGeom>
+          <a:solidFill>
+            <a:schemeClr val="accent2"/>
+          </a:solidFill>
+        </p:spPr>
+        <p:style>
+          <a:lnRef idx="2">
+            <a:schemeClr val="accent1">
+              <a:shade val="50000"/>
+            </a:schemeClr>
+          </a:lnRef>
+          <a:fillRef idx="1">
+            <a:schemeClr val="accent1"/>
+          </a:fillRef>
+          <a:effectRef idx="0">
+            <a:schemeClr val="accent1"/>
+          </a:effectRef>
+          <a:fontRef idx="minor">
+            <a:schemeClr val="lt1"/>
+          </a:fontRef>
+        </p:style>
+        <p:txBody>
+          <a:bodyPr rtlCol="0" anchor="ctr"/>
+          <a:lstStyle/>
+          <a:p>
+            <a:pPr algn="ctr"/>
+            <a:r>
+              <a:rPr lang="en-US" smtClean="0"/>
+              <a:t>4</a:t>
+            </a:r>
+            <a:endParaRPr lang="en-US"/>
+          </a:p>
+        </p:txBody>
+      </p:sp>
+      <p:sp>
+        <p:nvSpPr>
+          <p:cNvPr id="11" name="Oval 10"/>
+          <p:cNvSpPr/>
+          <p:nvPr/>
+        </p:nvSpPr>
+        <p:spPr>
+          <a:xfrm>
+            <a:off x="6388100" y="4136231"/>
+            <a:ext cx="558800" cy="588169"/>
+          </a:xfrm>
+          <a:prstGeom prst="ellipse">
+            <a:avLst/>
+          </a:prstGeom>
+        </p:spPr>
+        <p:style>
+          <a:lnRef idx="2">
+            <a:schemeClr val="accent1">
+              <a:shade val="50000"/>
+            </a:schemeClr>
+          </a:lnRef>
+          <a:fillRef idx="1">
+            <a:schemeClr val="accent1"/>
+          </a:fillRef>
+          <a:effectRef idx="0">
+            <a:schemeClr val="accent1"/>
+          </a:effectRef>
+          <a:fontRef idx="minor">
+            <a:schemeClr val="lt1"/>
+          </a:fontRef>
+        </p:style>
+        <p:txBody>
+          <a:bodyPr rtlCol="0" anchor="ctr"/>
+          <a:lstStyle/>
+          <a:p>
+            <a:pPr algn="ctr"/>
+            <a:r>
+              <a:rPr lang="en-US" smtClean="0"/>
+              <a:t>5</a:t>
+            </a:r>
+            <a:endParaRPr lang="en-US"/>
+          </a:p>
+        </p:txBody>
+      </p:sp>
+      <p:sp>
+        <p:nvSpPr>
+          <p:cNvPr id="12" name="Oval 11"/>
+          <p:cNvSpPr/>
+          <p:nvPr/>
+        </p:nvSpPr>
+        <p:spPr>
+          <a:xfrm>
+            <a:off x="8051800" y="4140200"/>
+            <a:ext cx="533400" cy="660400"/>
+          </a:xfrm>
+          <a:prstGeom prst="ellipse">
+            <a:avLst/>
+          </a:prstGeom>
+        </p:spPr>
+        <p:style>
+          <a:lnRef idx="2">
+            <a:schemeClr val="accent1">
+              <a:shade val="50000"/>
+            </a:schemeClr>
+          </a:lnRef>
+          <a:fillRef idx="1">
+            <a:schemeClr val="accent1"/>
+          </a:fillRef>
+          <a:effectRef idx="0">
+            <a:schemeClr val="accent1"/>
+          </a:effectRef>
+          <a:fontRef idx="minor">
+            <a:schemeClr val="lt1"/>
+          </a:fontRef>
+        </p:style>
+        <p:txBody>
+          <a:bodyPr rtlCol="0" anchor="ctr"/>
+          <a:lstStyle/>
+          <a:p>
+            <a:pPr algn="ctr"/>
+            <a:r>
+              <a:rPr lang="en-US" smtClean="0"/>
+              <a:t>6</a:t>
+            </a:r>
+            <a:endParaRPr lang="en-US"/>
+          </a:p>
+        </p:txBody>
+      </p:sp>
+      <p:sp>
+        <p:nvSpPr>
+          <p:cNvPr id="13" name="Oval 12"/>
+          <p:cNvSpPr/>
+          <p:nvPr/>
+        </p:nvSpPr>
+        <p:spPr>
+          <a:xfrm>
+            <a:off x="7226300" y="4906169"/>
+            <a:ext cx="596900" cy="647700"/>
+          </a:xfrm>
+          <a:prstGeom prst="ellipse">
+            <a:avLst/>
+          </a:prstGeom>
+          <a:solidFill>
+            <a:schemeClr val="accent2"/>
+          </a:solidFill>
+        </p:spPr>
+        <p:style>
+          <a:lnRef idx="2">
+            <a:schemeClr val="accent1">
+              <a:shade val="50000"/>
+            </a:schemeClr>
+          </a:lnRef>
+          <a:fillRef idx="1">
+            <a:schemeClr val="accent1"/>
+          </a:fillRef>
+          <a:effectRef idx="0">
+            <a:schemeClr val="accent1"/>
+          </a:effectRef>
+          <a:fontRef idx="minor">
+            <a:schemeClr val="lt1"/>
+          </a:fontRef>
+        </p:style>
+        <p:txBody>
+          <a:bodyPr rtlCol="0" anchor="ctr"/>
+          <a:lstStyle/>
+          <a:p>
+            <a:pPr algn="ctr"/>
+            <a:r>
+              <a:rPr lang="en-US" smtClean="0"/>
+              <a:t>7</a:t>
+            </a:r>
+            <a:endParaRPr lang="en-US"/>
+          </a:p>
+        </p:txBody>
+      </p:sp>
+      <p:cxnSp>
+        <p:nvCxnSpPr>
+          <p:cNvPr id="15" name="Straight Arrow Connector 14"/>
+          <p:cNvCxnSpPr/>
+          <p:nvPr/>
+        </p:nvCxnSpPr>
+        <p:spPr>
+          <a:xfrm flipH="1">
+            <a:off x="6616700" y="2425700"/>
+            <a:ext cx="546100" cy="558800"/>
+          </a:xfrm>
+          <a:prstGeom prst="straightConnector1">
+            <a:avLst/>
+          </a:prstGeom>
+          <a:ln>
+            <a:tailEnd type="triangle"/>
+          </a:ln>
+        </p:spPr>
+        <p:style>
+          <a:lnRef idx="1">
+            <a:schemeClr val="accent1"/>
+          </a:lnRef>
+          <a:fillRef idx="0">
+            <a:schemeClr val="accent1"/>
+          </a:fillRef>
+          <a:effectRef idx="0">
+            <a:schemeClr val="accent1"/>
+          </a:effectRef>
+          <a:fontRef idx="minor">
+            <a:schemeClr val="tx1"/>
+          </a:fontRef>
+        </p:style>
+      </p:cxnSp>
+      <p:cxnSp>
+        <p:nvCxnSpPr>
+          <p:cNvPr id="17" name="Straight Arrow Connector 16"/>
+          <p:cNvCxnSpPr>
+            <a:stCxn id="8" idx="5"/>
+          </p:cNvCxnSpPr>
+          <p:nvPr/>
+        </p:nvCxnSpPr>
+        <p:spPr>
+          <a:xfrm>
+            <a:off x="6865066" y="3276545"/>
+            <a:ext cx="500934" cy="279455"/>
+          </a:xfrm>
+          <a:prstGeom prst="straightConnector1">
+            <a:avLst/>
+          </a:prstGeom>
+          <a:ln>
+            <a:tailEnd type="triangle"/>
+          </a:ln>
+        </p:spPr>
+        <p:style>
+          <a:lnRef idx="1">
+            <a:schemeClr val="accent1"/>
+          </a:lnRef>
+          <a:fillRef idx="0">
+            <a:schemeClr val="accent1"/>
+          </a:fillRef>
+          <a:effectRef idx="0">
+            <a:schemeClr val="accent1"/>
+          </a:effectRef>
+          <a:fontRef idx="minor">
+            <a:schemeClr val="tx1"/>
+          </a:fontRef>
+        </p:style>
+      </p:cxnSp>
+      <p:cxnSp>
+        <p:nvCxnSpPr>
+          <p:cNvPr id="19" name="Straight Arrow Connector 18"/>
+          <p:cNvCxnSpPr>
+            <a:stCxn id="7" idx="6"/>
+            <a:endCxn id="9" idx="0"/>
+          </p:cNvCxnSpPr>
+          <p:nvPr/>
+        </p:nvCxnSpPr>
+        <p:spPr>
+          <a:xfrm>
+            <a:off x="7670800" y="2336800"/>
+            <a:ext cx="463550" cy="495300"/>
+          </a:xfrm>
+          <a:prstGeom prst="straightConnector1">
+            <a:avLst/>
+          </a:prstGeom>
+          <a:ln>
+            <a:tailEnd type="triangle"/>
+          </a:ln>
+        </p:spPr>
+        <p:style>
+          <a:lnRef idx="1">
+            <a:schemeClr val="accent1"/>
+          </a:lnRef>
+          <a:fillRef idx="0">
+            <a:schemeClr val="accent1"/>
+          </a:fillRef>
+          <a:effectRef idx="0">
+            <a:schemeClr val="accent1"/>
+          </a:effectRef>
+          <a:fontRef idx="minor">
+            <a:schemeClr val="tx1"/>
+          </a:fontRef>
+        </p:style>
+      </p:cxnSp>
+      <p:cxnSp>
+        <p:nvCxnSpPr>
+          <p:cNvPr id="21" name="Straight Arrow Connector 20"/>
+          <p:cNvCxnSpPr>
+            <a:stCxn id="9" idx="4"/>
+            <a:endCxn id="10" idx="7"/>
+          </p:cNvCxnSpPr>
+          <p:nvPr/>
+        </p:nvCxnSpPr>
+        <p:spPr>
+          <a:xfrm flipH="1">
+            <a:off x="7683126" y="3352800"/>
+            <a:ext cx="451224" cy="116650"/>
+          </a:xfrm>
+          <a:prstGeom prst="straightConnector1">
+            <a:avLst/>
+          </a:prstGeom>
+          <a:ln>
+            <a:tailEnd type="triangle"/>
+          </a:ln>
+        </p:spPr>
+        <p:style>
+          <a:lnRef idx="1">
+            <a:schemeClr val="accent1"/>
+          </a:lnRef>
+          <a:fillRef idx="0">
+            <a:schemeClr val="accent1"/>
+          </a:fillRef>
+          <a:effectRef idx="0">
+            <a:schemeClr val="accent1"/>
+          </a:effectRef>
+          <a:fontRef idx="minor">
+            <a:schemeClr val="tx1"/>
+          </a:fontRef>
+        </p:style>
+      </p:cxnSp>
+      <p:cxnSp>
+        <p:nvCxnSpPr>
+          <p:cNvPr id="23" name="Straight Arrow Connector 22"/>
+          <p:cNvCxnSpPr>
+            <a:stCxn id="10" idx="3"/>
+            <a:endCxn id="11" idx="7"/>
+          </p:cNvCxnSpPr>
+          <p:nvPr/>
+        </p:nvCxnSpPr>
+        <p:spPr>
+          <a:xfrm flipH="1">
+            <a:off x="6865066" y="3910044"/>
+            <a:ext cx="387008" cy="312322"/>
+          </a:xfrm>
+          <a:prstGeom prst="straightConnector1">
+            <a:avLst/>
+          </a:prstGeom>
+          <a:ln>
+            <a:tailEnd type="triangle"/>
+          </a:ln>
+        </p:spPr>
+        <p:style>
+          <a:lnRef idx="1">
+            <a:schemeClr val="accent1"/>
+          </a:lnRef>
+          <a:fillRef idx="0">
+            <a:schemeClr val="accent1"/>
+          </a:fillRef>
+          <a:effectRef idx="0">
+            <a:schemeClr val="accent1"/>
+          </a:effectRef>
+          <a:fontRef idx="minor">
+            <a:schemeClr val="tx1"/>
+          </a:fontRef>
+        </p:style>
+      </p:cxnSp>
+      <p:cxnSp>
+        <p:nvCxnSpPr>
+          <p:cNvPr id="25" name="Straight Arrow Connector 24"/>
+          <p:cNvCxnSpPr>
+            <a:stCxn id="11" idx="5"/>
+            <a:endCxn id="13" idx="1"/>
+          </p:cNvCxnSpPr>
+          <p:nvPr/>
+        </p:nvCxnSpPr>
+        <p:spPr>
+          <a:xfrm>
+            <a:off x="6865066" y="4638265"/>
+            <a:ext cx="448648" cy="362757"/>
+          </a:xfrm>
+          <a:prstGeom prst="straightConnector1">
+            <a:avLst/>
+          </a:prstGeom>
+          <a:ln>
+            <a:tailEnd type="triangle"/>
+          </a:ln>
+        </p:spPr>
+        <p:style>
+          <a:lnRef idx="1">
+            <a:schemeClr val="accent1"/>
+          </a:lnRef>
+          <a:fillRef idx="0">
+            <a:schemeClr val="accent1"/>
+          </a:fillRef>
+          <a:effectRef idx="0">
+            <a:schemeClr val="accent1"/>
+          </a:effectRef>
+          <a:fontRef idx="minor">
+            <a:schemeClr val="tx1"/>
+          </a:fontRef>
+        </p:style>
+      </p:cxnSp>
+      <p:cxnSp>
+        <p:nvCxnSpPr>
+          <p:cNvPr id="27" name="Straight Arrow Connector 26"/>
+          <p:cNvCxnSpPr>
+            <a:stCxn id="10" idx="6"/>
+            <a:endCxn id="12" idx="1"/>
+          </p:cNvCxnSpPr>
+          <p:nvPr/>
+        </p:nvCxnSpPr>
+        <p:spPr>
+          <a:xfrm>
+            <a:off x="7772400" y="3689747"/>
+            <a:ext cx="357515" cy="547166"/>
+          </a:xfrm>
+          <a:prstGeom prst="straightConnector1">
+            <a:avLst/>
+          </a:prstGeom>
+          <a:ln>
+            <a:tailEnd type="triangle"/>
+          </a:ln>
+        </p:spPr>
+        <p:style>
+          <a:lnRef idx="1">
+            <a:schemeClr val="accent1"/>
+          </a:lnRef>
+          <a:fillRef idx="0">
+            <a:schemeClr val="accent1"/>
+          </a:fillRef>
+          <a:effectRef idx="0">
+            <a:schemeClr val="accent1"/>
+          </a:effectRef>
+          <a:fontRef idx="minor">
+            <a:schemeClr val="tx1"/>
+          </a:fontRef>
+        </p:style>
+      </p:cxnSp>
+      <p:cxnSp>
+        <p:nvCxnSpPr>
+          <p:cNvPr id="29" name="Straight Arrow Connector 28"/>
+          <p:cNvCxnSpPr>
+            <a:stCxn id="12" idx="4"/>
+            <a:endCxn id="13" idx="7"/>
+          </p:cNvCxnSpPr>
+          <p:nvPr/>
+        </p:nvCxnSpPr>
+        <p:spPr>
+          <a:xfrm flipH="1">
+            <a:off x="7735786" y="4800600"/>
+            <a:ext cx="582714" cy="200422"/>
+          </a:xfrm>
+          <a:prstGeom prst="straightConnector1">
+            <a:avLst/>
+          </a:prstGeom>
+          <a:ln>
+            <a:tailEnd type="triangle"/>
+          </a:ln>
+        </p:spPr>
+        <p:style>
+          <a:lnRef idx="1">
+            <a:schemeClr val="accent1"/>
+          </a:lnRef>
+          <a:fillRef idx="0">
+            <a:schemeClr val="accent1"/>
+          </a:fillRef>
+          <a:effectRef idx="0">
+            <a:schemeClr val="accent1"/>
+          </a:effectRef>
+          <a:fontRef idx="minor">
+            <a:schemeClr val="tx1"/>
+          </a:fontRef>
+        </p:style>
+      </p:cxnSp>
+    </p:spTree>
+    <p:extLst>
+      <p:ext uri="{BB962C8B-B14F-4D97-AF65-F5344CB8AC3E}">
+        <p14:creationId xmlns:p14="http://schemas.microsoft.com/office/powerpoint/2010/main" val="1084878784"/>
+      </p:ext>
+    </p:extLst>
+  </p:cSld>
+  <p:clrMapOvr>
+    <a:masterClrMapping/>
+  </p:clrMapOvr>
+</p:sld>
+</file>
+
+<file path=ppt/slides/slide79.xml><?xml version="1.0" encoding="utf-8"?>
+<p:sld xmlns:a="http://schemas.openxmlformats.org/drawingml/2006/main" xmlns:r="http://schemas.openxmlformats.org/officeDocument/2006/relationships" xmlns:p="http://schemas.openxmlformats.org/presentationml/2006/main">
+  <p:cSld>
+    <p:spTree>
+      <p:nvGrpSpPr>
+        <p:cNvPr id="1" name=""/>
+        <p:cNvGrpSpPr/>
+        <p:nvPr/>
+      </p:nvGrpSpPr>
+      <p:grpSpPr>
+        <a:xfrm>
+          <a:off x="0" y="0"/>
+          <a:ext cx="0" cy="0"/>
+          <a:chOff x="0" y="0"/>
+          <a:chExt cx="0" cy="0"/>
+        </a:xfrm>
+      </p:grpSpPr>
+      <p:sp>
+        <p:nvSpPr>
+          <p:cNvPr id="2" name="Title 1"/>
+          <p:cNvSpPr>
+            <a:spLocks noGrp="1"/>
+          </p:cNvSpPr>
+          <p:nvPr>
+            <p:ph type="title"/>
+          </p:nvPr>
+        </p:nvSpPr>
+        <p:spPr/>
+        <p:txBody>
+          <a:bodyPr/>
+          <a:lstStyle/>
+          <a:p>
+            <a:r>
+              <a:rPr lang="en-US" smtClean="0"/>
+              <a:t>Luyện tập</a:t>
+            </a:r>
+            <a:endParaRPr lang="en-US"/>
+          </a:p>
+        </p:txBody>
+      </p:sp>
+      <p:sp>
+        <p:nvSpPr>
+          <p:cNvPr id="3" name="Content Placeholder 2"/>
+          <p:cNvSpPr>
+            <a:spLocks noGrp="1"/>
+          </p:cNvSpPr>
+          <p:nvPr>
+            <p:ph idx="1"/>
+          </p:nvPr>
+        </p:nvSpPr>
+        <p:spPr/>
+        <p:txBody>
+          <a:bodyPr/>
+          <a:lstStyle/>
+          <a:p>
+            <a:r>
+              <a:rPr lang="en-US" smtClean="0"/>
+              <a:t>Xác định số testcase min</a:t>
+            </a:r>
+          </a:p>
+          <a:p>
+            <a:endParaRPr lang="en-US" smtClean="0"/>
+          </a:p>
+          <a:p>
+            <a:endParaRPr lang="en-US"/>
+          </a:p>
+          <a:p>
+            <a:endParaRPr lang="en-US" smtClean="0"/>
+          </a:p>
+          <a:p>
+            <a:endParaRPr lang="en-US"/>
+          </a:p>
+          <a:p>
+            <a:pPr marL="0" indent="0">
+              <a:buNone/>
+            </a:pPr>
+            <a:endParaRPr lang="en-US" smtClean="0"/>
+          </a:p>
+          <a:p>
+            <a:pPr marL="0" indent="0">
+              <a:buNone/>
+            </a:pPr>
+            <a:endParaRPr lang="en-US"/>
+          </a:p>
+        </p:txBody>
+      </p:sp>
+      <p:pic>
+        <p:nvPicPr>
+          <p:cNvPr id="4" name="Picture 3"/>
+          <p:cNvPicPr>
+            <a:picLocks noChangeAspect="1"/>
+          </p:cNvPicPr>
+          <p:nvPr/>
+        </p:nvPicPr>
+        <p:blipFill>
+          <a:blip r:embed="rId2"/>
+          <a:stretch>
+            <a:fillRect/>
+          </a:stretch>
+        </p:blipFill>
+        <p:spPr>
+          <a:xfrm>
+            <a:off x="652237" y="2316956"/>
+            <a:ext cx="2124075" cy="1819275"/>
+          </a:xfrm>
+          <a:prstGeom prst="rect">
+            <a:avLst/>
+          </a:prstGeom>
+        </p:spPr>
+      </p:pic>
+      <p:pic>
+        <p:nvPicPr>
+          <p:cNvPr id="16" name="Picture 15"/>
+          <p:cNvPicPr>
+            <a:picLocks noChangeAspect="1"/>
+          </p:cNvPicPr>
+          <p:nvPr/>
+        </p:nvPicPr>
+        <p:blipFill>
+          <a:blip r:embed="rId3"/>
+          <a:stretch>
+            <a:fillRect/>
+          </a:stretch>
+        </p:blipFill>
+        <p:spPr>
+          <a:xfrm>
+            <a:off x="4967287" y="2316956"/>
+            <a:ext cx="2257425" cy="1371600"/>
+          </a:xfrm>
+          <a:prstGeom prst="rect">
+            <a:avLst/>
+          </a:prstGeom>
+        </p:spPr>
+      </p:pic>
+      <p:pic>
+        <p:nvPicPr>
+          <p:cNvPr id="18" name="Picture 17"/>
+          <p:cNvPicPr>
+            <a:picLocks noChangeAspect="1"/>
+          </p:cNvPicPr>
+          <p:nvPr/>
+        </p:nvPicPr>
+        <p:blipFill>
+          <a:blip r:embed="rId4"/>
+          <a:stretch>
+            <a:fillRect/>
+          </a:stretch>
+        </p:blipFill>
+        <p:spPr>
+          <a:xfrm>
+            <a:off x="5257549" y="4529138"/>
+            <a:ext cx="4371975" cy="1647825"/>
+          </a:xfrm>
+          <a:prstGeom prst="rect">
+            <a:avLst/>
+          </a:prstGeom>
+        </p:spPr>
+      </p:pic>
+      <p:pic>
+        <p:nvPicPr>
+          <p:cNvPr id="5" name="Picture 4"/>
+          <p:cNvPicPr>
+            <a:picLocks noChangeAspect="1"/>
+          </p:cNvPicPr>
+          <p:nvPr/>
+        </p:nvPicPr>
+        <p:blipFill>
+          <a:blip r:embed="rId5"/>
+          <a:stretch>
+            <a:fillRect/>
+          </a:stretch>
+        </p:blipFill>
+        <p:spPr>
+          <a:xfrm>
+            <a:off x="8348662" y="2365376"/>
+            <a:ext cx="3724275" cy="2028825"/>
+          </a:xfrm>
+          <a:prstGeom prst="rect">
+            <a:avLst/>
+          </a:prstGeom>
+        </p:spPr>
+      </p:pic>
+    </p:spTree>
+    <p:extLst>
+      <p:ext uri="{BB962C8B-B14F-4D97-AF65-F5344CB8AC3E}">
+        <p14:creationId xmlns:p14="http://schemas.microsoft.com/office/powerpoint/2010/main" val="3517197924"/>
       </p:ext>
     </p:extLst>
   </p:cSld>
@@ -16449,6 +23148,154 @@
       </p:par>
     </p:tnLst>
   </p:timing>
+</p:sld>
+</file>
+
+<file path=ppt/slides/slide80.xml><?xml version="1.0" encoding="utf-8"?>
+<p:sld xmlns:a="http://schemas.openxmlformats.org/drawingml/2006/main" xmlns:r="http://schemas.openxmlformats.org/officeDocument/2006/relationships" xmlns:p="http://schemas.openxmlformats.org/presentationml/2006/main">
+  <p:cSld>
+    <p:spTree>
+      <p:nvGrpSpPr>
+        <p:cNvPr id="1" name=""/>
+        <p:cNvGrpSpPr/>
+        <p:nvPr/>
+      </p:nvGrpSpPr>
+      <p:grpSpPr>
+        <a:xfrm>
+          <a:off x="0" y="0"/>
+          <a:ext cx="0" cy="0"/>
+          <a:chOff x="0" y="0"/>
+          <a:chExt cx="0" cy="0"/>
+        </a:xfrm>
+      </p:grpSpPr>
+      <p:sp>
+        <p:nvSpPr>
+          <p:cNvPr id="2" name="Title 1"/>
+          <p:cNvSpPr>
+            <a:spLocks noGrp="1"/>
+          </p:cNvSpPr>
+          <p:nvPr>
+            <p:ph type="title"/>
+          </p:nvPr>
+        </p:nvSpPr>
+        <p:spPr/>
+        <p:txBody>
+          <a:bodyPr/>
+          <a:lstStyle/>
+          <a:p>
+            <a:r>
+              <a:rPr lang="en-US" smtClean="0"/>
+              <a:t>Test case template</a:t>
+            </a:r>
+            <a:endParaRPr lang="en-US"/>
+          </a:p>
+        </p:txBody>
+      </p:sp>
+      <p:sp>
+        <p:nvSpPr>
+          <p:cNvPr id="3" name="Content Placeholder 2"/>
+          <p:cNvSpPr>
+            <a:spLocks noGrp="1"/>
+          </p:cNvSpPr>
+          <p:nvPr>
+            <p:ph idx="1"/>
+          </p:nvPr>
+        </p:nvSpPr>
+        <p:spPr/>
+        <p:txBody>
+          <a:bodyPr/>
+          <a:lstStyle/>
+          <a:p>
+            <a:r>
+              <a:rPr lang="en-US" smtClean="0"/>
+              <a:t>Xem hướng dẫn</a:t>
+            </a:r>
+            <a:endParaRPr lang="en-US"/>
+          </a:p>
+        </p:txBody>
+      </p:sp>
+    </p:spTree>
+    <p:extLst>
+      <p:ext uri="{BB962C8B-B14F-4D97-AF65-F5344CB8AC3E}">
+        <p14:creationId xmlns:p14="http://schemas.microsoft.com/office/powerpoint/2010/main" val="4191663417"/>
+      </p:ext>
+    </p:extLst>
+  </p:cSld>
+  <p:clrMapOvr>
+    <a:masterClrMapping/>
+  </p:clrMapOvr>
+</p:sld>
+</file>
+
+<file path=ppt/slides/slide81.xml><?xml version="1.0" encoding="utf-8"?>
+<p:sld xmlns:a="http://schemas.openxmlformats.org/drawingml/2006/main" xmlns:r="http://schemas.openxmlformats.org/officeDocument/2006/relationships" xmlns:p="http://schemas.openxmlformats.org/presentationml/2006/main">
+  <p:cSld>
+    <p:spTree>
+      <p:nvGrpSpPr>
+        <p:cNvPr id="1" name=""/>
+        <p:cNvGrpSpPr/>
+        <p:nvPr/>
+      </p:nvGrpSpPr>
+      <p:grpSpPr>
+        <a:xfrm>
+          <a:off x="0" y="0"/>
+          <a:ext cx="0" cy="0"/>
+          <a:chOff x="0" y="0"/>
+          <a:chExt cx="0" cy="0"/>
+        </a:xfrm>
+      </p:grpSpPr>
+      <p:sp>
+        <p:nvSpPr>
+          <p:cNvPr id="2" name="Title 1"/>
+          <p:cNvSpPr>
+            <a:spLocks noGrp="1"/>
+          </p:cNvSpPr>
+          <p:nvPr>
+            <p:ph type="title"/>
+          </p:nvPr>
+        </p:nvSpPr>
+        <p:spPr/>
+        <p:txBody>
+          <a:bodyPr/>
+          <a:lstStyle/>
+          <a:p>
+            <a:r>
+              <a:rPr lang="en-US" smtClean="0"/>
+              <a:t>Bài tập 2</a:t>
+            </a:r>
+            <a:endParaRPr lang="en-US"/>
+          </a:p>
+        </p:txBody>
+      </p:sp>
+      <p:sp>
+        <p:nvSpPr>
+          <p:cNvPr id="3" name="Content Placeholder 2"/>
+          <p:cNvSpPr>
+            <a:spLocks noGrp="1"/>
+          </p:cNvSpPr>
+          <p:nvPr>
+            <p:ph idx="1"/>
+          </p:nvPr>
+        </p:nvSpPr>
+        <p:spPr/>
+        <p:txBody>
+          <a:bodyPr/>
+          <a:lstStyle/>
+          <a:p>
+            <a:endParaRPr lang="en-US"/>
+          </a:p>
+        </p:txBody>
+      </p:sp>
+    </p:spTree>
+    <p:extLst>
+      <p:ext uri="{BB962C8B-B14F-4D97-AF65-F5344CB8AC3E}">
+        <p14:creationId xmlns:p14="http://schemas.microsoft.com/office/powerpoint/2010/main" val="3259091235"/>
+      </p:ext>
+    </p:extLst>
+  </p:cSld>
+  <p:clrMapOvr>
+    <a:masterClrMapping/>
+  </p:clrMapOvr>
 </p:sld>
 </file>
 
